--- a/Presentation/Class 3 - Matplotlib, Pandas and Logic.pptx
+++ b/Presentation/Class 3 - Matplotlib, Pandas and Logic.pptx
@@ -76,6 +76,34 @@
     <p:sldId id="393" r:id="rId70"/>
     <p:sldId id="394" r:id="rId71"/>
     <p:sldId id="395" r:id="rId72"/>
+    <p:sldId id="396" r:id="rId73"/>
+    <p:sldId id="397" r:id="rId74"/>
+    <p:sldId id="398" r:id="rId75"/>
+    <p:sldId id="399" r:id="rId76"/>
+    <p:sldId id="400" r:id="rId77"/>
+    <p:sldId id="401" r:id="rId78"/>
+    <p:sldId id="402" r:id="rId79"/>
+    <p:sldId id="403" r:id="rId80"/>
+    <p:sldId id="404" r:id="rId81"/>
+    <p:sldId id="405" r:id="rId82"/>
+    <p:sldId id="406" r:id="rId83"/>
+    <p:sldId id="407" r:id="rId84"/>
+    <p:sldId id="408" r:id="rId85"/>
+    <p:sldId id="409" r:id="rId86"/>
+    <p:sldId id="410" r:id="rId87"/>
+    <p:sldId id="411" r:id="rId88"/>
+    <p:sldId id="412" r:id="rId89"/>
+    <p:sldId id="413" r:id="rId90"/>
+    <p:sldId id="414" r:id="rId91"/>
+    <p:sldId id="415" r:id="rId92"/>
+    <p:sldId id="416" r:id="rId93"/>
+    <p:sldId id="417" r:id="rId94"/>
+    <p:sldId id="418" r:id="rId95"/>
+    <p:sldId id="419" r:id="rId96"/>
+    <p:sldId id="420" r:id="rId97"/>
+    <p:sldId id="421" r:id="rId98"/>
+    <p:sldId id="422" r:id="rId99"/>
+    <p:sldId id="423" r:id="rId100"/>
   </p:sldIdLst>
   <p:sldSz cx="12192000" cy="6858000"/>
   <p:notesSz cx="6858000" cy="9144000"/>
@@ -381,7 +409,7 @@
             <a:fld id="{E9462EF3-3C4F-43EE-ACEE-D4B806740EA3}" type="datetimeFigureOut">
               <a:rPr lang="en-US" smtClean="0"/>
               <a:pPr/>
-              <a:t>6/12/2022</a:t>
+              <a:t>5/28/2023</a:t>
             </a:fld>
             <a:endParaRPr lang="en-US" dirty="0"/>
           </a:p>
@@ -662,7 +690,7 @@
           <a:p>
             <a:fld id="{36343B39-165A-4B68-AA5C-581F5336313C}" type="datetimeFigureOut">
               <a:rPr lang="en-US" smtClean="0"/>
-              <a:t>6/12/2022</a:t>
+              <a:t>5/28/2023</a:t>
             </a:fld>
             <a:endParaRPr lang="en-US" dirty="0"/>
           </a:p>
@@ -862,7 +890,7 @@
           <a:p>
             <a:fld id="{942C8C57-33F9-4259-AC4F-0E3F5BEC9B94}" type="datetimeFigureOut">
               <a:rPr lang="en-US" smtClean="0"/>
-              <a:t>6/12/2022</a:t>
+              <a:t>5/28/2023</a:t>
             </a:fld>
             <a:endParaRPr lang="en-US" dirty="0"/>
           </a:p>
@@ -1139,7 +1167,7 @@
           <a:p>
             <a:fld id="{8748772B-8FA2-401F-A0A1-A59855EDBC3E}" type="datetimeFigureOut">
               <a:rPr lang="en-US" smtClean="0"/>
-              <a:t>6/12/2022</a:t>
+              <a:t>5/28/2023</a:t>
             </a:fld>
             <a:endParaRPr lang="en-US" dirty="0"/>
           </a:p>
@@ -1472,7 +1500,7 @@
           <a:p>
             <a:fld id="{D3DD5BDE-5A90-4611-82E9-0FC5746D30C5}" type="datetimeFigureOut">
               <a:rPr lang="en-US" smtClean="0"/>
-              <a:t>6/12/2022</a:t>
+              <a:t>5/28/2023</a:t>
             </a:fld>
             <a:endParaRPr lang="en-US" dirty="0"/>
           </a:p>
@@ -2097,7 +2125,7 @@
           <a:p>
             <a:fld id="{1ADDA17D-0BEA-4E76-A7FC-F7C188BC48D1}" type="datetimeFigureOut">
               <a:rPr lang="en-US" smtClean="0"/>
-              <a:t>6/12/2022</a:t>
+              <a:t>5/28/2023</a:t>
             </a:fld>
             <a:endParaRPr lang="en-US" dirty="0"/>
           </a:p>
@@ -2950,7 +2978,7 @@
           <a:p>
             <a:fld id="{6909AC7D-18CA-4236-82B9-D75EB1D66EAE}" type="datetimeFigureOut">
               <a:rPr lang="en-US" smtClean="0"/>
-              <a:t>6/12/2022</a:t>
+              <a:t>5/28/2023</a:t>
             </a:fld>
             <a:endParaRPr lang="en-US" dirty="0"/>
           </a:p>
@@ -3126,7 +3154,7 @@
           <a:p>
             <a:fld id="{5568300E-C023-45CD-A0BE-EDB7A8C6EA8B}" type="datetimeFigureOut">
               <a:rPr lang="en-US" smtClean="0"/>
-              <a:t>6/12/2022</a:t>
+              <a:t>5/28/2023</a:t>
             </a:fld>
             <a:endParaRPr lang="en-US" dirty="0"/>
           </a:p>
@@ -3312,7 +3340,7 @@
           <a:p>
             <a:fld id="{3B620EAD-E369-4933-8469-ED7764B56A1B}" type="datetimeFigureOut">
               <a:rPr lang="en-US" smtClean="0"/>
-              <a:t>6/12/2022</a:t>
+              <a:t>5/28/2023</a:t>
             </a:fld>
             <a:endParaRPr lang="en-US" dirty="0"/>
           </a:p>
@@ -3488,7 +3516,7 @@
           <a:p>
             <a:fld id="{076C0EF2-9919-473B-8215-8616BAF10692}" type="datetimeFigureOut">
               <a:rPr lang="en-US" smtClean="0"/>
-              <a:t>6/12/2022</a:t>
+              <a:t>5/28/2023</a:t>
             </a:fld>
             <a:endParaRPr lang="en-US" dirty="0"/>
           </a:p>
@@ -3741,7 +3769,7 @@
           <a:p>
             <a:fld id="{A09472EB-AC54-4713-BFC2-BEB621108C63}" type="datetimeFigureOut">
               <a:rPr lang="en-US" smtClean="0"/>
-              <a:t>6/12/2022</a:t>
+              <a:t>5/28/2023</a:t>
             </a:fld>
             <a:endParaRPr lang="en-US" dirty="0"/>
           </a:p>
@@ -4039,7 +4067,7 @@
           <a:p>
             <a:fld id="{99455A0C-791E-4545-B787-F98AD45CD761}" type="datetimeFigureOut">
               <a:rPr lang="en-US" smtClean="0"/>
-              <a:t>6/12/2022</a:t>
+              <a:t>5/28/2023</a:t>
             </a:fld>
             <a:endParaRPr lang="en-US" dirty="0"/>
           </a:p>
@@ -4489,7 +4517,7 @@
           <a:p>
             <a:fld id="{42536B77-F4F4-4427-AC4F-9A623798AD82}" type="datetimeFigureOut">
               <a:rPr lang="en-US" smtClean="0"/>
-              <a:t>6/12/2022</a:t>
+              <a:t>5/28/2023</a:t>
             </a:fld>
             <a:endParaRPr lang="en-US" dirty="0"/>
           </a:p>
@@ -4613,7 +4641,7 @@
           <a:p>
             <a:fld id="{D8BE790C-34EB-4565-8437-CACF4CDB7822}" type="datetimeFigureOut">
               <a:rPr lang="en-US" smtClean="0"/>
-              <a:t>6/12/2022</a:t>
+              <a:t>5/28/2023</a:t>
             </a:fld>
             <a:endParaRPr lang="en-US" dirty="0"/>
           </a:p>
@@ -4714,7 +4742,7 @@
           <a:p>
             <a:fld id="{F84A4C11-22B8-4A4E-8126-B3AF6B948A8E}" type="datetimeFigureOut">
               <a:rPr lang="en-US" smtClean="0"/>
-              <a:t>6/12/2022</a:t>
+              <a:t>5/28/2023</a:t>
             </a:fld>
             <a:endParaRPr lang="en-US" dirty="0"/>
           </a:p>
@@ -4999,7 +5027,7 @@
           <a:p>
             <a:fld id="{16ED06B6-C816-4861-964D-15A98395707D}" type="datetimeFigureOut">
               <a:rPr lang="en-US" smtClean="0"/>
-              <a:t>6/12/2022</a:t>
+              <a:t>5/28/2023</a:t>
             </a:fld>
             <a:endParaRPr lang="en-US" dirty="0"/>
           </a:p>
@@ -5280,7 +5308,7 @@
           <a:p>
             <a:fld id="{00B1A8AB-EA7C-4B1B-9D73-E2551851FABE}" type="datetimeFigureOut">
               <a:rPr lang="en-US" smtClean="0"/>
-              <a:t>6/12/2022</a:t>
+              <a:t>5/28/2023</a:t>
             </a:fld>
             <a:endParaRPr lang="en-US" dirty="0"/>
           </a:p>
@@ -5709,7 +5737,7 @@
           <a:p>
             <a:fld id="{90786BE5-D2A3-4BF0-8B30-D7403E61B3DC}" type="datetimeFigureOut">
               <a:rPr lang="en-US" smtClean="0"/>
-              <a:t>6/12/2022</a:t>
+              <a:t>5/28/2023</a:t>
             </a:fld>
             <a:endParaRPr lang="en-US" dirty="0"/>
           </a:p>
@@ -19843,7 +19871,6 @@
               <a:rPr lang="es-PA" dirty="0"/>
               <a:t>[:, 2] &gt; 5.5</a:t>
             </a:r>
-            <a:endParaRPr lang="es-PA" dirty="0"/>
           </a:p>
         </p:txBody>
       </p:sp>
@@ -20840,6 +20867,1575 @@
 </p:sld>
 </file>
 
+<file path=ppt/slides/slide72.xml><?xml version="1.0" encoding="utf-8"?>
+<p:sld xmlns:a="http://schemas.openxmlformats.org/drawingml/2006/main" xmlns:r="http://schemas.openxmlformats.org/officeDocument/2006/relationships" xmlns:p="http://schemas.openxmlformats.org/presentationml/2006/main">
+  <p:cSld>
+    <p:spTree>
+      <p:nvGrpSpPr>
+        <p:cNvPr id="1" name=""/>
+        <p:cNvGrpSpPr/>
+        <p:nvPr/>
+      </p:nvGrpSpPr>
+      <p:grpSpPr>
+        <a:xfrm>
+          <a:off x="0" y="0"/>
+          <a:ext cx="0" cy="0"/>
+          <a:chOff x="0" y="0"/>
+          <a:chExt cx="0" cy="0"/>
+        </a:xfrm>
+      </p:grpSpPr>
+      <p:sp>
+        <p:nvSpPr>
+          <p:cNvPr id="2" name="Title 1"/>
+          <p:cNvSpPr>
+            <a:spLocks noGrp="1"/>
+          </p:cNvSpPr>
+          <p:nvPr>
+            <p:ph type="title"/>
+          </p:nvPr>
+        </p:nvSpPr>
+        <p:spPr/>
+        <p:txBody>
+          <a:bodyPr/>
+          <a:lstStyle/>
+          <a:p>
+            <a:r>
+              <a:rPr lang="en-US" dirty="0" err="1" smtClean="0"/>
+              <a:t>Ciclo</a:t>
+            </a:r>
+            <a:r>
+              <a:rPr lang="en-US" dirty="0" smtClean="0"/>
+              <a:t> While</a:t>
+            </a:r>
+            <a:endParaRPr lang="en-US" dirty="0"/>
+          </a:p>
+        </p:txBody>
+      </p:sp>
+      <p:sp>
+        <p:nvSpPr>
+          <p:cNvPr id="3" name="Content Placeholder 2"/>
+          <p:cNvSpPr>
+            <a:spLocks noGrp="1"/>
+          </p:cNvSpPr>
+          <p:nvPr>
+            <p:ph idx="1"/>
+          </p:nvPr>
+        </p:nvSpPr>
+        <p:spPr>
+          <a:xfrm>
+            <a:off x="1003104" y="1853248"/>
+            <a:ext cx="10526649" cy="4497676"/>
+          </a:xfrm>
+        </p:spPr>
+        <p:txBody>
+          <a:bodyPr>
+            <a:normAutofit/>
+          </a:bodyPr>
+          <a:lstStyle/>
+          <a:p>
+            <a:r>
+              <a:rPr lang="es-PA" dirty="0" smtClean="0"/>
+              <a:t>IF-ELIF-ELSE</a:t>
+            </a:r>
+          </a:p>
+          <a:p>
+            <a:r>
+              <a:rPr lang="es-PA" dirty="0" smtClean="0"/>
+              <a:t>va y se construye una sola vez</a:t>
+            </a:r>
+            <a:endParaRPr lang="es-PA" dirty="0"/>
+          </a:p>
+          <a:p>
+            <a:endParaRPr lang="es-PA" dirty="0" smtClean="0"/>
+          </a:p>
+          <a:p>
+            <a:endParaRPr lang="es-PA" dirty="0" smtClean="0"/>
+          </a:p>
+          <a:p>
+            <a:endParaRPr lang="es-PA" dirty="0" smtClean="0"/>
+          </a:p>
+          <a:p>
+            <a:endParaRPr lang="es-PA" dirty="0" smtClean="0"/>
+          </a:p>
+          <a:p>
+            <a:endParaRPr lang="es-PA" dirty="0"/>
+          </a:p>
+          <a:p>
+            <a:r>
+              <a:rPr lang="es-PA" dirty="0" smtClean="0"/>
+              <a:t>El ciclo </a:t>
+            </a:r>
+            <a:r>
+              <a:rPr lang="es-PA" dirty="0" err="1" smtClean="0"/>
+              <a:t>while</a:t>
+            </a:r>
+            <a:r>
+              <a:rPr lang="es-PA" dirty="0" smtClean="0"/>
+              <a:t> = es un if </a:t>
+            </a:r>
+            <a:r>
+              <a:rPr lang="es-PA" dirty="0" err="1" smtClean="0"/>
+              <a:t>statement</a:t>
+            </a:r>
+            <a:r>
+              <a:rPr lang="es-PA" dirty="0" smtClean="0"/>
+              <a:t> repetido</a:t>
+            </a:r>
+          </a:p>
+        </p:txBody>
+      </p:sp>
+      <p:pic>
+        <p:nvPicPr>
+          <p:cNvPr id="4" name="Picture 3"/>
+          <p:cNvPicPr>
+            <a:picLocks noChangeAspect="1"/>
+          </p:cNvPicPr>
+          <p:nvPr/>
+        </p:nvPicPr>
+        <p:blipFill>
+          <a:blip r:embed="rId2"/>
+          <a:stretch>
+            <a:fillRect/>
+          </a:stretch>
+        </p:blipFill>
+        <p:spPr>
+          <a:xfrm>
+            <a:off x="2100262" y="2725536"/>
+            <a:ext cx="3751185" cy="1879715"/>
+          </a:xfrm>
+          <a:prstGeom prst="rect">
+            <a:avLst/>
+          </a:prstGeom>
+        </p:spPr>
+      </p:pic>
+    </p:spTree>
+    <p:extLst>
+      <p:ext uri="{BB962C8B-B14F-4D97-AF65-F5344CB8AC3E}">
+        <p14:creationId xmlns:p14="http://schemas.microsoft.com/office/powerpoint/2010/main" val="2250653420"/>
+      </p:ext>
+    </p:extLst>
+  </p:cSld>
+  <p:clrMapOvr>
+    <a:masterClrMapping/>
+  </p:clrMapOvr>
+</p:sld>
+</file>
+
+<file path=ppt/slides/slide73.xml><?xml version="1.0" encoding="utf-8"?>
+<p:sld xmlns:a="http://schemas.openxmlformats.org/drawingml/2006/main" xmlns:r="http://schemas.openxmlformats.org/officeDocument/2006/relationships" xmlns:p="http://schemas.openxmlformats.org/presentationml/2006/main">
+  <p:cSld>
+    <p:spTree>
+      <p:nvGrpSpPr>
+        <p:cNvPr id="1" name=""/>
+        <p:cNvGrpSpPr/>
+        <p:nvPr/>
+      </p:nvGrpSpPr>
+      <p:grpSpPr>
+        <a:xfrm>
+          <a:off x="0" y="0"/>
+          <a:ext cx="0" cy="0"/>
+          <a:chOff x="0" y="0"/>
+          <a:chExt cx="0" cy="0"/>
+        </a:xfrm>
+      </p:grpSpPr>
+      <p:sp>
+        <p:nvSpPr>
+          <p:cNvPr id="2" name="Title 1"/>
+          <p:cNvSpPr>
+            <a:spLocks noGrp="1"/>
+          </p:cNvSpPr>
+          <p:nvPr>
+            <p:ph type="title"/>
+          </p:nvPr>
+        </p:nvSpPr>
+        <p:spPr/>
+        <p:txBody>
+          <a:bodyPr/>
+          <a:lstStyle/>
+          <a:p>
+            <a:r>
+              <a:rPr lang="en-US" dirty="0" err="1" smtClean="0"/>
+              <a:t>Ciclo</a:t>
+            </a:r>
+            <a:r>
+              <a:rPr lang="en-US" dirty="0" smtClean="0"/>
+              <a:t> While</a:t>
+            </a:r>
+            <a:endParaRPr lang="en-US" dirty="0"/>
+          </a:p>
+        </p:txBody>
+      </p:sp>
+      <p:sp>
+        <p:nvSpPr>
+          <p:cNvPr id="3" name="Content Placeholder 2"/>
+          <p:cNvSpPr>
+            <a:spLocks noGrp="1"/>
+          </p:cNvSpPr>
+          <p:nvPr>
+            <p:ph idx="1"/>
+          </p:nvPr>
+        </p:nvSpPr>
+        <p:spPr>
+          <a:xfrm>
+            <a:off x="1003104" y="2532888"/>
+            <a:ext cx="10526649" cy="3818036"/>
+          </a:xfrm>
+        </p:spPr>
+        <p:txBody>
+          <a:bodyPr>
+            <a:normAutofit/>
+          </a:bodyPr>
+          <a:lstStyle/>
+          <a:p>
+            <a:r>
+              <a:rPr lang="es-PA" dirty="0" smtClean="0"/>
+              <a:t>Modelo calculado numérico</a:t>
+            </a:r>
+          </a:p>
+          <a:p>
+            <a:r>
+              <a:rPr lang="es-PA" dirty="0" smtClean="0"/>
+              <a:t>“Repite” la acción hasta que la condición se cumpla</a:t>
+            </a:r>
+          </a:p>
+          <a:p>
+            <a:r>
+              <a:rPr lang="es-PA" dirty="0" smtClean="0"/>
+              <a:t>Ejemplo:</a:t>
+            </a:r>
+          </a:p>
+          <a:p>
+            <a:pPr lvl="1"/>
+            <a:r>
+              <a:rPr lang="es-PA" dirty="0" smtClean="0"/>
+              <a:t>Error empieza en 50</a:t>
+            </a:r>
+          </a:p>
+          <a:p>
+            <a:pPr lvl="1"/>
+            <a:r>
+              <a:rPr lang="es-PA" dirty="0" smtClean="0"/>
+              <a:t>Divide error entre 4 en cada corrida</a:t>
+            </a:r>
+          </a:p>
+          <a:p>
+            <a:pPr lvl="1"/>
+            <a:r>
+              <a:rPr lang="es-PA" dirty="0" smtClean="0"/>
+              <a:t>Continúa hasta que el error no sea &gt; 1</a:t>
+            </a:r>
+          </a:p>
+        </p:txBody>
+      </p:sp>
+      <p:sp>
+        <p:nvSpPr>
+          <p:cNvPr id="5" name="Rectangle 4"/>
+          <p:cNvSpPr/>
+          <p:nvPr/>
+        </p:nvSpPr>
+        <p:spPr>
+          <a:xfrm>
+            <a:off x="1100900" y="1402698"/>
+            <a:ext cx="2456116" cy="901100"/>
+          </a:xfrm>
+          <a:prstGeom prst="rect">
+            <a:avLst/>
+          </a:prstGeom>
+          <a:ln>
+            <a:headEnd type="none" w="med" len="med"/>
+            <a:tailEnd type="none" w="med" len="med"/>
+          </a:ln>
+        </p:spPr>
+        <p:style>
+          <a:lnRef idx="2">
+            <a:schemeClr val="accent1">
+              <a:shade val="50000"/>
+            </a:schemeClr>
+          </a:lnRef>
+          <a:fillRef idx="1">
+            <a:schemeClr val="accent1"/>
+          </a:fillRef>
+          <a:effectRef idx="0">
+            <a:schemeClr val="accent1"/>
+          </a:effectRef>
+          <a:fontRef idx="minor">
+            <a:schemeClr val="lt1"/>
+          </a:fontRef>
+        </p:style>
+        <p:txBody>
+          <a:bodyPr rtlCol="0" anchor="ctr"/>
+          <a:lstStyle/>
+          <a:p>
+            <a:pPr algn="ctr"/>
+            <a:r>
+              <a:rPr lang="es-PA" dirty="0" err="1" smtClean="0">
+                <a:latin typeface="Britannic Bold" panose="020B0903060703020204" pitchFamily="34" charset="0"/>
+                <a:ea typeface="Adobe Fan Heiti Std B" panose="020B0700000000000000" pitchFamily="34" charset="-128"/>
+                <a:cs typeface="Arial" panose="020B0604020202020204" pitchFamily="34" charset="0"/>
+              </a:rPr>
+              <a:t>While</a:t>
+            </a:r>
+            <a:r>
+              <a:rPr lang="es-PA" dirty="0" smtClean="0">
+                <a:latin typeface="Britannic Bold" panose="020B0903060703020204" pitchFamily="34" charset="0"/>
+                <a:ea typeface="Adobe Fan Heiti Std B" panose="020B0700000000000000" pitchFamily="34" charset="-128"/>
+                <a:cs typeface="Arial" panose="020B0604020202020204" pitchFamily="34" charset="0"/>
+              </a:rPr>
+              <a:t> </a:t>
+            </a:r>
+            <a:r>
+              <a:rPr lang="es-PA" b="1" dirty="0" smtClean="0">
+                <a:solidFill>
+                  <a:schemeClr val="accent1">
+                    <a:lumMod val="20000"/>
+                    <a:lumOff val="80000"/>
+                  </a:schemeClr>
+                </a:solidFill>
+              </a:rPr>
+              <a:t>condición:</a:t>
+            </a:r>
+            <a:r>
+              <a:rPr lang="es-PA" dirty="0" smtClean="0">
+                <a:latin typeface="Britannic Bold" panose="020B0903060703020204" pitchFamily="34" charset="0"/>
+                <a:ea typeface="Adobe Fan Heiti Std B" panose="020B0700000000000000" pitchFamily="34" charset="-128"/>
+                <a:cs typeface="Arial" panose="020B0604020202020204" pitchFamily="34" charset="0"/>
+              </a:rPr>
+              <a:t> </a:t>
+            </a:r>
+            <a:endParaRPr lang="es-PA" dirty="0" smtClean="0">
+              <a:latin typeface="Arial" panose="020B0604020202020204" pitchFamily="34" charset="0"/>
+              <a:ea typeface="Adobe Fan Heiti Std B" panose="020B0700000000000000" pitchFamily="34" charset="-128"/>
+              <a:cs typeface="Arial" panose="020B0604020202020204" pitchFamily="34" charset="0"/>
+            </a:endParaRPr>
+          </a:p>
+          <a:p>
+            <a:pPr algn="ctr"/>
+            <a:r>
+              <a:rPr lang="es-PA" b="1" dirty="0" smtClean="0">
+                <a:solidFill>
+                  <a:schemeClr val="accent1">
+                    <a:lumMod val="20000"/>
+                    <a:lumOff val="80000"/>
+                  </a:schemeClr>
+                </a:solidFill>
+              </a:rPr>
+              <a:t>expresión</a:t>
+            </a:r>
+            <a:endParaRPr lang="es-PA" dirty="0">
+              <a:latin typeface="Arial" panose="020B0604020202020204" pitchFamily="34" charset="0"/>
+              <a:ea typeface="Adobe Fan Heiti Std B" panose="020B0700000000000000" pitchFamily="34" charset="-128"/>
+              <a:cs typeface="Arial" panose="020B0604020202020204" pitchFamily="34" charset="0"/>
+            </a:endParaRPr>
+          </a:p>
+        </p:txBody>
+      </p:sp>
+    </p:spTree>
+    <p:extLst>
+      <p:ext uri="{BB962C8B-B14F-4D97-AF65-F5344CB8AC3E}">
+        <p14:creationId xmlns:p14="http://schemas.microsoft.com/office/powerpoint/2010/main" val="877190128"/>
+      </p:ext>
+    </p:extLst>
+  </p:cSld>
+  <p:clrMapOvr>
+    <a:masterClrMapping/>
+  </p:clrMapOvr>
+</p:sld>
+</file>
+
+<file path=ppt/slides/slide74.xml><?xml version="1.0" encoding="utf-8"?>
+<p:sld xmlns:a="http://schemas.openxmlformats.org/drawingml/2006/main" xmlns:r="http://schemas.openxmlformats.org/officeDocument/2006/relationships" xmlns:p="http://schemas.openxmlformats.org/presentationml/2006/main">
+  <p:cSld>
+    <p:spTree>
+      <p:nvGrpSpPr>
+        <p:cNvPr id="1" name=""/>
+        <p:cNvGrpSpPr/>
+        <p:nvPr/>
+      </p:nvGrpSpPr>
+      <p:grpSpPr>
+        <a:xfrm>
+          <a:off x="0" y="0"/>
+          <a:ext cx="0" cy="0"/>
+          <a:chOff x="0" y="0"/>
+          <a:chExt cx="0" cy="0"/>
+        </a:xfrm>
+      </p:grpSpPr>
+      <p:sp>
+        <p:nvSpPr>
+          <p:cNvPr id="2" name="Title 1"/>
+          <p:cNvSpPr>
+            <a:spLocks noGrp="1"/>
+          </p:cNvSpPr>
+          <p:nvPr>
+            <p:ph type="title"/>
+          </p:nvPr>
+        </p:nvSpPr>
+        <p:spPr/>
+        <p:txBody>
+          <a:bodyPr/>
+          <a:lstStyle/>
+          <a:p>
+            <a:r>
+              <a:rPr lang="en-US" dirty="0" err="1" smtClean="0"/>
+              <a:t>Ciclo</a:t>
+            </a:r>
+            <a:r>
+              <a:rPr lang="en-US" dirty="0" smtClean="0"/>
+              <a:t> While</a:t>
+            </a:r>
+            <a:endParaRPr lang="en-US" dirty="0"/>
+          </a:p>
+        </p:txBody>
+      </p:sp>
+      <p:sp>
+        <p:nvSpPr>
+          <p:cNvPr id="3" name="Content Placeholder 2"/>
+          <p:cNvSpPr>
+            <a:spLocks noGrp="1"/>
+          </p:cNvSpPr>
+          <p:nvPr>
+            <p:ph idx="1"/>
+          </p:nvPr>
+        </p:nvSpPr>
+        <p:spPr>
+          <a:xfrm>
+            <a:off x="1003104" y="2532888"/>
+            <a:ext cx="10526649" cy="3818036"/>
+          </a:xfrm>
+        </p:spPr>
+        <p:txBody>
+          <a:bodyPr>
+            <a:normAutofit/>
+          </a:bodyPr>
+          <a:lstStyle/>
+          <a:p>
+            <a:r>
+              <a:rPr lang="es-PA" dirty="0" smtClean="0"/>
+              <a:t>Ciclo </a:t>
+            </a:r>
+            <a:r>
+              <a:rPr lang="es-PA" dirty="0" err="1" smtClean="0"/>
+              <a:t>While</a:t>
+            </a:r>
+            <a:r>
+              <a:rPr lang="es-PA" dirty="0" smtClean="0"/>
+              <a:t> ejemplificado</a:t>
+            </a:r>
+          </a:p>
+        </p:txBody>
+      </p:sp>
+      <p:sp>
+        <p:nvSpPr>
+          <p:cNvPr id="5" name="Rectangle 4"/>
+          <p:cNvSpPr/>
+          <p:nvPr/>
+        </p:nvSpPr>
+        <p:spPr>
+          <a:xfrm>
+            <a:off x="1100900" y="1402698"/>
+            <a:ext cx="2456116" cy="901100"/>
+          </a:xfrm>
+          <a:prstGeom prst="rect">
+            <a:avLst/>
+          </a:prstGeom>
+          <a:ln>
+            <a:headEnd type="none" w="med" len="med"/>
+            <a:tailEnd type="none" w="med" len="med"/>
+          </a:ln>
+        </p:spPr>
+        <p:style>
+          <a:lnRef idx="2">
+            <a:schemeClr val="accent1">
+              <a:shade val="50000"/>
+            </a:schemeClr>
+          </a:lnRef>
+          <a:fillRef idx="1">
+            <a:schemeClr val="accent1"/>
+          </a:fillRef>
+          <a:effectRef idx="0">
+            <a:schemeClr val="accent1"/>
+          </a:effectRef>
+          <a:fontRef idx="minor">
+            <a:schemeClr val="lt1"/>
+          </a:fontRef>
+        </p:style>
+        <p:txBody>
+          <a:bodyPr rtlCol="0" anchor="ctr"/>
+          <a:lstStyle/>
+          <a:p>
+            <a:pPr algn="ctr"/>
+            <a:r>
+              <a:rPr lang="es-PA" dirty="0" err="1" smtClean="0">
+                <a:latin typeface="Britannic Bold" panose="020B0903060703020204" pitchFamily="34" charset="0"/>
+                <a:ea typeface="Adobe Fan Heiti Std B" panose="020B0700000000000000" pitchFamily="34" charset="-128"/>
+                <a:cs typeface="Arial" panose="020B0604020202020204" pitchFamily="34" charset="0"/>
+              </a:rPr>
+              <a:t>While</a:t>
+            </a:r>
+            <a:r>
+              <a:rPr lang="es-PA" dirty="0" smtClean="0">
+                <a:latin typeface="Britannic Bold" panose="020B0903060703020204" pitchFamily="34" charset="0"/>
+                <a:ea typeface="Adobe Fan Heiti Std B" panose="020B0700000000000000" pitchFamily="34" charset="-128"/>
+                <a:cs typeface="Arial" panose="020B0604020202020204" pitchFamily="34" charset="0"/>
+              </a:rPr>
+              <a:t> </a:t>
+            </a:r>
+            <a:r>
+              <a:rPr lang="es-PA" b="1" dirty="0" smtClean="0">
+                <a:solidFill>
+                  <a:schemeClr val="accent1">
+                    <a:lumMod val="20000"/>
+                    <a:lumOff val="80000"/>
+                  </a:schemeClr>
+                </a:solidFill>
+              </a:rPr>
+              <a:t>condición:</a:t>
+            </a:r>
+            <a:r>
+              <a:rPr lang="es-PA" dirty="0" smtClean="0">
+                <a:latin typeface="Britannic Bold" panose="020B0903060703020204" pitchFamily="34" charset="0"/>
+                <a:ea typeface="Adobe Fan Heiti Std B" panose="020B0700000000000000" pitchFamily="34" charset="-128"/>
+                <a:cs typeface="Arial" panose="020B0604020202020204" pitchFamily="34" charset="0"/>
+              </a:rPr>
+              <a:t> </a:t>
+            </a:r>
+            <a:endParaRPr lang="es-PA" dirty="0" smtClean="0">
+              <a:latin typeface="Arial" panose="020B0604020202020204" pitchFamily="34" charset="0"/>
+              <a:ea typeface="Adobe Fan Heiti Std B" panose="020B0700000000000000" pitchFamily="34" charset="-128"/>
+              <a:cs typeface="Arial" panose="020B0604020202020204" pitchFamily="34" charset="0"/>
+            </a:endParaRPr>
+          </a:p>
+          <a:p>
+            <a:pPr algn="ctr"/>
+            <a:r>
+              <a:rPr lang="es-PA" b="1" dirty="0" smtClean="0">
+                <a:solidFill>
+                  <a:schemeClr val="accent1">
+                    <a:lumMod val="20000"/>
+                    <a:lumOff val="80000"/>
+                  </a:schemeClr>
+                </a:solidFill>
+              </a:rPr>
+              <a:t>expresión</a:t>
+            </a:r>
+            <a:endParaRPr lang="es-PA" dirty="0">
+              <a:latin typeface="Arial" panose="020B0604020202020204" pitchFamily="34" charset="0"/>
+              <a:ea typeface="Adobe Fan Heiti Std B" panose="020B0700000000000000" pitchFamily="34" charset="-128"/>
+              <a:cs typeface="Arial" panose="020B0604020202020204" pitchFamily="34" charset="0"/>
+            </a:endParaRPr>
+          </a:p>
+        </p:txBody>
+      </p:sp>
+      <p:pic>
+        <p:nvPicPr>
+          <p:cNvPr id="4" name="Picture 3"/>
+          <p:cNvPicPr>
+            <a:picLocks noChangeAspect="1"/>
+          </p:cNvPicPr>
+          <p:nvPr/>
+        </p:nvPicPr>
+        <p:blipFill>
+          <a:blip r:embed="rId2"/>
+          <a:stretch>
+            <a:fillRect/>
+          </a:stretch>
+        </p:blipFill>
+        <p:spPr>
+          <a:xfrm>
+            <a:off x="1304163" y="2983438"/>
+            <a:ext cx="4505706" cy="3003804"/>
+          </a:xfrm>
+          <a:prstGeom prst="rect">
+            <a:avLst/>
+          </a:prstGeom>
+        </p:spPr>
+      </p:pic>
+    </p:spTree>
+    <p:extLst>
+      <p:ext uri="{BB962C8B-B14F-4D97-AF65-F5344CB8AC3E}">
+        <p14:creationId xmlns:p14="http://schemas.microsoft.com/office/powerpoint/2010/main" val="795292827"/>
+      </p:ext>
+    </p:extLst>
+  </p:cSld>
+  <p:clrMapOvr>
+    <a:masterClrMapping/>
+  </p:clrMapOvr>
+</p:sld>
+</file>
+
+<file path=ppt/slides/slide75.xml><?xml version="1.0" encoding="utf-8"?>
+<p:sld xmlns:a="http://schemas.openxmlformats.org/drawingml/2006/main" xmlns:r="http://schemas.openxmlformats.org/officeDocument/2006/relationships" xmlns:p="http://schemas.openxmlformats.org/presentationml/2006/main">
+  <p:cSld>
+    <p:spTree>
+      <p:nvGrpSpPr>
+        <p:cNvPr id="1" name=""/>
+        <p:cNvGrpSpPr/>
+        <p:nvPr/>
+      </p:nvGrpSpPr>
+      <p:grpSpPr>
+        <a:xfrm>
+          <a:off x="0" y="0"/>
+          <a:ext cx="0" cy="0"/>
+          <a:chOff x="0" y="0"/>
+          <a:chExt cx="0" cy="0"/>
+        </a:xfrm>
+      </p:grpSpPr>
+      <p:sp>
+        <p:nvSpPr>
+          <p:cNvPr id="2" name="Title 1"/>
+          <p:cNvSpPr>
+            <a:spLocks noGrp="1"/>
+          </p:cNvSpPr>
+          <p:nvPr>
+            <p:ph type="title"/>
+          </p:nvPr>
+        </p:nvSpPr>
+        <p:spPr/>
+        <p:txBody>
+          <a:bodyPr/>
+          <a:lstStyle/>
+          <a:p>
+            <a:r>
+              <a:rPr lang="en-US" dirty="0" err="1" smtClean="0"/>
+              <a:t>Ciclo</a:t>
+            </a:r>
+            <a:r>
+              <a:rPr lang="en-US" dirty="0" smtClean="0"/>
+              <a:t> While</a:t>
+            </a:r>
+            <a:endParaRPr lang="en-US" dirty="0"/>
+          </a:p>
+        </p:txBody>
+      </p:sp>
+      <p:sp>
+        <p:nvSpPr>
+          <p:cNvPr id="3" name="Content Placeholder 2"/>
+          <p:cNvSpPr>
+            <a:spLocks noGrp="1"/>
+          </p:cNvSpPr>
+          <p:nvPr>
+            <p:ph idx="1"/>
+          </p:nvPr>
+        </p:nvSpPr>
+        <p:spPr>
+          <a:xfrm>
+            <a:off x="1003104" y="2532888"/>
+            <a:ext cx="10526649" cy="3818036"/>
+          </a:xfrm>
+        </p:spPr>
+        <p:txBody>
+          <a:bodyPr>
+            <a:normAutofit/>
+          </a:bodyPr>
+          <a:lstStyle/>
+          <a:p>
+            <a:r>
+              <a:rPr lang="es-PA" dirty="0" smtClean="0"/>
+              <a:t>Ciclo </a:t>
+            </a:r>
+            <a:r>
+              <a:rPr lang="es-PA" dirty="0" err="1" smtClean="0"/>
+              <a:t>While</a:t>
+            </a:r>
+            <a:r>
+              <a:rPr lang="es-PA" dirty="0" smtClean="0"/>
+              <a:t> ejemplificado</a:t>
+            </a:r>
+          </a:p>
+        </p:txBody>
+      </p:sp>
+      <p:sp>
+        <p:nvSpPr>
+          <p:cNvPr id="5" name="Rectangle 4"/>
+          <p:cNvSpPr/>
+          <p:nvPr/>
+        </p:nvSpPr>
+        <p:spPr>
+          <a:xfrm>
+            <a:off x="1100900" y="1402698"/>
+            <a:ext cx="2456116" cy="901100"/>
+          </a:xfrm>
+          <a:prstGeom prst="rect">
+            <a:avLst/>
+          </a:prstGeom>
+          <a:ln>
+            <a:headEnd type="none" w="med" len="med"/>
+            <a:tailEnd type="none" w="med" len="med"/>
+          </a:ln>
+        </p:spPr>
+        <p:style>
+          <a:lnRef idx="2">
+            <a:schemeClr val="accent1">
+              <a:shade val="50000"/>
+            </a:schemeClr>
+          </a:lnRef>
+          <a:fillRef idx="1">
+            <a:schemeClr val="accent1"/>
+          </a:fillRef>
+          <a:effectRef idx="0">
+            <a:schemeClr val="accent1"/>
+          </a:effectRef>
+          <a:fontRef idx="minor">
+            <a:schemeClr val="lt1"/>
+          </a:fontRef>
+        </p:style>
+        <p:txBody>
+          <a:bodyPr rtlCol="0" anchor="ctr"/>
+          <a:lstStyle/>
+          <a:p>
+            <a:pPr algn="ctr"/>
+            <a:r>
+              <a:rPr lang="es-PA" dirty="0" err="1" smtClean="0">
+                <a:latin typeface="Britannic Bold" panose="020B0903060703020204" pitchFamily="34" charset="0"/>
+                <a:ea typeface="Adobe Fan Heiti Std B" panose="020B0700000000000000" pitchFamily="34" charset="-128"/>
+                <a:cs typeface="Arial" panose="020B0604020202020204" pitchFamily="34" charset="0"/>
+              </a:rPr>
+              <a:t>While</a:t>
+            </a:r>
+            <a:r>
+              <a:rPr lang="es-PA" dirty="0" smtClean="0">
+                <a:latin typeface="Britannic Bold" panose="020B0903060703020204" pitchFamily="34" charset="0"/>
+                <a:ea typeface="Adobe Fan Heiti Std B" panose="020B0700000000000000" pitchFamily="34" charset="-128"/>
+                <a:cs typeface="Arial" panose="020B0604020202020204" pitchFamily="34" charset="0"/>
+              </a:rPr>
+              <a:t> </a:t>
+            </a:r>
+            <a:r>
+              <a:rPr lang="es-PA" b="1" dirty="0" smtClean="0">
+                <a:solidFill>
+                  <a:schemeClr val="accent1">
+                    <a:lumMod val="20000"/>
+                    <a:lumOff val="80000"/>
+                  </a:schemeClr>
+                </a:solidFill>
+              </a:rPr>
+              <a:t>condición:</a:t>
+            </a:r>
+            <a:r>
+              <a:rPr lang="es-PA" dirty="0" smtClean="0">
+                <a:latin typeface="Britannic Bold" panose="020B0903060703020204" pitchFamily="34" charset="0"/>
+                <a:ea typeface="Adobe Fan Heiti Std B" panose="020B0700000000000000" pitchFamily="34" charset="-128"/>
+                <a:cs typeface="Arial" panose="020B0604020202020204" pitchFamily="34" charset="0"/>
+              </a:rPr>
+              <a:t> </a:t>
+            </a:r>
+            <a:endParaRPr lang="es-PA" dirty="0" smtClean="0">
+              <a:latin typeface="Arial" panose="020B0604020202020204" pitchFamily="34" charset="0"/>
+              <a:ea typeface="Adobe Fan Heiti Std B" panose="020B0700000000000000" pitchFamily="34" charset="-128"/>
+              <a:cs typeface="Arial" panose="020B0604020202020204" pitchFamily="34" charset="0"/>
+            </a:endParaRPr>
+          </a:p>
+          <a:p>
+            <a:pPr algn="ctr"/>
+            <a:r>
+              <a:rPr lang="es-PA" b="1" dirty="0" smtClean="0">
+                <a:solidFill>
+                  <a:schemeClr val="accent1">
+                    <a:lumMod val="20000"/>
+                    <a:lumOff val="80000"/>
+                  </a:schemeClr>
+                </a:solidFill>
+              </a:rPr>
+              <a:t>expresión</a:t>
+            </a:r>
+            <a:endParaRPr lang="es-PA" dirty="0">
+              <a:latin typeface="Arial" panose="020B0604020202020204" pitchFamily="34" charset="0"/>
+              <a:ea typeface="Adobe Fan Heiti Std B" panose="020B0700000000000000" pitchFamily="34" charset="-128"/>
+              <a:cs typeface="Arial" panose="020B0604020202020204" pitchFamily="34" charset="0"/>
+            </a:endParaRPr>
+          </a:p>
+        </p:txBody>
+      </p:sp>
+      <p:pic>
+        <p:nvPicPr>
+          <p:cNvPr id="4" name="Picture 3"/>
+          <p:cNvPicPr>
+            <a:picLocks noChangeAspect="1"/>
+          </p:cNvPicPr>
+          <p:nvPr/>
+        </p:nvPicPr>
+        <p:blipFill>
+          <a:blip r:embed="rId2"/>
+          <a:stretch>
+            <a:fillRect/>
+          </a:stretch>
+        </p:blipFill>
+        <p:spPr>
+          <a:xfrm>
+            <a:off x="1304163" y="2983438"/>
+            <a:ext cx="4505706" cy="3003804"/>
+          </a:xfrm>
+          <a:prstGeom prst="rect">
+            <a:avLst/>
+          </a:prstGeom>
+        </p:spPr>
+      </p:pic>
+    </p:spTree>
+    <p:extLst>
+      <p:ext uri="{BB962C8B-B14F-4D97-AF65-F5344CB8AC3E}">
+        <p14:creationId xmlns:p14="http://schemas.microsoft.com/office/powerpoint/2010/main" val="2903729265"/>
+      </p:ext>
+    </p:extLst>
+  </p:cSld>
+  <p:clrMapOvr>
+    <a:masterClrMapping/>
+  </p:clrMapOvr>
+</p:sld>
+</file>
+
+<file path=ppt/slides/slide76.xml><?xml version="1.0" encoding="utf-8"?>
+<p:sld xmlns:a="http://schemas.openxmlformats.org/drawingml/2006/main" xmlns:r="http://schemas.openxmlformats.org/officeDocument/2006/relationships" xmlns:p="http://schemas.openxmlformats.org/presentationml/2006/main">
+  <p:cSld>
+    <p:spTree>
+      <p:nvGrpSpPr>
+        <p:cNvPr id="1" name=""/>
+        <p:cNvGrpSpPr/>
+        <p:nvPr/>
+      </p:nvGrpSpPr>
+      <p:grpSpPr>
+        <a:xfrm>
+          <a:off x="0" y="0"/>
+          <a:ext cx="0" cy="0"/>
+          <a:chOff x="0" y="0"/>
+          <a:chExt cx="0" cy="0"/>
+        </a:xfrm>
+      </p:grpSpPr>
+      <p:sp>
+        <p:nvSpPr>
+          <p:cNvPr id="2" name="Title 1"/>
+          <p:cNvSpPr>
+            <a:spLocks noGrp="1"/>
+          </p:cNvSpPr>
+          <p:nvPr>
+            <p:ph type="title"/>
+          </p:nvPr>
+        </p:nvSpPr>
+        <p:spPr/>
+        <p:txBody>
+          <a:bodyPr/>
+          <a:lstStyle/>
+          <a:p>
+            <a:r>
+              <a:rPr lang="en-US" dirty="0" err="1" smtClean="0"/>
+              <a:t>Ciclo</a:t>
+            </a:r>
+            <a:r>
+              <a:rPr lang="en-US" dirty="0" smtClean="0"/>
+              <a:t> For</a:t>
+            </a:r>
+            <a:endParaRPr lang="en-US" dirty="0"/>
+          </a:p>
+        </p:txBody>
+      </p:sp>
+      <p:sp>
+        <p:nvSpPr>
+          <p:cNvPr id="3" name="Content Placeholder 2"/>
+          <p:cNvSpPr>
+            <a:spLocks noGrp="1"/>
+          </p:cNvSpPr>
+          <p:nvPr>
+            <p:ph idx="1"/>
+          </p:nvPr>
+        </p:nvSpPr>
+        <p:spPr>
+          <a:xfrm>
+            <a:off x="1003104" y="2532888"/>
+            <a:ext cx="10526649" cy="3818036"/>
+          </a:xfrm>
+        </p:spPr>
+        <p:txBody>
+          <a:bodyPr>
+            <a:normAutofit/>
+          </a:bodyPr>
+          <a:lstStyle/>
+          <a:p>
+            <a:r>
+              <a:rPr lang="es-PA" dirty="0" smtClean="0"/>
+              <a:t>Para cada variable en la secuencia de datos, ejecuta una expresión</a:t>
+            </a:r>
+          </a:p>
+        </p:txBody>
+      </p:sp>
+      <p:sp>
+        <p:nvSpPr>
+          <p:cNvPr id="5" name="Rectangle 4"/>
+          <p:cNvSpPr/>
+          <p:nvPr/>
+        </p:nvSpPr>
+        <p:spPr>
+          <a:xfrm>
+            <a:off x="1100900" y="1402698"/>
+            <a:ext cx="2456116" cy="901100"/>
+          </a:xfrm>
+          <a:prstGeom prst="rect">
+            <a:avLst/>
+          </a:prstGeom>
+          <a:ln>
+            <a:headEnd type="none" w="med" len="med"/>
+            <a:tailEnd type="none" w="med" len="med"/>
+          </a:ln>
+        </p:spPr>
+        <p:style>
+          <a:lnRef idx="2">
+            <a:schemeClr val="accent1">
+              <a:shade val="50000"/>
+            </a:schemeClr>
+          </a:lnRef>
+          <a:fillRef idx="1">
+            <a:schemeClr val="accent1"/>
+          </a:fillRef>
+          <a:effectRef idx="0">
+            <a:schemeClr val="accent1"/>
+          </a:effectRef>
+          <a:fontRef idx="minor">
+            <a:schemeClr val="lt1"/>
+          </a:fontRef>
+        </p:style>
+        <p:txBody>
+          <a:bodyPr rtlCol="0" anchor="ctr"/>
+          <a:lstStyle/>
+          <a:p>
+            <a:pPr algn="ctr"/>
+            <a:r>
+              <a:rPr lang="es-PA" dirty="0" err="1" smtClean="0">
+                <a:latin typeface="Britannic Bold" panose="020B0903060703020204" pitchFamily="34" charset="0"/>
+                <a:ea typeface="Adobe Fan Heiti Std B" panose="020B0700000000000000" pitchFamily="34" charset="-128"/>
+                <a:cs typeface="Arial" panose="020B0604020202020204" pitchFamily="34" charset="0"/>
+              </a:rPr>
+              <a:t>For</a:t>
+            </a:r>
+            <a:r>
+              <a:rPr lang="es-PA" dirty="0" smtClean="0">
+                <a:latin typeface="Britannic Bold" panose="020B0903060703020204" pitchFamily="34" charset="0"/>
+                <a:ea typeface="Adobe Fan Heiti Std B" panose="020B0700000000000000" pitchFamily="34" charset="-128"/>
+                <a:cs typeface="Arial" panose="020B0604020202020204" pitchFamily="34" charset="0"/>
+              </a:rPr>
+              <a:t> </a:t>
+            </a:r>
+            <a:r>
+              <a:rPr lang="es-PA" b="1" dirty="0" err="1" smtClean="0">
+                <a:solidFill>
+                  <a:schemeClr val="accent1">
+                    <a:lumMod val="20000"/>
+                    <a:lumOff val="80000"/>
+                  </a:schemeClr>
+                </a:solidFill>
+              </a:rPr>
+              <a:t>var</a:t>
+            </a:r>
+            <a:r>
+              <a:rPr lang="es-PA" b="1" dirty="0" smtClean="0">
+                <a:solidFill>
+                  <a:schemeClr val="accent1">
+                    <a:lumMod val="20000"/>
+                    <a:lumOff val="80000"/>
+                  </a:schemeClr>
+                </a:solidFill>
+              </a:rPr>
+              <a:t> </a:t>
+            </a:r>
+            <a:r>
+              <a:rPr lang="es-PA" dirty="0" smtClean="0">
+                <a:latin typeface="Britannic Bold" panose="020B0903060703020204" pitchFamily="34" charset="0"/>
+                <a:ea typeface="Adobe Fan Heiti Std B" panose="020B0700000000000000" pitchFamily="34" charset="-128"/>
+                <a:cs typeface="Arial" panose="020B0604020202020204" pitchFamily="34" charset="0"/>
+              </a:rPr>
+              <a:t>in </a:t>
+            </a:r>
+            <a:r>
+              <a:rPr lang="es-PA" b="1" dirty="0" err="1" smtClean="0">
+                <a:solidFill>
+                  <a:schemeClr val="accent1">
+                    <a:lumMod val="20000"/>
+                    <a:lumOff val="80000"/>
+                  </a:schemeClr>
+                </a:solidFill>
+              </a:rPr>
+              <a:t>seq</a:t>
+            </a:r>
+            <a:r>
+              <a:rPr lang="es-PA" b="1" dirty="0" smtClean="0">
+                <a:solidFill>
+                  <a:schemeClr val="accent1">
+                    <a:lumMod val="20000"/>
+                    <a:lumOff val="80000"/>
+                  </a:schemeClr>
+                </a:solidFill>
+              </a:rPr>
+              <a:t>:</a:t>
+            </a:r>
+            <a:r>
+              <a:rPr lang="es-PA" dirty="0" smtClean="0">
+                <a:latin typeface="Britannic Bold" panose="020B0903060703020204" pitchFamily="34" charset="0"/>
+                <a:ea typeface="Adobe Fan Heiti Std B" panose="020B0700000000000000" pitchFamily="34" charset="-128"/>
+                <a:cs typeface="Arial" panose="020B0604020202020204" pitchFamily="34" charset="0"/>
+              </a:rPr>
+              <a:t> </a:t>
+            </a:r>
+            <a:endParaRPr lang="es-PA" dirty="0" smtClean="0">
+              <a:latin typeface="Arial" panose="020B0604020202020204" pitchFamily="34" charset="0"/>
+              <a:ea typeface="Adobe Fan Heiti Std B" panose="020B0700000000000000" pitchFamily="34" charset="-128"/>
+              <a:cs typeface="Arial" panose="020B0604020202020204" pitchFamily="34" charset="0"/>
+            </a:endParaRPr>
+          </a:p>
+          <a:p>
+            <a:pPr algn="ctr"/>
+            <a:r>
+              <a:rPr lang="es-PA" b="1" dirty="0" smtClean="0">
+                <a:solidFill>
+                  <a:schemeClr val="accent1">
+                    <a:lumMod val="20000"/>
+                    <a:lumOff val="80000"/>
+                  </a:schemeClr>
+                </a:solidFill>
+              </a:rPr>
+              <a:t>expresión</a:t>
+            </a:r>
+            <a:endParaRPr lang="es-PA" dirty="0">
+              <a:latin typeface="Arial" panose="020B0604020202020204" pitchFamily="34" charset="0"/>
+              <a:ea typeface="Adobe Fan Heiti Std B" panose="020B0700000000000000" pitchFamily="34" charset="-128"/>
+              <a:cs typeface="Arial" panose="020B0604020202020204" pitchFamily="34" charset="0"/>
+            </a:endParaRPr>
+          </a:p>
+        </p:txBody>
+      </p:sp>
+    </p:spTree>
+    <p:extLst>
+      <p:ext uri="{BB962C8B-B14F-4D97-AF65-F5344CB8AC3E}">
+        <p14:creationId xmlns:p14="http://schemas.microsoft.com/office/powerpoint/2010/main" val="2968642320"/>
+      </p:ext>
+    </p:extLst>
+  </p:cSld>
+  <p:clrMapOvr>
+    <a:masterClrMapping/>
+  </p:clrMapOvr>
+</p:sld>
+</file>
+
+<file path=ppt/slides/slide77.xml><?xml version="1.0" encoding="utf-8"?>
+<p:sld xmlns:a="http://schemas.openxmlformats.org/drawingml/2006/main" xmlns:r="http://schemas.openxmlformats.org/officeDocument/2006/relationships" xmlns:p="http://schemas.openxmlformats.org/presentationml/2006/main">
+  <p:cSld>
+    <p:spTree>
+      <p:nvGrpSpPr>
+        <p:cNvPr id="1" name=""/>
+        <p:cNvGrpSpPr/>
+        <p:nvPr/>
+      </p:nvGrpSpPr>
+      <p:grpSpPr>
+        <a:xfrm>
+          <a:off x="0" y="0"/>
+          <a:ext cx="0" cy="0"/>
+          <a:chOff x="0" y="0"/>
+          <a:chExt cx="0" cy="0"/>
+        </a:xfrm>
+      </p:grpSpPr>
+      <p:sp>
+        <p:nvSpPr>
+          <p:cNvPr id="2" name="Title 1"/>
+          <p:cNvSpPr>
+            <a:spLocks noGrp="1"/>
+          </p:cNvSpPr>
+          <p:nvPr>
+            <p:ph type="title"/>
+          </p:nvPr>
+        </p:nvSpPr>
+        <p:spPr/>
+        <p:txBody>
+          <a:bodyPr/>
+          <a:lstStyle/>
+          <a:p>
+            <a:r>
+              <a:rPr lang="en-US" dirty="0" err="1" smtClean="0"/>
+              <a:t>Ciclo</a:t>
+            </a:r>
+            <a:r>
+              <a:rPr lang="en-US" dirty="0" smtClean="0"/>
+              <a:t> Loop</a:t>
+            </a:r>
+            <a:endParaRPr lang="en-US" dirty="0"/>
+          </a:p>
+        </p:txBody>
+      </p:sp>
+      <p:sp>
+        <p:nvSpPr>
+          <p:cNvPr id="3" name="Content Placeholder 2"/>
+          <p:cNvSpPr>
+            <a:spLocks noGrp="1"/>
+          </p:cNvSpPr>
+          <p:nvPr>
+            <p:ph idx="1"/>
+          </p:nvPr>
+        </p:nvSpPr>
+        <p:spPr>
+          <a:xfrm>
+            <a:off x="1003104" y="2532888"/>
+            <a:ext cx="10526649" cy="3818036"/>
+          </a:xfrm>
+        </p:spPr>
+        <p:txBody>
+          <a:bodyPr>
+            <a:normAutofit/>
+          </a:bodyPr>
+          <a:lstStyle/>
+          <a:p>
+            <a:r>
+              <a:rPr lang="es-PA" dirty="0" smtClean="0"/>
+              <a:t>Ejemplo de </a:t>
+            </a:r>
+            <a:r>
+              <a:rPr lang="es-PA" dirty="0" err="1" smtClean="0"/>
+              <a:t>For</a:t>
+            </a:r>
+            <a:endParaRPr lang="es-PA" dirty="0" smtClean="0"/>
+          </a:p>
+        </p:txBody>
+      </p:sp>
+      <p:pic>
+        <p:nvPicPr>
+          <p:cNvPr id="4" name="Picture 3"/>
+          <p:cNvPicPr>
+            <a:picLocks noChangeAspect="1"/>
+          </p:cNvPicPr>
+          <p:nvPr/>
+        </p:nvPicPr>
+        <p:blipFill>
+          <a:blip r:embed="rId2"/>
+          <a:stretch>
+            <a:fillRect/>
+          </a:stretch>
+        </p:blipFill>
+        <p:spPr>
+          <a:xfrm>
+            <a:off x="1161478" y="3311002"/>
+            <a:ext cx="6455230" cy="2261807"/>
+          </a:xfrm>
+          <a:prstGeom prst="rect">
+            <a:avLst/>
+          </a:prstGeom>
+        </p:spPr>
+      </p:pic>
+    </p:spTree>
+    <p:extLst>
+      <p:ext uri="{BB962C8B-B14F-4D97-AF65-F5344CB8AC3E}">
+        <p14:creationId xmlns:p14="http://schemas.microsoft.com/office/powerpoint/2010/main" val="2926596490"/>
+      </p:ext>
+    </p:extLst>
+  </p:cSld>
+  <p:clrMapOvr>
+    <a:masterClrMapping/>
+  </p:clrMapOvr>
+</p:sld>
+</file>
+
+<file path=ppt/slides/slide78.xml><?xml version="1.0" encoding="utf-8"?>
+<p:sld xmlns:a="http://schemas.openxmlformats.org/drawingml/2006/main" xmlns:r="http://schemas.openxmlformats.org/officeDocument/2006/relationships" xmlns:p="http://schemas.openxmlformats.org/presentationml/2006/main">
+  <p:cSld>
+    <p:spTree>
+      <p:nvGrpSpPr>
+        <p:cNvPr id="1" name=""/>
+        <p:cNvGrpSpPr/>
+        <p:nvPr/>
+      </p:nvGrpSpPr>
+      <p:grpSpPr>
+        <a:xfrm>
+          <a:off x="0" y="0"/>
+          <a:ext cx="0" cy="0"/>
+          <a:chOff x="0" y="0"/>
+          <a:chExt cx="0" cy="0"/>
+        </a:xfrm>
+      </p:grpSpPr>
+      <p:sp>
+        <p:nvSpPr>
+          <p:cNvPr id="2" name="Title 1"/>
+          <p:cNvSpPr>
+            <a:spLocks noGrp="1"/>
+          </p:cNvSpPr>
+          <p:nvPr>
+            <p:ph type="title"/>
+          </p:nvPr>
+        </p:nvSpPr>
+        <p:spPr/>
+        <p:txBody>
+          <a:bodyPr/>
+          <a:lstStyle/>
+          <a:p>
+            <a:r>
+              <a:rPr lang="en-US" dirty="0" err="1" smtClean="0"/>
+              <a:t>Ciclo</a:t>
+            </a:r>
+            <a:r>
+              <a:rPr lang="en-US" dirty="0" smtClean="0"/>
+              <a:t> Loop</a:t>
+            </a:r>
+            <a:endParaRPr lang="en-US" dirty="0"/>
+          </a:p>
+        </p:txBody>
+      </p:sp>
+      <p:sp>
+        <p:nvSpPr>
+          <p:cNvPr id="3" name="Content Placeholder 2"/>
+          <p:cNvSpPr>
+            <a:spLocks noGrp="1"/>
+          </p:cNvSpPr>
+          <p:nvPr>
+            <p:ph idx="1"/>
+          </p:nvPr>
+        </p:nvSpPr>
+        <p:spPr>
+          <a:xfrm>
+            <a:off x="911664" y="1728216"/>
+            <a:ext cx="10526649" cy="3818036"/>
+          </a:xfrm>
+        </p:spPr>
+        <p:txBody>
+          <a:bodyPr>
+            <a:normAutofit/>
+          </a:bodyPr>
+          <a:lstStyle/>
+          <a:p>
+            <a:r>
+              <a:rPr lang="es-PA" dirty="0" smtClean="0"/>
+              <a:t>Ejemplo de </a:t>
+            </a:r>
+            <a:r>
+              <a:rPr lang="es-PA" dirty="0" err="1" smtClean="0"/>
+              <a:t>For</a:t>
+            </a:r>
+            <a:endParaRPr lang="es-PA" dirty="0" smtClean="0"/>
+          </a:p>
+          <a:p>
+            <a:endParaRPr lang="es-PA" dirty="0" smtClean="0"/>
+          </a:p>
+        </p:txBody>
+      </p:sp>
+      <p:pic>
+        <p:nvPicPr>
+          <p:cNvPr id="5" name="Picture 4"/>
+          <p:cNvPicPr>
+            <a:picLocks noChangeAspect="1"/>
+          </p:cNvPicPr>
+          <p:nvPr/>
+        </p:nvPicPr>
+        <p:blipFill>
+          <a:blip r:embed="rId2"/>
+          <a:stretch>
+            <a:fillRect/>
+          </a:stretch>
+        </p:blipFill>
+        <p:spPr>
+          <a:xfrm>
+            <a:off x="1463034" y="2484270"/>
+            <a:ext cx="4992630" cy="3061982"/>
+          </a:xfrm>
+          <a:prstGeom prst="rect">
+            <a:avLst/>
+          </a:prstGeom>
+        </p:spPr>
+      </p:pic>
+    </p:spTree>
+    <p:extLst>
+      <p:ext uri="{BB962C8B-B14F-4D97-AF65-F5344CB8AC3E}">
+        <p14:creationId xmlns:p14="http://schemas.microsoft.com/office/powerpoint/2010/main" val="4174260141"/>
+      </p:ext>
+    </p:extLst>
+  </p:cSld>
+  <p:clrMapOvr>
+    <a:masterClrMapping/>
+  </p:clrMapOvr>
+</p:sld>
+</file>
+
+<file path=ppt/slides/slide79.xml><?xml version="1.0" encoding="utf-8"?>
+<p:sld xmlns:a="http://schemas.openxmlformats.org/drawingml/2006/main" xmlns:r="http://schemas.openxmlformats.org/officeDocument/2006/relationships" xmlns:p="http://schemas.openxmlformats.org/presentationml/2006/main">
+  <p:cSld>
+    <p:spTree>
+      <p:nvGrpSpPr>
+        <p:cNvPr id="1" name=""/>
+        <p:cNvGrpSpPr/>
+        <p:nvPr/>
+      </p:nvGrpSpPr>
+      <p:grpSpPr>
+        <a:xfrm>
+          <a:off x="0" y="0"/>
+          <a:ext cx="0" cy="0"/>
+          <a:chOff x="0" y="0"/>
+          <a:chExt cx="0" cy="0"/>
+        </a:xfrm>
+      </p:grpSpPr>
+      <p:sp>
+        <p:nvSpPr>
+          <p:cNvPr id="2" name="Title 1"/>
+          <p:cNvSpPr>
+            <a:spLocks noGrp="1"/>
+          </p:cNvSpPr>
+          <p:nvPr>
+            <p:ph type="title"/>
+          </p:nvPr>
+        </p:nvSpPr>
+        <p:spPr/>
+        <p:txBody>
+          <a:bodyPr/>
+          <a:lstStyle/>
+          <a:p>
+            <a:r>
+              <a:rPr lang="en-US" dirty="0" err="1" smtClean="0"/>
+              <a:t>Ciclo</a:t>
+            </a:r>
+            <a:r>
+              <a:rPr lang="en-US" dirty="0" smtClean="0"/>
+              <a:t> For</a:t>
+            </a:r>
+            <a:endParaRPr lang="en-US" dirty="0"/>
+          </a:p>
+        </p:txBody>
+      </p:sp>
+      <p:sp>
+        <p:nvSpPr>
+          <p:cNvPr id="3" name="Content Placeholder 2"/>
+          <p:cNvSpPr>
+            <a:spLocks noGrp="1"/>
+          </p:cNvSpPr>
+          <p:nvPr>
+            <p:ph idx="1"/>
+          </p:nvPr>
+        </p:nvSpPr>
+        <p:spPr>
+          <a:xfrm>
+            <a:off x="939096" y="2414016"/>
+            <a:ext cx="10526649" cy="3818036"/>
+          </a:xfrm>
+        </p:spPr>
+        <p:txBody>
+          <a:bodyPr>
+            <a:normAutofit/>
+          </a:bodyPr>
+          <a:lstStyle/>
+          <a:p>
+            <a:r>
+              <a:rPr lang="es-PA" dirty="0" smtClean="0"/>
+              <a:t>¿Cómo tendríamos que hacer para tener la siguiente salida?</a:t>
+            </a:r>
+          </a:p>
+          <a:p>
+            <a:endParaRPr lang="es-PA" dirty="0"/>
+          </a:p>
+          <a:p>
+            <a:endParaRPr lang="es-PA" dirty="0" smtClean="0"/>
+          </a:p>
+          <a:p>
+            <a:r>
+              <a:rPr lang="es-PA" dirty="0" smtClean="0"/>
+              <a:t>????</a:t>
+            </a:r>
+          </a:p>
+          <a:p>
+            <a:endParaRPr lang="es-PA" dirty="0" smtClean="0"/>
+          </a:p>
+        </p:txBody>
+      </p:sp>
+      <p:sp>
+        <p:nvSpPr>
+          <p:cNvPr id="6" name="Rectangle 5"/>
+          <p:cNvSpPr/>
+          <p:nvPr/>
+        </p:nvSpPr>
+        <p:spPr>
+          <a:xfrm>
+            <a:off x="1100900" y="1402698"/>
+            <a:ext cx="2456116" cy="901100"/>
+          </a:xfrm>
+          <a:prstGeom prst="rect">
+            <a:avLst/>
+          </a:prstGeom>
+          <a:ln>
+            <a:headEnd type="none" w="med" len="med"/>
+            <a:tailEnd type="none" w="med" len="med"/>
+          </a:ln>
+        </p:spPr>
+        <p:style>
+          <a:lnRef idx="2">
+            <a:schemeClr val="accent1">
+              <a:shade val="50000"/>
+            </a:schemeClr>
+          </a:lnRef>
+          <a:fillRef idx="1">
+            <a:schemeClr val="accent1"/>
+          </a:fillRef>
+          <a:effectRef idx="0">
+            <a:schemeClr val="accent1"/>
+          </a:effectRef>
+          <a:fontRef idx="minor">
+            <a:schemeClr val="lt1"/>
+          </a:fontRef>
+        </p:style>
+        <p:txBody>
+          <a:bodyPr rtlCol="0" anchor="ctr"/>
+          <a:lstStyle/>
+          <a:p>
+            <a:pPr algn="ctr"/>
+            <a:r>
+              <a:rPr lang="es-PA" dirty="0" err="1" smtClean="0">
+                <a:latin typeface="Britannic Bold" panose="020B0903060703020204" pitchFamily="34" charset="0"/>
+                <a:ea typeface="Adobe Fan Heiti Std B" panose="020B0700000000000000" pitchFamily="34" charset="-128"/>
+                <a:cs typeface="Arial" panose="020B0604020202020204" pitchFamily="34" charset="0"/>
+              </a:rPr>
+              <a:t>For</a:t>
+            </a:r>
+            <a:r>
+              <a:rPr lang="es-PA" dirty="0" smtClean="0">
+                <a:latin typeface="Britannic Bold" panose="020B0903060703020204" pitchFamily="34" charset="0"/>
+                <a:ea typeface="Adobe Fan Heiti Std B" panose="020B0700000000000000" pitchFamily="34" charset="-128"/>
+                <a:cs typeface="Arial" panose="020B0604020202020204" pitchFamily="34" charset="0"/>
+              </a:rPr>
+              <a:t> </a:t>
+            </a:r>
+            <a:r>
+              <a:rPr lang="es-PA" b="1" dirty="0" err="1" smtClean="0">
+                <a:solidFill>
+                  <a:schemeClr val="accent1">
+                    <a:lumMod val="20000"/>
+                    <a:lumOff val="80000"/>
+                  </a:schemeClr>
+                </a:solidFill>
+              </a:rPr>
+              <a:t>var</a:t>
+            </a:r>
+            <a:r>
+              <a:rPr lang="es-PA" b="1" dirty="0" smtClean="0">
+                <a:solidFill>
+                  <a:schemeClr val="accent1">
+                    <a:lumMod val="20000"/>
+                    <a:lumOff val="80000"/>
+                  </a:schemeClr>
+                </a:solidFill>
+              </a:rPr>
+              <a:t> </a:t>
+            </a:r>
+            <a:r>
+              <a:rPr lang="es-PA" dirty="0" smtClean="0">
+                <a:latin typeface="Britannic Bold" panose="020B0903060703020204" pitchFamily="34" charset="0"/>
+                <a:ea typeface="Adobe Fan Heiti Std B" panose="020B0700000000000000" pitchFamily="34" charset="-128"/>
+                <a:cs typeface="Arial" panose="020B0604020202020204" pitchFamily="34" charset="0"/>
+              </a:rPr>
+              <a:t>in </a:t>
+            </a:r>
+            <a:r>
+              <a:rPr lang="es-PA" b="1" dirty="0" err="1" smtClean="0">
+                <a:solidFill>
+                  <a:schemeClr val="accent1">
+                    <a:lumMod val="20000"/>
+                    <a:lumOff val="80000"/>
+                  </a:schemeClr>
+                </a:solidFill>
+              </a:rPr>
+              <a:t>seq</a:t>
+            </a:r>
+            <a:r>
+              <a:rPr lang="es-PA" b="1" dirty="0" smtClean="0">
+                <a:solidFill>
+                  <a:schemeClr val="accent1">
+                    <a:lumMod val="20000"/>
+                    <a:lumOff val="80000"/>
+                  </a:schemeClr>
+                </a:solidFill>
+              </a:rPr>
+              <a:t>:</a:t>
+            </a:r>
+            <a:r>
+              <a:rPr lang="es-PA" dirty="0" smtClean="0">
+                <a:latin typeface="Britannic Bold" panose="020B0903060703020204" pitchFamily="34" charset="0"/>
+                <a:ea typeface="Adobe Fan Heiti Std B" panose="020B0700000000000000" pitchFamily="34" charset="-128"/>
+                <a:cs typeface="Arial" panose="020B0604020202020204" pitchFamily="34" charset="0"/>
+              </a:rPr>
+              <a:t> </a:t>
+            </a:r>
+            <a:endParaRPr lang="es-PA" dirty="0" smtClean="0">
+              <a:latin typeface="Arial" panose="020B0604020202020204" pitchFamily="34" charset="0"/>
+              <a:ea typeface="Adobe Fan Heiti Std B" panose="020B0700000000000000" pitchFamily="34" charset="-128"/>
+              <a:cs typeface="Arial" panose="020B0604020202020204" pitchFamily="34" charset="0"/>
+            </a:endParaRPr>
+          </a:p>
+          <a:p>
+            <a:pPr algn="ctr"/>
+            <a:r>
+              <a:rPr lang="es-PA" b="1" dirty="0" smtClean="0">
+                <a:solidFill>
+                  <a:schemeClr val="accent1">
+                    <a:lumMod val="20000"/>
+                    <a:lumOff val="80000"/>
+                  </a:schemeClr>
+                </a:solidFill>
+              </a:rPr>
+              <a:t>expresión</a:t>
+            </a:r>
+            <a:endParaRPr lang="es-PA" dirty="0">
+              <a:latin typeface="Arial" panose="020B0604020202020204" pitchFamily="34" charset="0"/>
+              <a:ea typeface="Adobe Fan Heiti Std B" panose="020B0700000000000000" pitchFamily="34" charset="-128"/>
+              <a:cs typeface="Arial" panose="020B0604020202020204" pitchFamily="34" charset="0"/>
+            </a:endParaRPr>
+          </a:p>
+        </p:txBody>
+      </p:sp>
+      <p:pic>
+        <p:nvPicPr>
+          <p:cNvPr id="7" name="Picture 6"/>
+          <p:cNvPicPr>
+            <a:picLocks noChangeAspect="1"/>
+          </p:cNvPicPr>
+          <p:nvPr/>
+        </p:nvPicPr>
+        <p:blipFill>
+          <a:blip r:embed="rId2"/>
+          <a:stretch>
+            <a:fillRect/>
+          </a:stretch>
+        </p:blipFill>
+        <p:spPr>
+          <a:xfrm>
+            <a:off x="1009460" y="4230087"/>
+            <a:ext cx="4019991" cy="2239709"/>
+          </a:xfrm>
+          <a:prstGeom prst="rect">
+            <a:avLst/>
+          </a:prstGeom>
+        </p:spPr>
+      </p:pic>
+      <p:pic>
+        <p:nvPicPr>
+          <p:cNvPr id="8" name="Picture 7"/>
+          <p:cNvPicPr>
+            <a:picLocks noChangeAspect="1"/>
+          </p:cNvPicPr>
+          <p:nvPr/>
+        </p:nvPicPr>
+        <p:blipFill>
+          <a:blip r:embed="rId3"/>
+          <a:stretch>
+            <a:fillRect/>
+          </a:stretch>
+        </p:blipFill>
+        <p:spPr>
+          <a:xfrm>
+            <a:off x="1282445" y="2941170"/>
+            <a:ext cx="6198098" cy="396390"/>
+          </a:xfrm>
+          <a:prstGeom prst="rect">
+            <a:avLst/>
+          </a:prstGeom>
+        </p:spPr>
+      </p:pic>
+    </p:spTree>
+    <p:extLst>
+      <p:ext uri="{BB962C8B-B14F-4D97-AF65-F5344CB8AC3E}">
+        <p14:creationId xmlns:p14="http://schemas.microsoft.com/office/powerpoint/2010/main" val="219321950"/>
+      </p:ext>
+    </p:extLst>
+  </p:cSld>
+  <p:clrMapOvr>
+    <a:masterClrMapping/>
+  </p:clrMapOvr>
+</p:sld>
+</file>
+
 <file path=ppt/slides/slide8.xml><?xml version="1.0" encoding="utf-8"?>
 <p:sld xmlns:a="http://schemas.openxmlformats.org/drawingml/2006/main" xmlns:r="http://schemas.openxmlformats.org/officeDocument/2006/relationships" xmlns:p="http://schemas.openxmlformats.org/presentationml/2006/main">
   <p:cSld>
@@ -20981,6 +22577,2729 @@
     <p:extLst>
       <p:ext uri="{BB962C8B-B14F-4D97-AF65-F5344CB8AC3E}">
         <p14:creationId xmlns:p14="http://schemas.microsoft.com/office/powerpoint/2010/main" val="878891903"/>
+      </p:ext>
+    </p:extLst>
+  </p:cSld>
+  <p:clrMapOvr>
+    <a:masterClrMapping/>
+  </p:clrMapOvr>
+</p:sld>
+</file>
+
+<file path=ppt/slides/slide80.xml><?xml version="1.0" encoding="utf-8"?>
+<p:sld xmlns:a="http://schemas.openxmlformats.org/drawingml/2006/main" xmlns:r="http://schemas.openxmlformats.org/officeDocument/2006/relationships" xmlns:p="http://schemas.openxmlformats.org/presentationml/2006/main">
+  <p:cSld>
+    <p:spTree>
+      <p:nvGrpSpPr>
+        <p:cNvPr id="1" name=""/>
+        <p:cNvGrpSpPr/>
+        <p:nvPr/>
+      </p:nvGrpSpPr>
+      <p:grpSpPr>
+        <a:xfrm>
+          <a:off x="0" y="0"/>
+          <a:ext cx="0" cy="0"/>
+          <a:chOff x="0" y="0"/>
+          <a:chExt cx="0" cy="0"/>
+        </a:xfrm>
+      </p:grpSpPr>
+      <p:sp>
+        <p:nvSpPr>
+          <p:cNvPr id="2" name="Title 1"/>
+          <p:cNvSpPr>
+            <a:spLocks noGrp="1"/>
+          </p:cNvSpPr>
+          <p:nvPr>
+            <p:ph type="title"/>
+          </p:nvPr>
+        </p:nvSpPr>
+        <p:spPr/>
+        <p:txBody>
+          <a:bodyPr/>
+          <a:lstStyle/>
+          <a:p>
+            <a:r>
+              <a:rPr lang="en-US" dirty="0" err="1" smtClean="0"/>
+              <a:t>Ciclo</a:t>
+            </a:r>
+            <a:r>
+              <a:rPr lang="en-US" dirty="0" smtClean="0"/>
+              <a:t> For</a:t>
+            </a:r>
+            <a:endParaRPr lang="en-US" dirty="0"/>
+          </a:p>
+        </p:txBody>
+      </p:sp>
+      <p:sp>
+        <p:nvSpPr>
+          <p:cNvPr id="3" name="Content Placeholder 2"/>
+          <p:cNvSpPr>
+            <a:spLocks noGrp="1"/>
+          </p:cNvSpPr>
+          <p:nvPr>
+            <p:ph idx="1"/>
+          </p:nvPr>
+        </p:nvSpPr>
+        <p:spPr>
+          <a:xfrm>
+            <a:off x="939096" y="2414016"/>
+            <a:ext cx="10526649" cy="3818036"/>
+          </a:xfrm>
+        </p:spPr>
+        <p:txBody>
+          <a:bodyPr>
+            <a:normAutofit/>
+          </a:bodyPr>
+          <a:lstStyle/>
+          <a:p>
+            <a:r>
+              <a:rPr lang="es-PA" dirty="0" smtClean="0"/>
+              <a:t>¿Cómo tendríamos que hacer para tener la siguiente salida?</a:t>
+            </a:r>
+          </a:p>
+          <a:p>
+            <a:endParaRPr lang="es-PA" dirty="0"/>
+          </a:p>
+          <a:p>
+            <a:endParaRPr lang="es-PA" dirty="0" smtClean="0"/>
+          </a:p>
+          <a:p>
+            <a:endParaRPr lang="es-PA" dirty="0" smtClean="0"/>
+          </a:p>
+        </p:txBody>
+      </p:sp>
+      <p:sp>
+        <p:nvSpPr>
+          <p:cNvPr id="6" name="Rectangle 5"/>
+          <p:cNvSpPr/>
+          <p:nvPr/>
+        </p:nvSpPr>
+        <p:spPr>
+          <a:xfrm>
+            <a:off x="1100900" y="1402698"/>
+            <a:ext cx="2456116" cy="901100"/>
+          </a:xfrm>
+          <a:prstGeom prst="rect">
+            <a:avLst/>
+          </a:prstGeom>
+          <a:ln>
+            <a:headEnd type="none" w="med" len="med"/>
+            <a:tailEnd type="none" w="med" len="med"/>
+          </a:ln>
+        </p:spPr>
+        <p:style>
+          <a:lnRef idx="2">
+            <a:schemeClr val="accent1">
+              <a:shade val="50000"/>
+            </a:schemeClr>
+          </a:lnRef>
+          <a:fillRef idx="1">
+            <a:schemeClr val="accent1"/>
+          </a:fillRef>
+          <a:effectRef idx="0">
+            <a:schemeClr val="accent1"/>
+          </a:effectRef>
+          <a:fontRef idx="minor">
+            <a:schemeClr val="lt1"/>
+          </a:fontRef>
+        </p:style>
+        <p:txBody>
+          <a:bodyPr rtlCol="0" anchor="ctr"/>
+          <a:lstStyle/>
+          <a:p>
+            <a:pPr algn="ctr"/>
+            <a:r>
+              <a:rPr lang="es-PA" dirty="0" err="1" smtClean="0">
+                <a:latin typeface="Britannic Bold" panose="020B0903060703020204" pitchFamily="34" charset="0"/>
+                <a:ea typeface="Adobe Fan Heiti Std B" panose="020B0700000000000000" pitchFamily="34" charset="-128"/>
+                <a:cs typeface="Arial" panose="020B0604020202020204" pitchFamily="34" charset="0"/>
+              </a:rPr>
+              <a:t>For</a:t>
+            </a:r>
+            <a:r>
+              <a:rPr lang="es-PA" dirty="0" smtClean="0">
+                <a:latin typeface="Britannic Bold" panose="020B0903060703020204" pitchFamily="34" charset="0"/>
+                <a:ea typeface="Adobe Fan Heiti Std B" panose="020B0700000000000000" pitchFamily="34" charset="-128"/>
+                <a:cs typeface="Arial" panose="020B0604020202020204" pitchFamily="34" charset="0"/>
+              </a:rPr>
+              <a:t> </a:t>
+            </a:r>
+            <a:r>
+              <a:rPr lang="es-PA" b="1" dirty="0" err="1" smtClean="0">
+                <a:solidFill>
+                  <a:schemeClr val="accent1">
+                    <a:lumMod val="20000"/>
+                    <a:lumOff val="80000"/>
+                  </a:schemeClr>
+                </a:solidFill>
+              </a:rPr>
+              <a:t>var</a:t>
+            </a:r>
+            <a:r>
+              <a:rPr lang="es-PA" b="1" dirty="0" smtClean="0">
+                <a:solidFill>
+                  <a:schemeClr val="accent1">
+                    <a:lumMod val="20000"/>
+                    <a:lumOff val="80000"/>
+                  </a:schemeClr>
+                </a:solidFill>
+              </a:rPr>
+              <a:t> </a:t>
+            </a:r>
+            <a:r>
+              <a:rPr lang="es-PA" dirty="0" smtClean="0">
+                <a:latin typeface="Britannic Bold" panose="020B0903060703020204" pitchFamily="34" charset="0"/>
+                <a:ea typeface="Adobe Fan Heiti Std B" panose="020B0700000000000000" pitchFamily="34" charset="-128"/>
+                <a:cs typeface="Arial" panose="020B0604020202020204" pitchFamily="34" charset="0"/>
+              </a:rPr>
+              <a:t>in </a:t>
+            </a:r>
+            <a:r>
+              <a:rPr lang="es-PA" b="1" dirty="0" err="1" smtClean="0">
+                <a:solidFill>
+                  <a:schemeClr val="accent1">
+                    <a:lumMod val="20000"/>
+                    <a:lumOff val="80000"/>
+                  </a:schemeClr>
+                </a:solidFill>
+              </a:rPr>
+              <a:t>seq</a:t>
+            </a:r>
+            <a:r>
+              <a:rPr lang="es-PA" b="1" dirty="0" smtClean="0">
+                <a:solidFill>
+                  <a:schemeClr val="accent1">
+                    <a:lumMod val="20000"/>
+                    <a:lumOff val="80000"/>
+                  </a:schemeClr>
+                </a:solidFill>
+              </a:rPr>
+              <a:t>:</a:t>
+            </a:r>
+            <a:r>
+              <a:rPr lang="es-PA" dirty="0" smtClean="0">
+                <a:latin typeface="Britannic Bold" panose="020B0903060703020204" pitchFamily="34" charset="0"/>
+                <a:ea typeface="Adobe Fan Heiti Std B" panose="020B0700000000000000" pitchFamily="34" charset="-128"/>
+                <a:cs typeface="Arial" panose="020B0604020202020204" pitchFamily="34" charset="0"/>
+              </a:rPr>
+              <a:t> </a:t>
+            </a:r>
+            <a:endParaRPr lang="es-PA" dirty="0" smtClean="0">
+              <a:latin typeface="Arial" panose="020B0604020202020204" pitchFamily="34" charset="0"/>
+              <a:ea typeface="Adobe Fan Heiti Std B" panose="020B0700000000000000" pitchFamily="34" charset="-128"/>
+              <a:cs typeface="Arial" panose="020B0604020202020204" pitchFamily="34" charset="0"/>
+            </a:endParaRPr>
+          </a:p>
+          <a:p>
+            <a:pPr algn="ctr"/>
+            <a:r>
+              <a:rPr lang="es-PA" b="1" dirty="0" smtClean="0">
+                <a:solidFill>
+                  <a:schemeClr val="accent1">
+                    <a:lumMod val="20000"/>
+                    <a:lumOff val="80000"/>
+                  </a:schemeClr>
+                </a:solidFill>
+              </a:rPr>
+              <a:t>expresión</a:t>
+            </a:r>
+            <a:endParaRPr lang="es-PA" dirty="0">
+              <a:latin typeface="Arial" panose="020B0604020202020204" pitchFamily="34" charset="0"/>
+              <a:ea typeface="Adobe Fan Heiti Std B" panose="020B0700000000000000" pitchFamily="34" charset="-128"/>
+              <a:cs typeface="Arial" panose="020B0604020202020204" pitchFamily="34" charset="0"/>
+            </a:endParaRPr>
+          </a:p>
+        </p:txBody>
+      </p:sp>
+      <p:pic>
+        <p:nvPicPr>
+          <p:cNvPr id="7" name="Picture 6"/>
+          <p:cNvPicPr>
+            <a:picLocks noChangeAspect="1"/>
+          </p:cNvPicPr>
+          <p:nvPr/>
+        </p:nvPicPr>
+        <p:blipFill>
+          <a:blip r:embed="rId2"/>
+          <a:stretch>
+            <a:fillRect/>
+          </a:stretch>
+        </p:blipFill>
+        <p:spPr>
+          <a:xfrm>
+            <a:off x="1009460" y="4230087"/>
+            <a:ext cx="4019991" cy="2239709"/>
+          </a:xfrm>
+          <a:prstGeom prst="rect">
+            <a:avLst/>
+          </a:prstGeom>
+        </p:spPr>
+      </p:pic>
+      <p:pic>
+        <p:nvPicPr>
+          <p:cNvPr id="4" name="Picture 3"/>
+          <p:cNvPicPr>
+            <a:picLocks noChangeAspect="1"/>
+          </p:cNvPicPr>
+          <p:nvPr/>
+        </p:nvPicPr>
+        <p:blipFill>
+          <a:blip r:embed="rId3"/>
+          <a:stretch>
+            <a:fillRect/>
+          </a:stretch>
+        </p:blipFill>
+        <p:spPr>
+          <a:xfrm>
+            <a:off x="1009460" y="3013020"/>
+            <a:ext cx="6358503" cy="979323"/>
+          </a:xfrm>
+          <a:prstGeom prst="rect">
+            <a:avLst/>
+          </a:prstGeom>
+        </p:spPr>
+      </p:pic>
+    </p:spTree>
+    <p:extLst>
+      <p:ext uri="{BB962C8B-B14F-4D97-AF65-F5344CB8AC3E}">
+        <p14:creationId xmlns:p14="http://schemas.microsoft.com/office/powerpoint/2010/main" val="2490182030"/>
+      </p:ext>
+    </p:extLst>
+  </p:cSld>
+  <p:clrMapOvr>
+    <a:masterClrMapping/>
+  </p:clrMapOvr>
+</p:sld>
+</file>
+
+<file path=ppt/slides/slide81.xml><?xml version="1.0" encoding="utf-8"?>
+<p:sld xmlns:a="http://schemas.openxmlformats.org/drawingml/2006/main" xmlns:r="http://schemas.openxmlformats.org/officeDocument/2006/relationships" xmlns:p="http://schemas.openxmlformats.org/presentationml/2006/main">
+  <p:cSld>
+    <p:spTree>
+      <p:nvGrpSpPr>
+        <p:cNvPr id="1" name=""/>
+        <p:cNvGrpSpPr/>
+        <p:nvPr/>
+      </p:nvGrpSpPr>
+      <p:grpSpPr>
+        <a:xfrm>
+          <a:off x="0" y="0"/>
+          <a:ext cx="0" cy="0"/>
+          <a:chOff x="0" y="0"/>
+          <a:chExt cx="0" cy="0"/>
+        </a:xfrm>
+      </p:grpSpPr>
+      <p:sp>
+        <p:nvSpPr>
+          <p:cNvPr id="2" name="Title 1"/>
+          <p:cNvSpPr>
+            <a:spLocks noGrp="1"/>
+          </p:cNvSpPr>
+          <p:nvPr>
+            <p:ph type="title"/>
+          </p:nvPr>
+        </p:nvSpPr>
+        <p:spPr/>
+        <p:txBody>
+          <a:bodyPr/>
+          <a:lstStyle/>
+          <a:p>
+            <a:r>
+              <a:rPr lang="en-US" dirty="0" err="1" smtClean="0"/>
+              <a:t>Ciclo</a:t>
+            </a:r>
+            <a:r>
+              <a:rPr lang="en-US" dirty="0" smtClean="0"/>
+              <a:t> For </a:t>
+            </a:r>
+            <a:r>
+              <a:rPr lang="en-US" dirty="0" err="1" smtClean="0"/>
+              <a:t>sobre</a:t>
+            </a:r>
+            <a:r>
+              <a:rPr lang="en-US" dirty="0" smtClean="0"/>
+              <a:t> </a:t>
+            </a:r>
+            <a:r>
+              <a:rPr lang="en-US" dirty="0" err="1" smtClean="0"/>
+              <a:t>una</a:t>
+            </a:r>
+            <a:r>
+              <a:rPr lang="en-US" dirty="0" smtClean="0"/>
+              <a:t> </a:t>
+            </a:r>
+            <a:r>
+              <a:rPr lang="en-US" dirty="0" err="1" smtClean="0"/>
+              <a:t>cadena</a:t>
+            </a:r>
+            <a:endParaRPr lang="en-US" dirty="0"/>
+          </a:p>
+        </p:txBody>
+      </p:sp>
+      <p:sp>
+        <p:nvSpPr>
+          <p:cNvPr id="3" name="Content Placeholder 2"/>
+          <p:cNvSpPr>
+            <a:spLocks noGrp="1"/>
+          </p:cNvSpPr>
+          <p:nvPr>
+            <p:ph idx="1"/>
+          </p:nvPr>
+        </p:nvSpPr>
+        <p:spPr>
+          <a:xfrm>
+            <a:off x="939096" y="2414016"/>
+            <a:ext cx="10526649" cy="3818036"/>
+          </a:xfrm>
+        </p:spPr>
+        <p:txBody>
+          <a:bodyPr>
+            <a:normAutofit/>
+          </a:bodyPr>
+          <a:lstStyle/>
+          <a:p>
+            <a:r>
+              <a:rPr lang="es-PA" dirty="0" smtClean="0"/>
+              <a:t>Ejemplo sobre cadena</a:t>
+            </a:r>
+          </a:p>
+          <a:p>
+            <a:endParaRPr lang="es-PA" dirty="0"/>
+          </a:p>
+          <a:p>
+            <a:endParaRPr lang="es-PA" dirty="0" smtClean="0"/>
+          </a:p>
+          <a:p>
+            <a:endParaRPr lang="es-PA" dirty="0" smtClean="0"/>
+          </a:p>
+        </p:txBody>
+      </p:sp>
+      <p:sp>
+        <p:nvSpPr>
+          <p:cNvPr id="6" name="Rectangle 5"/>
+          <p:cNvSpPr/>
+          <p:nvPr/>
+        </p:nvSpPr>
+        <p:spPr>
+          <a:xfrm>
+            <a:off x="1100900" y="1402698"/>
+            <a:ext cx="2456116" cy="901100"/>
+          </a:xfrm>
+          <a:prstGeom prst="rect">
+            <a:avLst/>
+          </a:prstGeom>
+          <a:ln>
+            <a:headEnd type="none" w="med" len="med"/>
+            <a:tailEnd type="none" w="med" len="med"/>
+          </a:ln>
+        </p:spPr>
+        <p:style>
+          <a:lnRef idx="2">
+            <a:schemeClr val="accent1">
+              <a:shade val="50000"/>
+            </a:schemeClr>
+          </a:lnRef>
+          <a:fillRef idx="1">
+            <a:schemeClr val="accent1"/>
+          </a:fillRef>
+          <a:effectRef idx="0">
+            <a:schemeClr val="accent1"/>
+          </a:effectRef>
+          <a:fontRef idx="minor">
+            <a:schemeClr val="lt1"/>
+          </a:fontRef>
+        </p:style>
+        <p:txBody>
+          <a:bodyPr rtlCol="0" anchor="ctr"/>
+          <a:lstStyle/>
+          <a:p>
+            <a:pPr algn="ctr"/>
+            <a:r>
+              <a:rPr lang="es-PA" dirty="0" err="1" smtClean="0">
+                <a:latin typeface="Britannic Bold" panose="020B0903060703020204" pitchFamily="34" charset="0"/>
+                <a:ea typeface="Adobe Fan Heiti Std B" panose="020B0700000000000000" pitchFamily="34" charset="-128"/>
+                <a:cs typeface="Arial" panose="020B0604020202020204" pitchFamily="34" charset="0"/>
+              </a:rPr>
+              <a:t>For</a:t>
+            </a:r>
+            <a:r>
+              <a:rPr lang="es-PA" dirty="0" smtClean="0">
+                <a:latin typeface="Britannic Bold" panose="020B0903060703020204" pitchFamily="34" charset="0"/>
+                <a:ea typeface="Adobe Fan Heiti Std B" panose="020B0700000000000000" pitchFamily="34" charset="-128"/>
+                <a:cs typeface="Arial" panose="020B0604020202020204" pitchFamily="34" charset="0"/>
+              </a:rPr>
+              <a:t> </a:t>
+            </a:r>
+            <a:r>
+              <a:rPr lang="es-PA" b="1" dirty="0" err="1" smtClean="0">
+                <a:solidFill>
+                  <a:schemeClr val="accent1">
+                    <a:lumMod val="20000"/>
+                    <a:lumOff val="80000"/>
+                  </a:schemeClr>
+                </a:solidFill>
+              </a:rPr>
+              <a:t>var</a:t>
+            </a:r>
+            <a:r>
+              <a:rPr lang="es-PA" b="1" dirty="0" smtClean="0">
+                <a:solidFill>
+                  <a:schemeClr val="accent1">
+                    <a:lumMod val="20000"/>
+                    <a:lumOff val="80000"/>
+                  </a:schemeClr>
+                </a:solidFill>
+              </a:rPr>
+              <a:t> </a:t>
+            </a:r>
+            <a:r>
+              <a:rPr lang="es-PA" dirty="0" smtClean="0">
+                <a:latin typeface="Britannic Bold" panose="020B0903060703020204" pitchFamily="34" charset="0"/>
+                <a:ea typeface="Adobe Fan Heiti Std B" panose="020B0700000000000000" pitchFamily="34" charset="-128"/>
+                <a:cs typeface="Arial" panose="020B0604020202020204" pitchFamily="34" charset="0"/>
+              </a:rPr>
+              <a:t>in </a:t>
+            </a:r>
+            <a:r>
+              <a:rPr lang="es-PA" b="1" dirty="0" err="1" smtClean="0">
+                <a:solidFill>
+                  <a:schemeClr val="accent1">
+                    <a:lumMod val="20000"/>
+                    <a:lumOff val="80000"/>
+                  </a:schemeClr>
+                </a:solidFill>
+              </a:rPr>
+              <a:t>seq</a:t>
+            </a:r>
+            <a:r>
+              <a:rPr lang="es-PA" b="1" dirty="0" smtClean="0">
+                <a:solidFill>
+                  <a:schemeClr val="accent1">
+                    <a:lumMod val="20000"/>
+                    <a:lumOff val="80000"/>
+                  </a:schemeClr>
+                </a:solidFill>
+              </a:rPr>
+              <a:t>:</a:t>
+            </a:r>
+            <a:r>
+              <a:rPr lang="es-PA" dirty="0" smtClean="0">
+                <a:latin typeface="Britannic Bold" panose="020B0903060703020204" pitchFamily="34" charset="0"/>
+                <a:ea typeface="Adobe Fan Heiti Std B" panose="020B0700000000000000" pitchFamily="34" charset="-128"/>
+                <a:cs typeface="Arial" panose="020B0604020202020204" pitchFamily="34" charset="0"/>
+              </a:rPr>
+              <a:t> </a:t>
+            </a:r>
+            <a:endParaRPr lang="es-PA" dirty="0" smtClean="0">
+              <a:latin typeface="Arial" panose="020B0604020202020204" pitchFamily="34" charset="0"/>
+              <a:ea typeface="Adobe Fan Heiti Std B" panose="020B0700000000000000" pitchFamily="34" charset="-128"/>
+              <a:cs typeface="Arial" panose="020B0604020202020204" pitchFamily="34" charset="0"/>
+            </a:endParaRPr>
+          </a:p>
+          <a:p>
+            <a:pPr algn="ctr"/>
+            <a:r>
+              <a:rPr lang="es-PA" b="1" dirty="0" smtClean="0">
+                <a:solidFill>
+                  <a:schemeClr val="accent1">
+                    <a:lumMod val="20000"/>
+                    <a:lumOff val="80000"/>
+                  </a:schemeClr>
+                </a:solidFill>
+              </a:rPr>
+              <a:t>expresión</a:t>
+            </a:r>
+            <a:endParaRPr lang="es-PA" dirty="0">
+              <a:latin typeface="Arial" panose="020B0604020202020204" pitchFamily="34" charset="0"/>
+              <a:ea typeface="Adobe Fan Heiti Std B" panose="020B0700000000000000" pitchFamily="34" charset="-128"/>
+              <a:cs typeface="Arial" panose="020B0604020202020204" pitchFamily="34" charset="0"/>
+            </a:endParaRPr>
+          </a:p>
+        </p:txBody>
+      </p:sp>
+      <p:pic>
+        <p:nvPicPr>
+          <p:cNvPr id="5" name="Picture 4"/>
+          <p:cNvPicPr>
+            <a:picLocks noChangeAspect="1"/>
+          </p:cNvPicPr>
+          <p:nvPr/>
+        </p:nvPicPr>
+        <p:blipFill>
+          <a:blip r:embed="rId2"/>
+          <a:stretch>
+            <a:fillRect/>
+          </a:stretch>
+        </p:blipFill>
+        <p:spPr>
+          <a:xfrm>
+            <a:off x="1203388" y="3114103"/>
+            <a:ext cx="4974908" cy="2984945"/>
+          </a:xfrm>
+          <a:prstGeom prst="rect">
+            <a:avLst/>
+          </a:prstGeom>
+        </p:spPr>
+      </p:pic>
+    </p:spTree>
+    <p:extLst>
+      <p:ext uri="{BB962C8B-B14F-4D97-AF65-F5344CB8AC3E}">
+        <p14:creationId xmlns:p14="http://schemas.microsoft.com/office/powerpoint/2010/main" val="1963322546"/>
+      </p:ext>
+    </p:extLst>
+  </p:cSld>
+  <p:clrMapOvr>
+    <a:masterClrMapping/>
+  </p:clrMapOvr>
+</p:sld>
+</file>
+
+<file path=ppt/slides/slide82.xml><?xml version="1.0" encoding="utf-8"?>
+<p:sld xmlns:a="http://schemas.openxmlformats.org/drawingml/2006/main" xmlns:r="http://schemas.openxmlformats.org/officeDocument/2006/relationships" xmlns:p="http://schemas.openxmlformats.org/presentationml/2006/main">
+  <p:cSld>
+    <p:spTree>
+      <p:nvGrpSpPr>
+        <p:cNvPr id="1" name=""/>
+        <p:cNvGrpSpPr/>
+        <p:nvPr/>
+      </p:nvGrpSpPr>
+      <p:grpSpPr>
+        <a:xfrm>
+          <a:off x="0" y="0"/>
+          <a:ext cx="0" cy="0"/>
+          <a:chOff x="0" y="0"/>
+          <a:chExt cx="0" cy="0"/>
+        </a:xfrm>
+      </p:grpSpPr>
+      <p:sp>
+        <p:nvSpPr>
+          <p:cNvPr id="2" name="Title 1"/>
+          <p:cNvSpPr>
+            <a:spLocks noGrp="1"/>
+          </p:cNvSpPr>
+          <p:nvPr>
+            <p:ph type="title"/>
+          </p:nvPr>
+        </p:nvSpPr>
+        <p:spPr/>
+        <p:txBody>
+          <a:bodyPr/>
+          <a:lstStyle/>
+          <a:p>
+            <a:r>
+              <a:rPr lang="en-US" dirty="0" err="1" smtClean="0"/>
+              <a:t>Ciclo</a:t>
+            </a:r>
+            <a:r>
+              <a:rPr lang="en-US" dirty="0" smtClean="0"/>
+              <a:t> </a:t>
+            </a:r>
+            <a:r>
+              <a:rPr lang="en-US" dirty="0" err="1" smtClean="0"/>
+              <a:t>Sobre</a:t>
+            </a:r>
+            <a:r>
+              <a:rPr lang="en-US" dirty="0" smtClean="0"/>
+              <a:t> </a:t>
+            </a:r>
+            <a:r>
+              <a:rPr lang="en-US" dirty="0" err="1" smtClean="0"/>
+              <a:t>Estructuras</a:t>
+            </a:r>
+            <a:r>
+              <a:rPr lang="en-US" dirty="0" smtClean="0"/>
+              <a:t> de </a:t>
+            </a:r>
+            <a:r>
+              <a:rPr lang="en-US" dirty="0" err="1" smtClean="0"/>
+              <a:t>Datos</a:t>
+            </a:r>
+            <a:r>
+              <a:rPr lang="en-US" dirty="0"/>
+              <a:t/>
+            </a:r>
+            <a:br>
+              <a:rPr lang="en-US" dirty="0"/>
+            </a:br>
+            <a:r>
+              <a:rPr lang="en-US" dirty="0" err="1" smtClean="0"/>
+              <a:t>Diccionarios</a:t>
+            </a:r>
+            <a:endParaRPr lang="en-US" dirty="0"/>
+          </a:p>
+        </p:txBody>
+      </p:sp>
+      <p:sp>
+        <p:nvSpPr>
+          <p:cNvPr id="3" name="Content Placeholder 2"/>
+          <p:cNvSpPr>
+            <a:spLocks noGrp="1"/>
+          </p:cNvSpPr>
+          <p:nvPr>
+            <p:ph idx="1"/>
+          </p:nvPr>
+        </p:nvSpPr>
+        <p:spPr>
+          <a:xfrm>
+            <a:off x="939096" y="3108960"/>
+            <a:ext cx="10526649" cy="3123092"/>
+          </a:xfrm>
+        </p:spPr>
+        <p:txBody>
+          <a:bodyPr>
+            <a:normAutofit/>
+          </a:bodyPr>
+          <a:lstStyle/>
+          <a:p>
+            <a:r>
+              <a:rPr lang="es-PA" dirty="0" smtClean="0"/>
+              <a:t>Para diccionarios no puedo hacer lo siguiente…</a:t>
+            </a:r>
+          </a:p>
+          <a:p>
+            <a:endParaRPr lang="es-PA" dirty="0"/>
+          </a:p>
+          <a:p>
+            <a:endParaRPr lang="es-PA" dirty="0" smtClean="0"/>
+          </a:p>
+          <a:p>
+            <a:endParaRPr lang="es-PA" dirty="0" smtClean="0"/>
+          </a:p>
+        </p:txBody>
+      </p:sp>
+      <p:sp>
+        <p:nvSpPr>
+          <p:cNvPr id="6" name="Rectangle 5"/>
+          <p:cNvSpPr/>
+          <p:nvPr/>
+        </p:nvSpPr>
+        <p:spPr>
+          <a:xfrm>
+            <a:off x="1064324" y="1923906"/>
+            <a:ext cx="2456116" cy="901100"/>
+          </a:xfrm>
+          <a:prstGeom prst="rect">
+            <a:avLst/>
+          </a:prstGeom>
+          <a:ln>
+            <a:headEnd type="none" w="med" len="med"/>
+            <a:tailEnd type="none" w="med" len="med"/>
+          </a:ln>
+        </p:spPr>
+        <p:style>
+          <a:lnRef idx="2">
+            <a:schemeClr val="accent1">
+              <a:shade val="50000"/>
+            </a:schemeClr>
+          </a:lnRef>
+          <a:fillRef idx="1">
+            <a:schemeClr val="accent1"/>
+          </a:fillRef>
+          <a:effectRef idx="0">
+            <a:schemeClr val="accent1"/>
+          </a:effectRef>
+          <a:fontRef idx="minor">
+            <a:schemeClr val="lt1"/>
+          </a:fontRef>
+        </p:style>
+        <p:txBody>
+          <a:bodyPr rtlCol="0" anchor="ctr"/>
+          <a:lstStyle/>
+          <a:p>
+            <a:pPr algn="ctr"/>
+            <a:r>
+              <a:rPr lang="es-PA" dirty="0" err="1" smtClean="0">
+                <a:latin typeface="Britannic Bold" panose="020B0903060703020204" pitchFamily="34" charset="0"/>
+                <a:ea typeface="Adobe Fan Heiti Std B" panose="020B0700000000000000" pitchFamily="34" charset="-128"/>
+                <a:cs typeface="Arial" panose="020B0604020202020204" pitchFamily="34" charset="0"/>
+              </a:rPr>
+              <a:t>For</a:t>
+            </a:r>
+            <a:r>
+              <a:rPr lang="es-PA" dirty="0" smtClean="0">
+                <a:latin typeface="Britannic Bold" panose="020B0903060703020204" pitchFamily="34" charset="0"/>
+                <a:ea typeface="Adobe Fan Heiti Std B" panose="020B0700000000000000" pitchFamily="34" charset="-128"/>
+                <a:cs typeface="Arial" panose="020B0604020202020204" pitchFamily="34" charset="0"/>
+              </a:rPr>
+              <a:t> </a:t>
+            </a:r>
+            <a:r>
+              <a:rPr lang="es-PA" b="1" dirty="0" err="1" smtClean="0">
+                <a:solidFill>
+                  <a:schemeClr val="accent1">
+                    <a:lumMod val="20000"/>
+                    <a:lumOff val="80000"/>
+                  </a:schemeClr>
+                </a:solidFill>
+              </a:rPr>
+              <a:t>var</a:t>
+            </a:r>
+            <a:r>
+              <a:rPr lang="es-PA" b="1" dirty="0" smtClean="0">
+                <a:solidFill>
+                  <a:schemeClr val="accent1">
+                    <a:lumMod val="20000"/>
+                    <a:lumOff val="80000"/>
+                  </a:schemeClr>
+                </a:solidFill>
+              </a:rPr>
+              <a:t> </a:t>
+            </a:r>
+            <a:r>
+              <a:rPr lang="es-PA" dirty="0" smtClean="0">
+                <a:latin typeface="Britannic Bold" panose="020B0903060703020204" pitchFamily="34" charset="0"/>
+                <a:ea typeface="Adobe Fan Heiti Std B" panose="020B0700000000000000" pitchFamily="34" charset="-128"/>
+                <a:cs typeface="Arial" panose="020B0604020202020204" pitchFamily="34" charset="0"/>
+              </a:rPr>
+              <a:t>in </a:t>
+            </a:r>
+            <a:r>
+              <a:rPr lang="es-PA" b="1" dirty="0" err="1" smtClean="0">
+                <a:solidFill>
+                  <a:schemeClr val="accent1">
+                    <a:lumMod val="20000"/>
+                    <a:lumOff val="80000"/>
+                  </a:schemeClr>
+                </a:solidFill>
+              </a:rPr>
+              <a:t>seq</a:t>
+            </a:r>
+            <a:r>
+              <a:rPr lang="es-PA" b="1" dirty="0" smtClean="0">
+                <a:solidFill>
+                  <a:schemeClr val="accent1">
+                    <a:lumMod val="20000"/>
+                    <a:lumOff val="80000"/>
+                  </a:schemeClr>
+                </a:solidFill>
+              </a:rPr>
+              <a:t>:</a:t>
+            </a:r>
+            <a:r>
+              <a:rPr lang="es-PA" dirty="0" smtClean="0">
+                <a:latin typeface="Britannic Bold" panose="020B0903060703020204" pitchFamily="34" charset="0"/>
+                <a:ea typeface="Adobe Fan Heiti Std B" panose="020B0700000000000000" pitchFamily="34" charset="-128"/>
+                <a:cs typeface="Arial" panose="020B0604020202020204" pitchFamily="34" charset="0"/>
+              </a:rPr>
+              <a:t> </a:t>
+            </a:r>
+            <a:endParaRPr lang="es-PA" dirty="0" smtClean="0">
+              <a:latin typeface="Arial" panose="020B0604020202020204" pitchFamily="34" charset="0"/>
+              <a:ea typeface="Adobe Fan Heiti Std B" panose="020B0700000000000000" pitchFamily="34" charset="-128"/>
+              <a:cs typeface="Arial" panose="020B0604020202020204" pitchFamily="34" charset="0"/>
+            </a:endParaRPr>
+          </a:p>
+          <a:p>
+            <a:pPr algn="ctr"/>
+            <a:r>
+              <a:rPr lang="es-PA" b="1" dirty="0" smtClean="0">
+                <a:solidFill>
+                  <a:schemeClr val="accent1">
+                    <a:lumMod val="20000"/>
+                    <a:lumOff val="80000"/>
+                  </a:schemeClr>
+                </a:solidFill>
+              </a:rPr>
+              <a:t>expresión</a:t>
+            </a:r>
+            <a:endParaRPr lang="es-PA" dirty="0">
+              <a:latin typeface="Arial" panose="020B0604020202020204" pitchFamily="34" charset="0"/>
+              <a:ea typeface="Adobe Fan Heiti Std B" panose="020B0700000000000000" pitchFamily="34" charset="-128"/>
+              <a:cs typeface="Arial" panose="020B0604020202020204" pitchFamily="34" charset="0"/>
+            </a:endParaRPr>
+          </a:p>
+        </p:txBody>
+      </p:sp>
+      <p:pic>
+        <p:nvPicPr>
+          <p:cNvPr id="4" name="Picture 3"/>
+          <p:cNvPicPr>
+            <a:picLocks noChangeAspect="1"/>
+          </p:cNvPicPr>
+          <p:nvPr/>
+        </p:nvPicPr>
+        <p:blipFill>
+          <a:blip r:embed="rId2"/>
+          <a:stretch>
+            <a:fillRect/>
+          </a:stretch>
+        </p:blipFill>
+        <p:spPr>
+          <a:xfrm>
+            <a:off x="1169670" y="3775138"/>
+            <a:ext cx="10446696" cy="2031302"/>
+          </a:xfrm>
+          <a:prstGeom prst="rect">
+            <a:avLst/>
+          </a:prstGeom>
+        </p:spPr>
+      </p:pic>
+    </p:spTree>
+    <p:extLst>
+      <p:ext uri="{BB962C8B-B14F-4D97-AF65-F5344CB8AC3E}">
+        <p14:creationId xmlns:p14="http://schemas.microsoft.com/office/powerpoint/2010/main" val="3687425422"/>
+      </p:ext>
+    </p:extLst>
+  </p:cSld>
+  <p:clrMapOvr>
+    <a:masterClrMapping/>
+  </p:clrMapOvr>
+</p:sld>
+</file>
+
+<file path=ppt/slides/slide83.xml><?xml version="1.0" encoding="utf-8"?>
+<p:sld xmlns:a="http://schemas.openxmlformats.org/drawingml/2006/main" xmlns:r="http://schemas.openxmlformats.org/officeDocument/2006/relationships" xmlns:p="http://schemas.openxmlformats.org/presentationml/2006/main">
+  <p:cSld>
+    <p:spTree>
+      <p:nvGrpSpPr>
+        <p:cNvPr id="1" name=""/>
+        <p:cNvGrpSpPr/>
+        <p:nvPr/>
+      </p:nvGrpSpPr>
+      <p:grpSpPr>
+        <a:xfrm>
+          <a:off x="0" y="0"/>
+          <a:ext cx="0" cy="0"/>
+          <a:chOff x="0" y="0"/>
+          <a:chExt cx="0" cy="0"/>
+        </a:xfrm>
+      </p:grpSpPr>
+      <p:sp>
+        <p:nvSpPr>
+          <p:cNvPr id="2" name="Title 1"/>
+          <p:cNvSpPr>
+            <a:spLocks noGrp="1"/>
+          </p:cNvSpPr>
+          <p:nvPr>
+            <p:ph type="title"/>
+          </p:nvPr>
+        </p:nvSpPr>
+        <p:spPr/>
+        <p:txBody>
+          <a:bodyPr/>
+          <a:lstStyle/>
+          <a:p>
+            <a:r>
+              <a:rPr lang="en-US" dirty="0" err="1" smtClean="0"/>
+              <a:t>Ciclo</a:t>
+            </a:r>
+            <a:r>
+              <a:rPr lang="en-US" dirty="0" smtClean="0"/>
+              <a:t> </a:t>
+            </a:r>
+            <a:r>
+              <a:rPr lang="en-US" dirty="0" err="1" smtClean="0"/>
+              <a:t>Sobre</a:t>
+            </a:r>
+            <a:r>
+              <a:rPr lang="en-US" dirty="0" smtClean="0"/>
+              <a:t> </a:t>
+            </a:r>
+            <a:r>
+              <a:rPr lang="en-US" dirty="0" err="1" smtClean="0"/>
+              <a:t>Estructuras</a:t>
+            </a:r>
+            <a:r>
+              <a:rPr lang="en-US" dirty="0" smtClean="0"/>
+              <a:t> de </a:t>
+            </a:r>
+            <a:r>
+              <a:rPr lang="en-US" dirty="0" err="1" smtClean="0"/>
+              <a:t>Datos</a:t>
+            </a:r>
+            <a:r>
+              <a:rPr lang="en-US" dirty="0"/>
+              <a:t/>
+            </a:r>
+            <a:br>
+              <a:rPr lang="en-US" dirty="0"/>
+            </a:br>
+            <a:r>
+              <a:rPr lang="en-US" dirty="0" err="1" smtClean="0"/>
+              <a:t>Diccionarios</a:t>
+            </a:r>
+            <a:endParaRPr lang="en-US" dirty="0"/>
+          </a:p>
+        </p:txBody>
+      </p:sp>
+      <p:sp>
+        <p:nvSpPr>
+          <p:cNvPr id="3" name="Content Placeholder 2"/>
+          <p:cNvSpPr>
+            <a:spLocks noGrp="1"/>
+          </p:cNvSpPr>
+          <p:nvPr>
+            <p:ph idx="1"/>
+          </p:nvPr>
+        </p:nvSpPr>
+        <p:spPr>
+          <a:xfrm>
+            <a:off x="939096" y="3108960"/>
+            <a:ext cx="10526649" cy="3123092"/>
+          </a:xfrm>
+        </p:spPr>
+        <p:txBody>
+          <a:bodyPr>
+            <a:normAutofit/>
+          </a:bodyPr>
+          <a:lstStyle/>
+          <a:p>
+            <a:r>
+              <a:rPr lang="es-PA" dirty="0" smtClean="0"/>
+              <a:t>La manera correcta es la siguiente…</a:t>
+            </a:r>
+          </a:p>
+          <a:p>
+            <a:endParaRPr lang="es-PA" dirty="0"/>
+          </a:p>
+          <a:p>
+            <a:endParaRPr lang="es-PA" dirty="0" smtClean="0"/>
+          </a:p>
+          <a:p>
+            <a:endParaRPr lang="es-PA" dirty="0" smtClean="0"/>
+          </a:p>
+        </p:txBody>
+      </p:sp>
+      <p:sp>
+        <p:nvSpPr>
+          <p:cNvPr id="6" name="Rectangle 5"/>
+          <p:cNvSpPr/>
+          <p:nvPr/>
+        </p:nvSpPr>
+        <p:spPr>
+          <a:xfrm>
+            <a:off x="1064324" y="1923906"/>
+            <a:ext cx="2456116" cy="901100"/>
+          </a:xfrm>
+          <a:prstGeom prst="rect">
+            <a:avLst/>
+          </a:prstGeom>
+          <a:ln>
+            <a:headEnd type="none" w="med" len="med"/>
+            <a:tailEnd type="none" w="med" len="med"/>
+          </a:ln>
+        </p:spPr>
+        <p:style>
+          <a:lnRef idx="2">
+            <a:schemeClr val="accent1">
+              <a:shade val="50000"/>
+            </a:schemeClr>
+          </a:lnRef>
+          <a:fillRef idx="1">
+            <a:schemeClr val="accent1"/>
+          </a:fillRef>
+          <a:effectRef idx="0">
+            <a:schemeClr val="accent1"/>
+          </a:effectRef>
+          <a:fontRef idx="minor">
+            <a:schemeClr val="lt1"/>
+          </a:fontRef>
+        </p:style>
+        <p:txBody>
+          <a:bodyPr rtlCol="0" anchor="ctr"/>
+          <a:lstStyle/>
+          <a:p>
+            <a:pPr algn="ctr"/>
+            <a:r>
+              <a:rPr lang="es-PA" dirty="0" err="1" smtClean="0">
+                <a:latin typeface="Britannic Bold" panose="020B0903060703020204" pitchFamily="34" charset="0"/>
+                <a:ea typeface="Adobe Fan Heiti Std B" panose="020B0700000000000000" pitchFamily="34" charset="-128"/>
+                <a:cs typeface="Arial" panose="020B0604020202020204" pitchFamily="34" charset="0"/>
+              </a:rPr>
+              <a:t>For</a:t>
+            </a:r>
+            <a:r>
+              <a:rPr lang="es-PA" dirty="0" smtClean="0">
+                <a:latin typeface="Britannic Bold" panose="020B0903060703020204" pitchFamily="34" charset="0"/>
+                <a:ea typeface="Adobe Fan Heiti Std B" panose="020B0700000000000000" pitchFamily="34" charset="-128"/>
+                <a:cs typeface="Arial" panose="020B0604020202020204" pitchFamily="34" charset="0"/>
+              </a:rPr>
+              <a:t> </a:t>
+            </a:r>
+            <a:r>
+              <a:rPr lang="es-PA" b="1" dirty="0" err="1" smtClean="0">
+                <a:solidFill>
+                  <a:schemeClr val="accent1">
+                    <a:lumMod val="20000"/>
+                    <a:lumOff val="80000"/>
+                  </a:schemeClr>
+                </a:solidFill>
+              </a:rPr>
+              <a:t>var</a:t>
+            </a:r>
+            <a:r>
+              <a:rPr lang="es-PA" b="1" dirty="0" smtClean="0">
+                <a:solidFill>
+                  <a:schemeClr val="accent1">
+                    <a:lumMod val="20000"/>
+                    <a:lumOff val="80000"/>
+                  </a:schemeClr>
+                </a:solidFill>
+              </a:rPr>
+              <a:t> </a:t>
+            </a:r>
+            <a:r>
+              <a:rPr lang="es-PA" dirty="0" smtClean="0">
+                <a:latin typeface="Britannic Bold" panose="020B0903060703020204" pitchFamily="34" charset="0"/>
+                <a:ea typeface="Adobe Fan Heiti Std B" panose="020B0700000000000000" pitchFamily="34" charset="-128"/>
+                <a:cs typeface="Arial" panose="020B0604020202020204" pitchFamily="34" charset="0"/>
+              </a:rPr>
+              <a:t>in </a:t>
+            </a:r>
+            <a:r>
+              <a:rPr lang="es-PA" b="1" dirty="0" err="1" smtClean="0">
+                <a:solidFill>
+                  <a:schemeClr val="accent1">
+                    <a:lumMod val="20000"/>
+                    <a:lumOff val="80000"/>
+                  </a:schemeClr>
+                </a:solidFill>
+              </a:rPr>
+              <a:t>seq</a:t>
+            </a:r>
+            <a:r>
+              <a:rPr lang="es-PA" b="1" dirty="0" smtClean="0">
+                <a:solidFill>
+                  <a:schemeClr val="accent1">
+                    <a:lumMod val="20000"/>
+                    <a:lumOff val="80000"/>
+                  </a:schemeClr>
+                </a:solidFill>
+              </a:rPr>
+              <a:t>:</a:t>
+            </a:r>
+            <a:r>
+              <a:rPr lang="es-PA" dirty="0" smtClean="0">
+                <a:latin typeface="Britannic Bold" panose="020B0903060703020204" pitchFamily="34" charset="0"/>
+                <a:ea typeface="Adobe Fan Heiti Std B" panose="020B0700000000000000" pitchFamily="34" charset="-128"/>
+                <a:cs typeface="Arial" panose="020B0604020202020204" pitchFamily="34" charset="0"/>
+              </a:rPr>
+              <a:t> </a:t>
+            </a:r>
+            <a:endParaRPr lang="es-PA" dirty="0" smtClean="0">
+              <a:latin typeface="Arial" panose="020B0604020202020204" pitchFamily="34" charset="0"/>
+              <a:ea typeface="Adobe Fan Heiti Std B" panose="020B0700000000000000" pitchFamily="34" charset="-128"/>
+              <a:cs typeface="Arial" panose="020B0604020202020204" pitchFamily="34" charset="0"/>
+            </a:endParaRPr>
+          </a:p>
+          <a:p>
+            <a:pPr algn="ctr"/>
+            <a:r>
+              <a:rPr lang="es-PA" b="1" dirty="0" smtClean="0">
+                <a:solidFill>
+                  <a:schemeClr val="accent1">
+                    <a:lumMod val="20000"/>
+                    <a:lumOff val="80000"/>
+                  </a:schemeClr>
+                </a:solidFill>
+              </a:rPr>
+              <a:t>expresión</a:t>
+            </a:r>
+            <a:endParaRPr lang="es-PA" dirty="0">
+              <a:latin typeface="Arial" panose="020B0604020202020204" pitchFamily="34" charset="0"/>
+              <a:ea typeface="Adobe Fan Heiti Std B" panose="020B0700000000000000" pitchFamily="34" charset="-128"/>
+              <a:cs typeface="Arial" panose="020B0604020202020204" pitchFamily="34" charset="0"/>
+            </a:endParaRPr>
+          </a:p>
+        </p:txBody>
+      </p:sp>
+      <p:pic>
+        <p:nvPicPr>
+          <p:cNvPr id="5" name="Picture 4"/>
+          <p:cNvPicPr>
+            <a:picLocks noChangeAspect="1"/>
+          </p:cNvPicPr>
+          <p:nvPr/>
+        </p:nvPicPr>
+        <p:blipFill>
+          <a:blip r:embed="rId2"/>
+          <a:stretch>
+            <a:fillRect/>
+          </a:stretch>
+        </p:blipFill>
+        <p:spPr>
+          <a:xfrm>
+            <a:off x="1064324" y="3844878"/>
+            <a:ext cx="7166435" cy="2043857"/>
+          </a:xfrm>
+          <a:prstGeom prst="rect">
+            <a:avLst/>
+          </a:prstGeom>
+        </p:spPr>
+      </p:pic>
+    </p:spTree>
+    <p:extLst>
+      <p:ext uri="{BB962C8B-B14F-4D97-AF65-F5344CB8AC3E}">
+        <p14:creationId xmlns:p14="http://schemas.microsoft.com/office/powerpoint/2010/main" val="1617186387"/>
+      </p:ext>
+    </p:extLst>
+  </p:cSld>
+  <p:clrMapOvr>
+    <a:masterClrMapping/>
+  </p:clrMapOvr>
+</p:sld>
+</file>
+
+<file path=ppt/slides/slide84.xml><?xml version="1.0" encoding="utf-8"?>
+<p:sld xmlns:a="http://schemas.openxmlformats.org/drawingml/2006/main" xmlns:r="http://schemas.openxmlformats.org/officeDocument/2006/relationships" xmlns:p="http://schemas.openxmlformats.org/presentationml/2006/main">
+  <p:cSld>
+    <p:spTree>
+      <p:nvGrpSpPr>
+        <p:cNvPr id="1" name=""/>
+        <p:cNvGrpSpPr/>
+        <p:nvPr/>
+      </p:nvGrpSpPr>
+      <p:grpSpPr>
+        <a:xfrm>
+          <a:off x="0" y="0"/>
+          <a:ext cx="0" cy="0"/>
+          <a:chOff x="0" y="0"/>
+          <a:chExt cx="0" cy="0"/>
+        </a:xfrm>
+      </p:grpSpPr>
+      <p:sp>
+        <p:nvSpPr>
+          <p:cNvPr id="2" name="Title 1"/>
+          <p:cNvSpPr>
+            <a:spLocks noGrp="1"/>
+          </p:cNvSpPr>
+          <p:nvPr>
+            <p:ph type="title"/>
+          </p:nvPr>
+        </p:nvSpPr>
+        <p:spPr/>
+        <p:txBody>
+          <a:bodyPr/>
+          <a:lstStyle/>
+          <a:p>
+            <a:r>
+              <a:rPr lang="en-US" dirty="0" err="1" smtClean="0"/>
+              <a:t>Ciclo</a:t>
+            </a:r>
+            <a:r>
+              <a:rPr lang="en-US" dirty="0" smtClean="0"/>
+              <a:t> </a:t>
+            </a:r>
+            <a:r>
+              <a:rPr lang="en-US" dirty="0" err="1" smtClean="0"/>
+              <a:t>Sobre</a:t>
+            </a:r>
+            <a:r>
+              <a:rPr lang="en-US" dirty="0" smtClean="0"/>
+              <a:t> </a:t>
+            </a:r>
+            <a:r>
+              <a:rPr lang="en-US" dirty="0" err="1" smtClean="0"/>
+              <a:t>Estructuras</a:t>
+            </a:r>
+            <a:r>
+              <a:rPr lang="en-US" dirty="0" smtClean="0"/>
+              <a:t> de </a:t>
+            </a:r>
+            <a:r>
+              <a:rPr lang="en-US" dirty="0" err="1" smtClean="0"/>
+              <a:t>Datos</a:t>
+            </a:r>
+            <a:r>
+              <a:rPr lang="en-US" dirty="0"/>
+              <a:t/>
+            </a:r>
+            <a:br>
+              <a:rPr lang="en-US" dirty="0"/>
+            </a:br>
+            <a:r>
+              <a:rPr lang="en-US" dirty="0" err="1" smtClean="0"/>
+              <a:t>Sobre</a:t>
+            </a:r>
+            <a:r>
+              <a:rPr lang="en-US" dirty="0" smtClean="0"/>
+              <a:t> </a:t>
+            </a:r>
+            <a:r>
+              <a:rPr lang="en-US" dirty="0" err="1" smtClean="0"/>
+              <a:t>Arreglos</a:t>
+            </a:r>
+            <a:r>
+              <a:rPr lang="en-US" dirty="0" smtClean="0"/>
+              <a:t> de </a:t>
+            </a:r>
+            <a:r>
+              <a:rPr lang="en-US" dirty="0" err="1" smtClean="0"/>
+              <a:t>Numpy</a:t>
+            </a:r>
+            <a:endParaRPr lang="en-US" dirty="0"/>
+          </a:p>
+        </p:txBody>
+      </p:sp>
+      <p:sp>
+        <p:nvSpPr>
+          <p:cNvPr id="3" name="Content Placeholder 2"/>
+          <p:cNvSpPr>
+            <a:spLocks noGrp="1"/>
+          </p:cNvSpPr>
+          <p:nvPr>
+            <p:ph idx="1"/>
+          </p:nvPr>
+        </p:nvSpPr>
+        <p:spPr>
+          <a:xfrm>
+            <a:off x="939096" y="3108960"/>
+            <a:ext cx="10526649" cy="3123092"/>
+          </a:xfrm>
+        </p:spPr>
+        <p:txBody>
+          <a:bodyPr>
+            <a:normAutofit/>
+          </a:bodyPr>
+          <a:lstStyle/>
+          <a:p>
+            <a:r>
+              <a:rPr lang="es-PA" dirty="0" smtClean="0"/>
+              <a:t>Con arreglos de </a:t>
+            </a:r>
+            <a:r>
+              <a:rPr lang="es-PA" dirty="0" err="1" smtClean="0"/>
+              <a:t>numpy</a:t>
+            </a:r>
+            <a:endParaRPr lang="es-PA" dirty="0" smtClean="0"/>
+          </a:p>
+          <a:p>
+            <a:endParaRPr lang="es-PA" dirty="0"/>
+          </a:p>
+          <a:p>
+            <a:endParaRPr lang="es-PA" dirty="0" smtClean="0"/>
+          </a:p>
+          <a:p>
+            <a:endParaRPr lang="es-PA" dirty="0" smtClean="0"/>
+          </a:p>
+        </p:txBody>
+      </p:sp>
+      <p:sp>
+        <p:nvSpPr>
+          <p:cNvPr id="6" name="Rectangle 5"/>
+          <p:cNvSpPr/>
+          <p:nvPr/>
+        </p:nvSpPr>
+        <p:spPr>
+          <a:xfrm>
+            <a:off x="1064324" y="1923906"/>
+            <a:ext cx="2456116" cy="901100"/>
+          </a:xfrm>
+          <a:prstGeom prst="rect">
+            <a:avLst/>
+          </a:prstGeom>
+          <a:ln>
+            <a:headEnd type="none" w="med" len="med"/>
+            <a:tailEnd type="none" w="med" len="med"/>
+          </a:ln>
+        </p:spPr>
+        <p:style>
+          <a:lnRef idx="2">
+            <a:schemeClr val="accent1">
+              <a:shade val="50000"/>
+            </a:schemeClr>
+          </a:lnRef>
+          <a:fillRef idx="1">
+            <a:schemeClr val="accent1"/>
+          </a:fillRef>
+          <a:effectRef idx="0">
+            <a:schemeClr val="accent1"/>
+          </a:effectRef>
+          <a:fontRef idx="minor">
+            <a:schemeClr val="lt1"/>
+          </a:fontRef>
+        </p:style>
+        <p:txBody>
+          <a:bodyPr rtlCol="0" anchor="ctr"/>
+          <a:lstStyle/>
+          <a:p>
+            <a:pPr algn="ctr"/>
+            <a:r>
+              <a:rPr lang="es-PA" dirty="0" err="1" smtClean="0">
+                <a:latin typeface="Britannic Bold" panose="020B0903060703020204" pitchFamily="34" charset="0"/>
+                <a:ea typeface="Adobe Fan Heiti Std B" panose="020B0700000000000000" pitchFamily="34" charset="-128"/>
+                <a:cs typeface="Arial" panose="020B0604020202020204" pitchFamily="34" charset="0"/>
+              </a:rPr>
+              <a:t>For</a:t>
+            </a:r>
+            <a:r>
+              <a:rPr lang="es-PA" dirty="0" smtClean="0">
+                <a:latin typeface="Britannic Bold" panose="020B0903060703020204" pitchFamily="34" charset="0"/>
+                <a:ea typeface="Adobe Fan Heiti Std B" panose="020B0700000000000000" pitchFamily="34" charset="-128"/>
+                <a:cs typeface="Arial" panose="020B0604020202020204" pitchFamily="34" charset="0"/>
+              </a:rPr>
+              <a:t> </a:t>
+            </a:r>
+            <a:r>
+              <a:rPr lang="es-PA" b="1" dirty="0" err="1" smtClean="0">
+                <a:solidFill>
+                  <a:schemeClr val="accent1">
+                    <a:lumMod val="20000"/>
+                    <a:lumOff val="80000"/>
+                  </a:schemeClr>
+                </a:solidFill>
+              </a:rPr>
+              <a:t>var</a:t>
+            </a:r>
+            <a:r>
+              <a:rPr lang="es-PA" b="1" dirty="0" smtClean="0">
+                <a:solidFill>
+                  <a:schemeClr val="accent1">
+                    <a:lumMod val="20000"/>
+                    <a:lumOff val="80000"/>
+                  </a:schemeClr>
+                </a:solidFill>
+              </a:rPr>
+              <a:t> </a:t>
+            </a:r>
+            <a:r>
+              <a:rPr lang="es-PA" dirty="0" smtClean="0">
+                <a:latin typeface="Britannic Bold" panose="020B0903060703020204" pitchFamily="34" charset="0"/>
+                <a:ea typeface="Adobe Fan Heiti Std B" panose="020B0700000000000000" pitchFamily="34" charset="-128"/>
+                <a:cs typeface="Arial" panose="020B0604020202020204" pitchFamily="34" charset="0"/>
+              </a:rPr>
+              <a:t>in </a:t>
+            </a:r>
+            <a:r>
+              <a:rPr lang="es-PA" b="1" dirty="0" err="1" smtClean="0">
+                <a:solidFill>
+                  <a:schemeClr val="accent1">
+                    <a:lumMod val="20000"/>
+                    <a:lumOff val="80000"/>
+                  </a:schemeClr>
+                </a:solidFill>
+              </a:rPr>
+              <a:t>seq</a:t>
+            </a:r>
+            <a:r>
+              <a:rPr lang="es-PA" b="1" dirty="0" smtClean="0">
+                <a:solidFill>
+                  <a:schemeClr val="accent1">
+                    <a:lumMod val="20000"/>
+                    <a:lumOff val="80000"/>
+                  </a:schemeClr>
+                </a:solidFill>
+              </a:rPr>
+              <a:t>:</a:t>
+            </a:r>
+            <a:r>
+              <a:rPr lang="es-PA" dirty="0" smtClean="0">
+                <a:latin typeface="Britannic Bold" panose="020B0903060703020204" pitchFamily="34" charset="0"/>
+                <a:ea typeface="Adobe Fan Heiti Std B" panose="020B0700000000000000" pitchFamily="34" charset="-128"/>
+                <a:cs typeface="Arial" panose="020B0604020202020204" pitchFamily="34" charset="0"/>
+              </a:rPr>
+              <a:t> </a:t>
+            </a:r>
+            <a:endParaRPr lang="es-PA" dirty="0" smtClean="0">
+              <a:latin typeface="Arial" panose="020B0604020202020204" pitchFamily="34" charset="0"/>
+              <a:ea typeface="Adobe Fan Heiti Std B" panose="020B0700000000000000" pitchFamily="34" charset="-128"/>
+              <a:cs typeface="Arial" panose="020B0604020202020204" pitchFamily="34" charset="0"/>
+            </a:endParaRPr>
+          </a:p>
+          <a:p>
+            <a:pPr algn="ctr"/>
+            <a:r>
+              <a:rPr lang="es-PA" b="1" dirty="0" smtClean="0">
+                <a:solidFill>
+                  <a:schemeClr val="accent1">
+                    <a:lumMod val="20000"/>
+                    <a:lumOff val="80000"/>
+                  </a:schemeClr>
+                </a:solidFill>
+              </a:rPr>
+              <a:t>expresión</a:t>
+            </a:r>
+            <a:endParaRPr lang="es-PA" dirty="0">
+              <a:latin typeface="Arial" panose="020B0604020202020204" pitchFamily="34" charset="0"/>
+              <a:ea typeface="Adobe Fan Heiti Std B" panose="020B0700000000000000" pitchFamily="34" charset="-128"/>
+              <a:cs typeface="Arial" panose="020B0604020202020204" pitchFamily="34" charset="0"/>
+            </a:endParaRPr>
+          </a:p>
+        </p:txBody>
+      </p:sp>
+      <p:pic>
+        <p:nvPicPr>
+          <p:cNvPr id="4" name="Picture 3"/>
+          <p:cNvPicPr>
+            <a:picLocks noChangeAspect="1"/>
+          </p:cNvPicPr>
+          <p:nvPr/>
+        </p:nvPicPr>
+        <p:blipFill>
+          <a:blip r:embed="rId2"/>
+          <a:stretch>
+            <a:fillRect/>
+          </a:stretch>
+        </p:blipFill>
+        <p:spPr>
+          <a:xfrm>
+            <a:off x="4788027" y="2374456"/>
+            <a:ext cx="6877050" cy="3562350"/>
+          </a:xfrm>
+          <a:prstGeom prst="rect">
+            <a:avLst/>
+          </a:prstGeom>
+        </p:spPr>
+      </p:pic>
+    </p:spTree>
+    <p:extLst>
+      <p:ext uri="{BB962C8B-B14F-4D97-AF65-F5344CB8AC3E}">
+        <p14:creationId xmlns:p14="http://schemas.microsoft.com/office/powerpoint/2010/main" val="3299244845"/>
+      </p:ext>
+    </p:extLst>
+  </p:cSld>
+  <p:clrMapOvr>
+    <a:masterClrMapping/>
+  </p:clrMapOvr>
+</p:sld>
+</file>
+
+<file path=ppt/slides/slide85.xml><?xml version="1.0" encoding="utf-8"?>
+<p:sld xmlns:a="http://schemas.openxmlformats.org/drawingml/2006/main" xmlns:r="http://schemas.openxmlformats.org/officeDocument/2006/relationships" xmlns:p="http://schemas.openxmlformats.org/presentationml/2006/main">
+  <p:cSld>
+    <p:spTree>
+      <p:nvGrpSpPr>
+        <p:cNvPr id="1" name=""/>
+        <p:cNvGrpSpPr/>
+        <p:nvPr/>
+      </p:nvGrpSpPr>
+      <p:grpSpPr>
+        <a:xfrm>
+          <a:off x="0" y="0"/>
+          <a:ext cx="0" cy="0"/>
+          <a:chOff x="0" y="0"/>
+          <a:chExt cx="0" cy="0"/>
+        </a:xfrm>
+      </p:grpSpPr>
+      <p:sp>
+        <p:nvSpPr>
+          <p:cNvPr id="2" name="Title 1"/>
+          <p:cNvSpPr>
+            <a:spLocks noGrp="1"/>
+          </p:cNvSpPr>
+          <p:nvPr>
+            <p:ph type="title"/>
+          </p:nvPr>
+        </p:nvSpPr>
+        <p:spPr/>
+        <p:txBody>
+          <a:bodyPr/>
+          <a:lstStyle/>
+          <a:p>
+            <a:r>
+              <a:rPr lang="en-US" dirty="0" err="1" smtClean="0"/>
+              <a:t>Ciclo</a:t>
+            </a:r>
+            <a:r>
+              <a:rPr lang="en-US" dirty="0" smtClean="0"/>
+              <a:t> </a:t>
+            </a:r>
+            <a:r>
+              <a:rPr lang="en-US" dirty="0" err="1" smtClean="0"/>
+              <a:t>Sobre</a:t>
+            </a:r>
+            <a:r>
+              <a:rPr lang="en-US" dirty="0" smtClean="0"/>
+              <a:t> </a:t>
+            </a:r>
+            <a:r>
+              <a:rPr lang="en-US" dirty="0" err="1" smtClean="0"/>
+              <a:t>Estructuras</a:t>
+            </a:r>
+            <a:r>
+              <a:rPr lang="en-US" dirty="0" smtClean="0"/>
+              <a:t> de </a:t>
+            </a:r>
+            <a:r>
+              <a:rPr lang="en-US" dirty="0" err="1" smtClean="0"/>
+              <a:t>Datos</a:t>
+            </a:r>
+            <a:r>
+              <a:rPr lang="en-US" dirty="0"/>
+              <a:t/>
+            </a:r>
+            <a:br>
+              <a:rPr lang="en-US" dirty="0"/>
+            </a:br>
+            <a:r>
+              <a:rPr lang="en-US" dirty="0" err="1" smtClean="0"/>
+              <a:t>Sobre</a:t>
+            </a:r>
+            <a:r>
+              <a:rPr lang="en-US" dirty="0" smtClean="0"/>
+              <a:t> </a:t>
+            </a:r>
+            <a:r>
+              <a:rPr lang="en-US" dirty="0" err="1" smtClean="0"/>
+              <a:t>Arreglos</a:t>
+            </a:r>
+            <a:r>
+              <a:rPr lang="en-US" dirty="0" smtClean="0"/>
+              <a:t> 2D de </a:t>
+            </a:r>
+            <a:r>
+              <a:rPr lang="en-US" dirty="0" err="1" smtClean="0"/>
+              <a:t>Numpy</a:t>
+            </a:r>
+            <a:endParaRPr lang="en-US" dirty="0"/>
+          </a:p>
+        </p:txBody>
+      </p:sp>
+      <p:sp>
+        <p:nvSpPr>
+          <p:cNvPr id="3" name="Content Placeholder 2"/>
+          <p:cNvSpPr>
+            <a:spLocks noGrp="1"/>
+          </p:cNvSpPr>
+          <p:nvPr>
+            <p:ph idx="1"/>
+          </p:nvPr>
+        </p:nvSpPr>
+        <p:spPr>
+          <a:xfrm>
+            <a:off x="939096" y="3108960"/>
+            <a:ext cx="10526649" cy="3123092"/>
+          </a:xfrm>
+        </p:spPr>
+        <p:txBody>
+          <a:bodyPr>
+            <a:normAutofit/>
+          </a:bodyPr>
+          <a:lstStyle/>
+          <a:p>
+            <a:r>
+              <a:rPr lang="es-PA" dirty="0" smtClean="0"/>
+              <a:t>Con arreglos 2d de </a:t>
+            </a:r>
+            <a:r>
+              <a:rPr lang="es-PA" dirty="0" err="1" smtClean="0"/>
+              <a:t>numpy</a:t>
+            </a:r>
+            <a:endParaRPr lang="es-PA" dirty="0" smtClean="0"/>
+          </a:p>
+          <a:p>
+            <a:endParaRPr lang="es-PA" dirty="0"/>
+          </a:p>
+          <a:p>
+            <a:endParaRPr lang="es-PA" dirty="0" smtClean="0"/>
+          </a:p>
+          <a:p>
+            <a:endParaRPr lang="es-PA" dirty="0" smtClean="0"/>
+          </a:p>
+        </p:txBody>
+      </p:sp>
+      <p:sp>
+        <p:nvSpPr>
+          <p:cNvPr id="6" name="Rectangle 5"/>
+          <p:cNvSpPr/>
+          <p:nvPr/>
+        </p:nvSpPr>
+        <p:spPr>
+          <a:xfrm>
+            <a:off x="1064324" y="1923906"/>
+            <a:ext cx="2456116" cy="901100"/>
+          </a:xfrm>
+          <a:prstGeom prst="rect">
+            <a:avLst/>
+          </a:prstGeom>
+          <a:ln>
+            <a:headEnd type="none" w="med" len="med"/>
+            <a:tailEnd type="none" w="med" len="med"/>
+          </a:ln>
+        </p:spPr>
+        <p:style>
+          <a:lnRef idx="2">
+            <a:schemeClr val="accent1">
+              <a:shade val="50000"/>
+            </a:schemeClr>
+          </a:lnRef>
+          <a:fillRef idx="1">
+            <a:schemeClr val="accent1"/>
+          </a:fillRef>
+          <a:effectRef idx="0">
+            <a:schemeClr val="accent1"/>
+          </a:effectRef>
+          <a:fontRef idx="minor">
+            <a:schemeClr val="lt1"/>
+          </a:fontRef>
+        </p:style>
+        <p:txBody>
+          <a:bodyPr rtlCol="0" anchor="ctr"/>
+          <a:lstStyle/>
+          <a:p>
+            <a:pPr algn="ctr"/>
+            <a:r>
+              <a:rPr lang="es-PA" dirty="0" err="1" smtClean="0">
+                <a:latin typeface="Britannic Bold" panose="020B0903060703020204" pitchFamily="34" charset="0"/>
+                <a:ea typeface="Adobe Fan Heiti Std B" panose="020B0700000000000000" pitchFamily="34" charset="-128"/>
+                <a:cs typeface="Arial" panose="020B0604020202020204" pitchFamily="34" charset="0"/>
+              </a:rPr>
+              <a:t>For</a:t>
+            </a:r>
+            <a:r>
+              <a:rPr lang="es-PA" dirty="0" smtClean="0">
+                <a:latin typeface="Britannic Bold" panose="020B0903060703020204" pitchFamily="34" charset="0"/>
+                <a:ea typeface="Adobe Fan Heiti Std B" panose="020B0700000000000000" pitchFamily="34" charset="-128"/>
+                <a:cs typeface="Arial" panose="020B0604020202020204" pitchFamily="34" charset="0"/>
+              </a:rPr>
+              <a:t> </a:t>
+            </a:r>
+            <a:r>
+              <a:rPr lang="es-PA" b="1" dirty="0" err="1" smtClean="0">
+                <a:solidFill>
+                  <a:schemeClr val="accent1">
+                    <a:lumMod val="20000"/>
+                    <a:lumOff val="80000"/>
+                  </a:schemeClr>
+                </a:solidFill>
+              </a:rPr>
+              <a:t>var</a:t>
+            </a:r>
+            <a:r>
+              <a:rPr lang="es-PA" b="1" dirty="0" smtClean="0">
+                <a:solidFill>
+                  <a:schemeClr val="accent1">
+                    <a:lumMod val="20000"/>
+                    <a:lumOff val="80000"/>
+                  </a:schemeClr>
+                </a:solidFill>
+              </a:rPr>
+              <a:t> </a:t>
+            </a:r>
+            <a:r>
+              <a:rPr lang="es-PA" dirty="0" smtClean="0">
+                <a:latin typeface="Britannic Bold" panose="020B0903060703020204" pitchFamily="34" charset="0"/>
+                <a:ea typeface="Adobe Fan Heiti Std B" panose="020B0700000000000000" pitchFamily="34" charset="-128"/>
+                <a:cs typeface="Arial" panose="020B0604020202020204" pitchFamily="34" charset="0"/>
+              </a:rPr>
+              <a:t>in </a:t>
+            </a:r>
+            <a:r>
+              <a:rPr lang="es-PA" b="1" dirty="0" err="1" smtClean="0">
+                <a:solidFill>
+                  <a:schemeClr val="accent1">
+                    <a:lumMod val="20000"/>
+                    <a:lumOff val="80000"/>
+                  </a:schemeClr>
+                </a:solidFill>
+              </a:rPr>
+              <a:t>seq</a:t>
+            </a:r>
+            <a:r>
+              <a:rPr lang="es-PA" b="1" dirty="0" smtClean="0">
+                <a:solidFill>
+                  <a:schemeClr val="accent1">
+                    <a:lumMod val="20000"/>
+                    <a:lumOff val="80000"/>
+                  </a:schemeClr>
+                </a:solidFill>
+              </a:rPr>
+              <a:t>:</a:t>
+            </a:r>
+            <a:r>
+              <a:rPr lang="es-PA" dirty="0" smtClean="0">
+                <a:latin typeface="Britannic Bold" panose="020B0903060703020204" pitchFamily="34" charset="0"/>
+                <a:ea typeface="Adobe Fan Heiti Std B" panose="020B0700000000000000" pitchFamily="34" charset="-128"/>
+                <a:cs typeface="Arial" panose="020B0604020202020204" pitchFamily="34" charset="0"/>
+              </a:rPr>
+              <a:t> </a:t>
+            </a:r>
+            <a:endParaRPr lang="es-PA" dirty="0" smtClean="0">
+              <a:latin typeface="Arial" panose="020B0604020202020204" pitchFamily="34" charset="0"/>
+              <a:ea typeface="Adobe Fan Heiti Std B" panose="020B0700000000000000" pitchFamily="34" charset="-128"/>
+              <a:cs typeface="Arial" panose="020B0604020202020204" pitchFamily="34" charset="0"/>
+            </a:endParaRPr>
+          </a:p>
+          <a:p>
+            <a:pPr algn="ctr"/>
+            <a:r>
+              <a:rPr lang="es-PA" b="1" dirty="0" smtClean="0">
+                <a:solidFill>
+                  <a:schemeClr val="accent1">
+                    <a:lumMod val="20000"/>
+                    <a:lumOff val="80000"/>
+                  </a:schemeClr>
+                </a:solidFill>
+              </a:rPr>
+              <a:t>expresión</a:t>
+            </a:r>
+            <a:endParaRPr lang="es-PA" dirty="0">
+              <a:latin typeface="Arial" panose="020B0604020202020204" pitchFamily="34" charset="0"/>
+              <a:ea typeface="Adobe Fan Heiti Std B" panose="020B0700000000000000" pitchFamily="34" charset="-128"/>
+              <a:cs typeface="Arial" panose="020B0604020202020204" pitchFamily="34" charset="0"/>
+            </a:endParaRPr>
+          </a:p>
+        </p:txBody>
+      </p:sp>
+      <p:pic>
+        <p:nvPicPr>
+          <p:cNvPr id="7" name="Picture 6"/>
+          <p:cNvPicPr>
+            <a:picLocks noChangeAspect="1"/>
+          </p:cNvPicPr>
+          <p:nvPr/>
+        </p:nvPicPr>
+        <p:blipFill>
+          <a:blip r:embed="rId2"/>
+          <a:stretch>
+            <a:fillRect/>
+          </a:stretch>
+        </p:blipFill>
+        <p:spPr>
+          <a:xfrm>
+            <a:off x="753427" y="3850957"/>
+            <a:ext cx="11151151" cy="2302955"/>
+          </a:xfrm>
+          <a:prstGeom prst="rect">
+            <a:avLst/>
+          </a:prstGeom>
+        </p:spPr>
+      </p:pic>
+      <p:pic>
+        <p:nvPicPr>
+          <p:cNvPr id="8" name="Picture 7"/>
+          <p:cNvPicPr>
+            <a:picLocks noChangeAspect="1"/>
+          </p:cNvPicPr>
+          <p:nvPr/>
+        </p:nvPicPr>
+        <p:blipFill>
+          <a:blip r:embed="rId3"/>
+          <a:stretch>
+            <a:fillRect/>
+          </a:stretch>
+        </p:blipFill>
+        <p:spPr>
+          <a:xfrm>
+            <a:off x="9339819" y="1270981"/>
+            <a:ext cx="1793367" cy="2395617"/>
+          </a:xfrm>
+          <a:prstGeom prst="rect">
+            <a:avLst/>
+          </a:prstGeom>
+        </p:spPr>
+      </p:pic>
+    </p:spTree>
+    <p:extLst>
+      <p:ext uri="{BB962C8B-B14F-4D97-AF65-F5344CB8AC3E}">
+        <p14:creationId xmlns:p14="http://schemas.microsoft.com/office/powerpoint/2010/main" val="2356223386"/>
+      </p:ext>
+    </p:extLst>
+  </p:cSld>
+  <p:clrMapOvr>
+    <a:masterClrMapping/>
+  </p:clrMapOvr>
+</p:sld>
+</file>
+
+<file path=ppt/slides/slide86.xml><?xml version="1.0" encoding="utf-8"?>
+<p:sld xmlns:a="http://schemas.openxmlformats.org/drawingml/2006/main" xmlns:r="http://schemas.openxmlformats.org/officeDocument/2006/relationships" xmlns:p="http://schemas.openxmlformats.org/presentationml/2006/main">
+  <p:cSld>
+    <p:spTree>
+      <p:nvGrpSpPr>
+        <p:cNvPr id="1" name=""/>
+        <p:cNvGrpSpPr/>
+        <p:nvPr/>
+      </p:nvGrpSpPr>
+      <p:grpSpPr>
+        <a:xfrm>
+          <a:off x="0" y="0"/>
+          <a:ext cx="0" cy="0"/>
+          <a:chOff x="0" y="0"/>
+          <a:chExt cx="0" cy="0"/>
+        </a:xfrm>
+      </p:grpSpPr>
+      <p:sp>
+        <p:nvSpPr>
+          <p:cNvPr id="2" name="Title 1"/>
+          <p:cNvSpPr>
+            <a:spLocks noGrp="1"/>
+          </p:cNvSpPr>
+          <p:nvPr>
+            <p:ph type="title"/>
+          </p:nvPr>
+        </p:nvSpPr>
+        <p:spPr/>
+        <p:txBody>
+          <a:bodyPr/>
+          <a:lstStyle/>
+          <a:p>
+            <a:r>
+              <a:rPr lang="en-US" dirty="0" err="1" smtClean="0"/>
+              <a:t>Recapitulando</a:t>
+            </a:r>
+            <a:endParaRPr lang="en-US" dirty="0"/>
+          </a:p>
+        </p:txBody>
+      </p:sp>
+      <p:sp>
+        <p:nvSpPr>
+          <p:cNvPr id="3" name="Content Placeholder 2"/>
+          <p:cNvSpPr>
+            <a:spLocks noGrp="1"/>
+          </p:cNvSpPr>
+          <p:nvPr>
+            <p:ph idx="1"/>
+          </p:nvPr>
+        </p:nvSpPr>
+        <p:spPr>
+          <a:xfrm>
+            <a:off x="939096" y="1682496"/>
+            <a:ext cx="10526649" cy="4549556"/>
+          </a:xfrm>
+        </p:spPr>
+        <p:txBody>
+          <a:bodyPr>
+            <a:normAutofit/>
+          </a:bodyPr>
+          <a:lstStyle/>
+          <a:p>
+            <a:r>
+              <a:rPr lang="es-PA" dirty="0" smtClean="0"/>
+              <a:t>Con diccionarios:</a:t>
+            </a:r>
+          </a:p>
+          <a:p>
+            <a:endParaRPr lang="es-PA" dirty="0"/>
+          </a:p>
+          <a:p>
+            <a:endParaRPr lang="es-PA" dirty="0" smtClean="0"/>
+          </a:p>
+          <a:p>
+            <a:endParaRPr lang="es-PA" dirty="0"/>
+          </a:p>
+          <a:p>
+            <a:r>
+              <a:rPr lang="es-PA" dirty="0" smtClean="0"/>
+              <a:t>Con arreglos de </a:t>
+            </a:r>
+            <a:r>
+              <a:rPr lang="es-PA" dirty="0" err="1" smtClean="0"/>
+              <a:t>numpy</a:t>
+            </a:r>
+            <a:r>
+              <a:rPr lang="es-PA" dirty="0" smtClean="0"/>
+              <a:t>:</a:t>
+            </a:r>
+            <a:endParaRPr lang="es-PA" dirty="0"/>
+          </a:p>
+          <a:p>
+            <a:endParaRPr lang="es-PA" dirty="0" smtClean="0"/>
+          </a:p>
+          <a:p>
+            <a:endParaRPr lang="es-PA" dirty="0" smtClean="0"/>
+          </a:p>
+        </p:txBody>
+      </p:sp>
+      <p:sp>
+        <p:nvSpPr>
+          <p:cNvPr id="9" name="Rectangle 8"/>
+          <p:cNvSpPr/>
+          <p:nvPr/>
+        </p:nvSpPr>
+        <p:spPr>
+          <a:xfrm>
+            <a:off x="1283780" y="2280522"/>
+            <a:ext cx="4184332" cy="901100"/>
+          </a:xfrm>
+          <a:prstGeom prst="rect">
+            <a:avLst/>
+          </a:prstGeom>
+          <a:ln>
+            <a:headEnd type="none" w="med" len="med"/>
+            <a:tailEnd type="none" w="med" len="med"/>
+          </a:ln>
+        </p:spPr>
+        <p:style>
+          <a:lnRef idx="2">
+            <a:schemeClr val="accent1">
+              <a:shade val="50000"/>
+            </a:schemeClr>
+          </a:lnRef>
+          <a:fillRef idx="1">
+            <a:schemeClr val="accent1"/>
+          </a:fillRef>
+          <a:effectRef idx="0">
+            <a:schemeClr val="accent1"/>
+          </a:effectRef>
+          <a:fontRef idx="minor">
+            <a:schemeClr val="lt1"/>
+          </a:fontRef>
+        </p:style>
+        <p:txBody>
+          <a:bodyPr rtlCol="0" anchor="ctr"/>
+          <a:lstStyle/>
+          <a:p>
+            <a:r>
+              <a:rPr lang="es-PA" dirty="0" err="1" smtClean="0">
+                <a:latin typeface="Britannic Bold" panose="020B0903060703020204" pitchFamily="34" charset="0"/>
+                <a:ea typeface="Adobe Fan Heiti Std B" panose="020B0700000000000000" pitchFamily="34" charset="-128"/>
+                <a:cs typeface="Arial" panose="020B0604020202020204" pitchFamily="34" charset="0"/>
+              </a:rPr>
+              <a:t>For</a:t>
+            </a:r>
+            <a:r>
+              <a:rPr lang="es-PA" dirty="0" smtClean="0">
+                <a:latin typeface="Britannic Bold" panose="020B0903060703020204" pitchFamily="34" charset="0"/>
+                <a:ea typeface="Adobe Fan Heiti Std B" panose="020B0700000000000000" pitchFamily="34" charset="-128"/>
+                <a:cs typeface="Arial" panose="020B0604020202020204" pitchFamily="34" charset="0"/>
+              </a:rPr>
+              <a:t> </a:t>
+            </a:r>
+            <a:r>
+              <a:rPr lang="es-PA" b="1" dirty="0" err="1" smtClean="0">
+                <a:solidFill>
+                  <a:schemeClr val="accent1">
+                    <a:lumMod val="20000"/>
+                    <a:lumOff val="80000"/>
+                  </a:schemeClr>
+                </a:solidFill>
+              </a:rPr>
+              <a:t>key</a:t>
+            </a:r>
+            <a:r>
+              <a:rPr lang="es-PA" b="1" dirty="0" smtClean="0">
+                <a:solidFill>
+                  <a:schemeClr val="accent1">
+                    <a:lumMod val="20000"/>
+                    <a:lumOff val="80000"/>
+                  </a:schemeClr>
+                </a:solidFill>
+              </a:rPr>
+              <a:t>, val </a:t>
+            </a:r>
+            <a:r>
+              <a:rPr lang="es-PA" dirty="0" smtClean="0">
+                <a:latin typeface="Britannic Bold" panose="020B0903060703020204" pitchFamily="34" charset="0"/>
+                <a:ea typeface="Adobe Fan Heiti Std B" panose="020B0700000000000000" pitchFamily="34" charset="-128"/>
+                <a:cs typeface="Arial" panose="020B0604020202020204" pitchFamily="34" charset="0"/>
+              </a:rPr>
+              <a:t>in </a:t>
+            </a:r>
+            <a:r>
+              <a:rPr lang="es-PA" b="1" dirty="0" err="1" smtClean="0">
+                <a:solidFill>
+                  <a:schemeClr val="accent1">
+                    <a:lumMod val="20000"/>
+                    <a:lumOff val="80000"/>
+                  </a:schemeClr>
+                </a:solidFill>
+              </a:rPr>
+              <a:t>diccionario.items</a:t>
+            </a:r>
+            <a:r>
+              <a:rPr lang="es-PA" b="1" dirty="0" smtClean="0">
+                <a:solidFill>
+                  <a:schemeClr val="accent1">
+                    <a:lumMod val="20000"/>
+                    <a:lumOff val="80000"/>
+                  </a:schemeClr>
+                </a:solidFill>
+              </a:rPr>
+              <a:t>():</a:t>
+            </a:r>
+            <a:r>
+              <a:rPr lang="es-PA" dirty="0" smtClean="0">
+                <a:latin typeface="Britannic Bold" panose="020B0903060703020204" pitchFamily="34" charset="0"/>
+                <a:ea typeface="Adobe Fan Heiti Std B" panose="020B0700000000000000" pitchFamily="34" charset="-128"/>
+                <a:cs typeface="Arial" panose="020B0604020202020204" pitchFamily="34" charset="0"/>
+              </a:rPr>
+              <a:t> </a:t>
+            </a:r>
+            <a:endParaRPr lang="es-PA" dirty="0" smtClean="0">
+              <a:latin typeface="Arial" panose="020B0604020202020204" pitchFamily="34" charset="0"/>
+              <a:ea typeface="Adobe Fan Heiti Std B" panose="020B0700000000000000" pitchFamily="34" charset="-128"/>
+              <a:cs typeface="Arial" panose="020B0604020202020204" pitchFamily="34" charset="0"/>
+            </a:endParaRPr>
+          </a:p>
+          <a:p>
+            <a:r>
+              <a:rPr lang="es-PA" b="1" dirty="0" smtClean="0">
+                <a:solidFill>
+                  <a:schemeClr val="accent1">
+                    <a:lumMod val="20000"/>
+                    <a:lumOff val="80000"/>
+                  </a:schemeClr>
+                </a:solidFill>
+              </a:rPr>
+              <a:t>      expresión</a:t>
+            </a:r>
+            <a:endParaRPr lang="es-PA" dirty="0">
+              <a:latin typeface="Arial" panose="020B0604020202020204" pitchFamily="34" charset="0"/>
+              <a:ea typeface="Adobe Fan Heiti Std B" panose="020B0700000000000000" pitchFamily="34" charset="-128"/>
+              <a:cs typeface="Arial" panose="020B0604020202020204" pitchFamily="34" charset="0"/>
+            </a:endParaRPr>
+          </a:p>
+        </p:txBody>
+      </p:sp>
+      <p:sp>
+        <p:nvSpPr>
+          <p:cNvPr id="10" name="Rectangle 9"/>
+          <p:cNvSpPr/>
+          <p:nvPr/>
+        </p:nvSpPr>
+        <p:spPr>
+          <a:xfrm>
+            <a:off x="1283780" y="3960850"/>
+            <a:ext cx="4769548" cy="901100"/>
+          </a:xfrm>
+          <a:prstGeom prst="rect">
+            <a:avLst/>
+          </a:prstGeom>
+          <a:ln>
+            <a:headEnd type="none" w="med" len="med"/>
+            <a:tailEnd type="none" w="med" len="med"/>
+          </a:ln>
+        </p:spPr>
+        <p:style>
+          <a:lnRef idx="2">
+            <a:schemeClr val="accent1">
+              <a:shade val="50000"/>
+            </a:schemeClr>
+          </a:lnRef>
+          <a:fillRef idx="1">
+            <a:schemeClr val="accent1"/>
+          </a:fillRef>
+          <a:effectRef idx="0">
+            <a:schemeClr val="accent1"/>
+          </a:effectRef>
+          <a:fontRef idx="minor">
+            <a:schemeClr val="lt1"/>
+          </a:fontRef>
+        </p:style>
+        <p:txBody>
+          <a:bodyPr rtlCol="0" anchor="ctr"/>
+          <a:lstStyle/>
+          <a:p>
+            <a:r>
+              <a:rPr lang="es-PA" dirty="0" err="1" smtClean="0">
+                <a:latin typeface="Britannic Bold" panose="020B0903060703020204" pitchFamily="34" charset="0"/>
+                <a:ea typeface="Adobe Fan Heiti Std B" panose="020B0700000000000000" pitchFamily="34" charset="-128"/>
+                <a:cs typeface="Arial" panose="020B0604020202020204" pitchFamily="34" charset="0"/>
+              </a:rPr>
+              <a:t>For</a:t>
+            </a:r>
+            <a:r>
+              <a:rPr lang="es-PA" dirty="0" smtClean="0">
+                <a:latin typeface="Britannic Bold" panose="020B0903060703020204" pitchFamily="34" charset="0"/>
+                <a:ea typeface="Adobe Fan Heiti Std B" panose="020B0700000000000000" pitchFamily="34" charset="-128"/>
+                <a:cs typeface="Arial" panose="020B0604020202020204" pitchFamily="34" charset="0"/>
+              </a:rPr>
+              <a:t> </a:t>
+            </a:r>
+            <a:r>
+              <a:rPr lang="es-PA" b="1" dirty="0" smtClean="0">
+                <a:solidFill>
+                  <a:schemeClr val="accent1">
+                    <a:lumMod val="20000"/>
+                    <a:lumOff val="80000"/>
+                  </a:schemeClr>
+                </a:solidFill>
+              </a:rPr>
+              <a:t>val </a:t>
+            </a:r>
+            <a:r>
+              <a:rPr lang="es-PA" dirty="0" smtClean="0">
+                <a:latin typeface="Britannic Bold" panose="020B0903060703020204" pitchFamily="34" charset="0"/>
+                <a:ea typeface="Adobe Fan Heiti Std B" panose="020B0700000000000000" pitchFamily="34" charset="-128"/>
+                <a:cs typeface="Arial" panose="020B0604020202020204" pitchFamily="34" charset="0"/>
+              </a:rPr>
+              <a:t>in </a:t>
+            </a:r>
+            <a:r>
+              <a:rPr lang="es-PA" b="1" dirty="0" err="1" smtClean="0">
+                <a:solidFill>
+                  <a:schemeClr val="accent1">
+                    <a:lumMod val="20000"/>
+                    <a:lumOff val="80000"/>
+                  </a:schemeClr>
+                </a:solidFill>
+              </a:rPr>
+              <a:t>np.nditer</a:t>
+            </a:r>
+            <a:r>
+              <a:rPr lang="es-PA" b="1" dirty="0" smtClean="0">
+                <a:solidFill>
+                  <a:schemeClr val="accent1">
+                    <a:lumMod val="20000"/>
+                    <a:lumOff val="80000"/>
+                  </a:schemeClr>
+                </a:solidFill>
+              </a:rPr>
+              <a:t>(</a:t>
+            </a:r>
+            <a:r>
+              <a:rPr lang="es-PA" b="1" dirty="0" err="1" smtClean="0">
+                <a:solidFill>
+                  <a:schemeClr val="accent1">
+                    <a:lumMod val="20000"/>
+                    <a:lumOff val="80000"/>
+                  </a:schemeClr>
+                </a:solidFill>
+              </a:rPr>
+              <a:t>arreglo_de_numpy</a:t>
+            </a:r>
+            <a:r>
+              <a:rPr lang="es-PA" b="1" dirty="0" smtClean="0">
+                <a:solidFill>
+                  <a:schemeClr val="accent1">
+                    <a:lumMod val="20000"/>
+                    <a:lumOff val="80000"/>
+                  </a:schemeClr>
+                </a:solidFill>
+              </a:rPr>
+              <a:t>):</a:t>
+            </a:r>
+            <a:r>
+              <a:rPr lang="es-PA" dirty="0" smtClean="0">
+                <a:latin typeface="Britannic Bold" panose="020B0903060703020204" pitchFamily="34" charset="0"/>
+                <a:ea typeface="Adobe Fan Heiti Std B" panose="020B0700000000000000" pitchFamily="34" charset="-128"/>
+                <a:cs typeface="Arial" panose="020B0604020202020204" pitchFamily="34" charset="0"/>
+              </a:rPr>
+              <a:t> </a:t>
+            </a:r>
+            <a:endParaRPr lang="es-PA" dirty="0" smtClean="0">
+              <a:latin typeface="Arial" panose="020B0604020202020204" pitchFamily="34" charset="0"/>
+              <a:ea typeface="Adobe Fan Heiti Std B" panose="020B0700000000000000" pitchFamily="34" charset="-128"/>
+              <a:cs typeface="Arial" panose="020B0604020202020204" pitchFamily="34" charset="0"/>
+            </a:endParaRPr>
+          </a:p>
+          <a:p>
+            <a:r>
+              <a:rPr lang="es-PA" b="1" dirty="0" smtClean="0">
+                <a:solidFill>
+                  <a:schemeClr val="accent1">
+                    <a:lumMod val="20000"/>
+                    <a:lumOff val="80000"/>
+                  </a:schemeClr>
+                </a:solidFill>
+              </a:rPr>
+              <a:t>      expresión</a:t>
+            </a:r>
+            <a:endParaRPr lang="es-PA" dirty="0">
+              <a:latin typeface="Arial" panose="020B0604020202020204" pitchFamily="34" charset="0"/>
+              <a:ea typeface="Adobe Fan Heiti Std B" panose="020B0700000000000000" pitchFamily="34" charset="-128"/>
+              <a:cs typeface="Arial" panose="020B0604020202020204" pitchFamily="34" charset="0"/>
+            </a:endParaRPr>
+          </a:p>
+        </p:txBody>
+      </p:sp>
+    </p:spTree>
+    <p:extLst>
+      <p:ext uri="{BB962C8B-B14F-4D97-AF65-F5344CB8AC3E}">
+        <p14:creationId xmlns:p14="http://schemas.microsoft.com/office/powerpoint/2010/main" val="4146390864"/>
+      </p:ext>
+    </p:extLst>
+  </p:cSld>
+  <p:clrMapOvr>
+    <a:masterClrMapping/>
+  </p:clrMapOvr>
+</p:sld>
+</file>
+
+<file path=ppt/slides/slide87.xml><?xml version="1.0" encoding="utf-8"?>
+<p:sld xmlns:a="http://schemas.openxmlformats.org/drawingml/2006/main" xmlns:r="http://schemas.openxmlformats.org/officeDocument/2006/relationships" xmlns:p="http://schemas.openxmlformats.org/presentationml/2006/main">
+  <p:cSld>
+    <p:spTree>
+      <p:nvGrpSpPr>
+        <p:cNvPr id="1" name=""/>
+        <p:cNvGrpSpPr/>
+        <p:nvPr/>
+      </p:nvGrpSpPr>
+      <p:grpSpPr>
+        <a:xfrm>
+          <a:off x="0" y="0"/>
+          <a:ext cx="0" cy="0"/>
+          <a:chOff x="0" y="0"/>
+          <a:chExt cx="0" cy="0"/>
+        </a:xfrm>
+      </p:grpSpPr>
+      <p:sp>
+        <p:nvSpPr>
+          <p:cNvPr id="2" name="Title 1"/>
+          <p:cNvSpPr>
+            <a:spLocks noGrp="1"/>
+          </p:cNvSpPr>
+          <p:nvPr>
+            <p:ph type="title"/>
+          </p:nvPr>
+        </p:nvSpPr>
+        <p:spPr>
+          <a:xfrm>
+            <a:off x="646111" y="452718"/>
+            <a:ext cx="10472993" cy="1400530"/>
+          </a:xfrm>
+        </p:spPr>
+        <p:txBody>
+          <a:bodyPr/>
+          <a:lstStyle/>
+          <a:p>
+            <a:r>
+              <a:rPr lang="en-US" dirty="0" err="1" smtClean="0"/>
+              <a:t>Continuando</a:t>
+            </a:r>
+            <a:r>
+              <a:rPr lang="en-US" dirty="0" smtClean="0"/>
+              <a:t> con </a:t>
+            </a:r>
+            <a:r>
+              <a:rPr lang="en-US" dirty="0" err="1" smtClean="0"/>
+              <a:t>ciclos</a:t>
+            </a:r>
+            <a:r>
+              <a:rPr lang="en-US" dirty="0" smtClean="0"/>
+              <a:t> de </a:t>
+            </a:r>
+            <a:r>
+              <a:rPr lang="en-US" dirty="0" err="1" smtClean="0"/>
+              <a:t>estructura</a:t>
+            </a:r>
+            <a:r>
+              <a:rPr lang="en-US" dirty="0" smtClean="0"/>
+              <a:t> de </a:t>
+            </a:r>
+            <a:r>
+              <a:rPr lang="en-US" dirty="0" err="1" smtClean="0"/>
+              <a:t>datos</a:t>
+            </a:r>
+            <a:r>
+              <a:rPr lang="en-US" dirty="0" smtClean="0"/>
+              <a:t> – Parte 2</a:t>
+            </a:r>
+            <a:endParaRPr lang="en-US" dirty="0"/>
+          </a:p>
+        </p:txBody>
+      </p:sp>
+      <p:sp>
+        <p:nvSpPr>
+          <p:cNvPr id="3" name="Content Placeholder 2"/>
+          <p:cNvSpPr>
+            <a:spLocks noGrp="1"/>
+          </p:cNvSpPr>
+          <p:nvPr>
+            <p:ph idx="1"/>
+          </p:nvPr>
+        </p:nvSpPr>
+        <p:spPr>
+          <a:xfrm>
+            <a:off x="939096" y="1853248"/>
+            <a:ext cx="10526649" cy="4378804"/>
+          </a:xfrm>
+        </p:spPr>
+        <p:txBody>
+          <a:bodyPr>
+            <a:normAutofit/>
+          </a:bodyPr>
+          <a:lstStyle/>
+          <a:p>
+            <a:r>
+              <a:rPr lang="es-PA" dirty="0" smtClean="0"/>
+              <a:t>digamos que tenemos el siguiente </a:t>
+            </a:r>
+            <a:r>
+              <a:rPr lang="es-PA" dirty="0" err="1" smtClean="0"/>
+              <a:t>dataset</a:t>
+            </a:r>
+            <a:r>
+              <a:rPr lang="es-PA" dirty="0" smtClean="0"/>
+              <a:t>:</a:t>
+            </a:r>
+          </a:p>
+          <a:p>
+            <a:endParaRPr lang="es-PA" dirty="0"/>
+          </a:p>
+          <a:p>
+            <a:endParaRPr lang="es-PA" dirty="0" smtClean="0"/>
+          </a:p>
+          <a:p>
+            <a:endParaRPr lang="es-PA" dirty="0"/>
+          </a:p>
+          <a:p>
+            <a:endParaRPr lang="es-PA" dirty="0" smtClean="0"/>
+          </a:p>
+          <a:p>
+            <a:endParaRPr lang="es-PA" dirty="0"/>
+          </a:p>
+          <a:p>
+            <a:endParaRPr lang="es-PA" dirty="0" smtClean="0"/>
+          </a:p>
+          <a:p>
+            <a:endParaRPr lang="es-PA" dirty="0"/>
+          </a:p>
+        </p:txBody>
+      </p:sp>
+      <p:pic>
+        <p:nvPicPr>
+          <p:cNvPr id="4" name="Picture 3"/>
+          <p:cNvPicPr>
+            <a:picLocks noChangeAspect="1"/>
+          </p:cNvPicPr>
+          <p:nvPr/>
+        </p:nvPicPr>
+        <p:blipFill>
+          <a:blip r:embed="rId2"/>
+          <a:stretch>
+            <a:fillRect/>
+          </a:stretch>
+        </p:blipFill>
+        <p:spPr>
+          <a:xfrm>
+            <a:off x="1533906" y="2432925"/>
+            <a:ext cx="5113782" cy="2787836"/>
+          </a:xfrm>
+          <a:prstGeom prst="rect">
+            <a:avLst/>
+          </a:prstGeom>
+        </p:spPr>
+      </p:pic>
+    </p:spTree>
+    <p:extLst>
+      <p:ext uri="{BB962C8B-B14F-4D97-AF65-F5344CB8AC3E}">
+        <p14:creationId xmlns:p14="http://schemas.microsoft.com/office/powerpoint/2010/main" val="3974302054"/>
+      </p:ext>
+    </p:extLst>
+  </p:cSld>
+  <p:clrMapOvr>
+    <a:masterClrMapping/>
+  </p:clrMapOvr>
+</p:sld>
+</file>
+
+<file path=ppt/slides/slide88.xml><?xml version="1.0" encoding="utf-8"?>
+<p:sld xmlns:a="http://schemas.openxmlformats.org/drawingml/2006/main" xmlns:r="http://schemas.openxmlformats.org/officeDocument/2006/relationships" xmlns:p="http://schemas.openxmlformats.org/presentationml/2006/main">
+  <p:cSld>
+    <p:spTree>
+      <p:nvGrpSpPr>
+        <p:cNvPr id="1" name=""/>
+        <p:cNvGrpSpPr/>
+        <p:nvPr/>
+      </p:nvGrpSpPr>
+      <p:grpSpPr>
+        <a:xfrm>
+          <a:off x="0" y="0"/>
+          <a:ext cx="0" cy="0"/>
+          <a:chOff x="0" y="0"/>
+          <a:chExt cx="0" cy="0"/>
+        </a:xfrm>
+      </p:grpSpPr>
+      <p:sp>
+        <p:nvSpPr>
+          <p:cNvPr id="2" name="Title 1"/>
+          <p:cNvSpPr>
+            <a:spLocks noGrp="1"/>
+          </p:cNvSpPr>
+          <p:nvPr>
+            <p:ph type="title"/>
+          </p:nvPr>
+        </p:nvSpPr>
+        <p:spPr>
+          <a:xfrm>
+            <a:off x="646111" y="452718"/>
+            <a:ext cx="10472993" cy="1400530"/>
+          </a:xfrm>
+        </p:spPr>
+        <p:txBody>
+          <a:bodyPr/>
+          <a:lstStyle/>
+          <a:p>
+            <a:r>
+              <a:rPr lang="en-US" dirty="0" err="1" smtClean="0"/>
+              <a:t>Continuando</a:t>
+            </a:r>
+            <a:r>
+              <a:rPr lang="en-US" dirty="0" smtClean="0"/>
+              <a:t> con </a:t>
+            </a:r>
+            <a:r>
+              <a:rPr lang="en-US" dirty="0" err="1" smtClean="0"/>
+              <a:t>ciclos</a:t>
+            </a:r>
+            <a:r>
+              <a:rPr lang="en-US" dirty="0" smtClean="0"/>
+              <a:t> de </a:t>
+            </a:r>
+            <a:r>
+              <a:rPr lang="en-US" dirty="0" err="1" smtClean="0"/>
+              <a:t>estructura</a:t>
+            </a:r>
+            <a:r>
+              <a:rPr lang="en-US" dirty="0" smtClean="0"/>
+              <a:t> de </a:t>
+            </a:r>
+            <a:r>
+              <a:rPr lang="en-US" dirty="0" err="1" smtClean="0"/>
+              <a:t>datos</a:t>
+            </a:r>
+            <a:r>
+              <a:rPr lang="en-US" dirty="0" smtClean="0"/>
+              <a:t> – Parte 2</a:t>
+            </a:r>
+            <a:endParaRPr lang="en-US" dirty="0"/>
+          </a:p>
+        </p:txBody>
+      </p:sp>
+      <p:sp>
+        <p:nvSpPr>
+          <p:cNvPr id="3" name="Content Placeholder 2"/>
+          <p:cNvSpPr>
+            <a:spLocks noGrp="1"/>
+          </p:cNvSpPr>
+          <p:nvPr>
+            <p:ph idx="1"/>
+          </p:nvPr>
+        </p:nvSpPr>
+        <p:spPr>
+          <a:xfrm>
+            <a:off x="939096" y="1853248"/>
+            <a:ext cx="10526649" cy="4378804"/>
+          </a:xfrm>
+        </p:spPr>
+        <p:txBody>
+          <a:bodyPr>
+            <a:normAutofit/>
+          </a:bodyPr>
+          <a:lstStyle/>
+          <a:p>
+            <a:r>
+              <a:rPr lang="es-PA" dirty="0" smtClean="0"/>
+              <a:t>Ahora intentamos acceder a las variables</a:t>
+            </a:r>
+          </a:p>
+          <a:p>
+            <a:endParaRPr lang="es-PA" dirty="0"/>
+          </a:p>
+          <a:p>
+            <a:endParaRPr lang="es-PA" dirty="0" smtClean="0"/>
+          </a:p>
+          <a:p>
+            <a:endParaRPr lang="es-PA" dirty="0"/>
+          </a:p>
+          <a:p>
+            <a:endParaRPr lang="es-PA" dirty="0" smtClean="0"/>
+          </a:p>
+          <a:p>
+            <a:endParaRPr lang="es-PA" dirty="0"/>
+          </a:p>
+          <a:p>
+            <a:endParaRPr lang="es-PA" dirty="0" smtClean="0"/>
+          </a:p>
+          <a:p>
+            <a:endParaRPr lang="es-PA" dirty="0"/>
+          </a:p>
+        </p:txBody>
+      </p:sp>
+      <p:pic>
+        <p:nvPicPr>
+          <p:cNvPr id="5" name="Picture 4"/>
+          <p:cNvPicPr>
+            <a:picLocks noChangeAspect="1"/>
+          </p:cNvPicPr>
+          <p:nvPr/>
+        </p:nvPicPr>
+        <p:blipFill>
+          <a:blip r:embed="rId2"/>
+          <a:stretch>
+            <a:fillRect/>
+          </a:stretch>
+        </p:blipFill>
+        <p:spPr>
+          <a:xfrm>
+            <a:off x="1125855" y="2896362"/>
+            <a:ext cx="5734050" cy="1943100"/>
+          </a:xfrm>
+          <a:prstGeom prst="rect">
+            <a:avLst/>
+          </a:prstGeom>
+        </p:spPr>
+      </p:pic>
+    </p:spTree>
+    <p:extLst>
+      <p:ext uri="{BB962C8B-B14F-4D97-AF65-F5344CB8AC3E}">
+        <p14:creationId xmlns:p14="http://schemas.microsoft.com/office/powerpoint/2010/main" val="2123257082"/>
+      </p:ext>
+    </p:extLst>
+  </p:cSld>
+  <p:clrMapOvr>
+    <a:masterClrMapping/>
+  </p:clrMapOvr>
+</p:sld>
+</file>
+
+<file path=ppt/slides/slide89.xml><?xml version="1.0" encoding="utf-8"?>
+<p:sld xmlns:a="http://schemas.openxmlformats.org/drawingml/2006/main" xmlns:r="http://schemas.openxmlformats.org/officeDocument/2006/relationships" xmlns:p="http://schemas.openxmlformats.org/presentationml/2006/main">
+  <p:cSld>
+    <p:spTree>
+      <p:nvGrpSpPr>
+        <p:cNvPr id="1" name=""/>
+        <p:cNvGrpSpPr/>
+        <p:nvPr/>
+      </p:nvGrpSpPr>
+      <p:grpSpPr>
+        <a:xfrm>
+          <a:off x="0" y="0"/>
+          <a:ext cx="0" cy="0"/>
+          <a:chOff x="0" y="0"/>
+          <a:chExt cx="0" cy="0"/>
+        </a:xfrm>
+      </p:grpSpPr>
+      <p:sp>
+        <p:nvSpPr>
+          <p:cNvPr id="2" name="Title 1"/>
+          <p:cNvSpPr>
+            <a:spLocks noGrp="1"/>
+          </p:cNvSpPr>
+          <p:nvPr>
+            <p:ph type="title"/>
+          </p:nvPr>
+        </p:nvSpPr>
+        <p:spPr>
+          <a:xfrm>
+            <a:off x="646111" y="452718"/>
+            <a:ext cx="10472993" cy="1400530"/>
+          </a:xfrm>
+        </p:spPr>
+        <p:txBody>
+          <a:bodyPr/>
+          <a:lstStyle/>
+          <a:p>
+            <a:r>
+              <a:rPr lang="en-US" dirty="0" err="1" smtClean="0"/>
+              <a:t>Continuando</a:t>
+            </a:r>
+            <a:r>
+              <a:rPr lang="en-US" dirty="0" smtClean="0"/>
+              <a:t> con </a:t>
+            </a:r>
+            <a:r>
+              <a:rPr lang="en-US" dirty="0" err="1" smtClean="0"/>
+              <a:t>ciclos</a:t>
+            </a:r>
+            <a:r>
+              <a:rPr lang="en-US" dirty="0" smtClean="0"/>
+              <a:t> de </a:t>
+            </a:r>
+            <a:r>
+              <a:rPr lang="en-US" dirty="0" err="1" smtClean="0"/>
+              <a:t>estructura</a:t>
+            </a:r>
+            <a:r>
+              <a:rPr lang="en-US" dirty="0" smtClean="0"/>
+              <a:t> de </a:t>
+            </a:r>
+            <a:r>
+              <a:rPr lang="en-US" dirty="0" err="1" smtClean="0"/>
+              <a:t>datos</a:t>
+            </a:r>
+            <a:r>
+              <a:rPr lang="en-US" dirty="0" smtClean="0"/>
+              <a:t> – Parte 2</a:t>
+            </a:r>
+            <a:endParaRPr lang="en-US" dirty="0"/>
+          </a:p>
+        </p:txBody>
+      </p:sp>
+      <p:sp>
+        <p:nvSpPr>
+          <p:cNvPr id="3" name="Content Placeholder 2"/>
+          <p:cNvSpPr>
+            <a:spLocks noGrp="1"/>
+          </p:cNvSpPr>
+          <p:nvPr>
+            <p:ph idx="1"/>
+          </p:nvPr>
+        </p:nvSpPr>
+        <p:spPr>
+          <a:xfrm>
+            <a:off x="939096" y="1853248"/>
+            <a:ext cx="10526649" cy="4378804"/>
+          </a:xfrm>
+        </p:spPr>
+        <p:txBody>
+          <a:bodyPr>
+            <a:normAutofit/>
+          </a:bodyPr>
+          <a:lstStyle/>
+          <a:p>
+            <a:r>
+              <a:rPr lang="es-PA" dirty="0" smtClean="0"/>
+              <a:t>Lo anterior no funciona, entonces la manera correcta por filas sería</a:t>
+            </a:r>
+          </a:p>
+          <a:p>
+            <a:endParaRPr lang="es-PA" dirty="0"/>
+          </a:p>
+          <a:p>
+            <a:endParaRPr lang="es-PA" dirty="0" smtClean="0"/>
+          </a:p>
+          <a:p>
+            <a:endParaRPr lang="es-PA" dirty="0"/>
+          </a:p>
+          <a:p>
+            <a:endParaRPr lang="es-PA" dirty="0" smtClean="0"/>
+          </a:p>
+          <a:p>
+            <a:endParaRPr lang="es-PA" dirty="0"/>
+          </a:p>
+          <a:p>
+            <a:endParaRPr lang="es-PA" dirty="0" smtClean="0"/>
+          </a:p>
+          <a:p>
+            <a:endParaRPr lang="es-PA" dirty="0"/>
+          </a:p>
+        </p:txBody>
+      </p:sp>
+      <p:pic>
+        <p:nvPicPr>
+          <p:cNvPr id="4" name="Picture 3"/>
+          <p:cNvPicPr>
+            <a:picLocks noChangeAspect="1"/>
+          </p:cNvPicPr>
+          <p:nvPr/>
+        </p:nvPicPr>
+        <p:blipFill>
+          <a:blip r:embed="rId2"/>
+          <a:stretch>
+            <a:fillRect/>
+          </a:stretch>
+        </p:blipFill>
+        <p:spPr>
+          <a:xfrm>
+            <a:off x="7226808" y="2301278"/>
+            <a:ext cx="4724400" cy="1905000"/>
+          </a:xfrm>
+          <a:prstGeom prst="rect">
+            <a:avLst/>
+          </a:prstGeom>
+        </p:spPr>
+      </p:pic>
+      <p:pic>
+        <p:nvPicPr>
+          <p:cNvPr id="6" name="Picture 5"/>
+          <p:cNvPicPr>
+            <a:picLocks noChangeAspect="1"/>
+          </p:cNvPicPr>
+          <p:nvPr/>
+        </p:nvPicPr>
+        <p:blipFill>
+          <a:blip r:embed="rId3"/>
+          <a:stretch>
+            <a:fillRect/>
+          </a:stretch>
+        </p:blipFill>
+        <p:spPr>
+          <a:xfrm>
+            <a:off x="646111" y="2301278"/>
+            <a:ext cx="5886450" cy="3228975"/>
+          </a:xfrm>
+          <a:prstGeom prst="rect">
+            <a:avLst/>
+          </a:prstGeom>
+        </p:spPr>
+      </p:pic>
+    </p:spTree>
+    <p:extLst>
+      <p:ext uri="{BB962C8B-B14F-4D97-AF65-F5344CB8AC3E}">
+        <p14:creationId xmlns:p14="http://schemas.microsoft.com/office/powerpoint/2010/main" val="3651931374"/>
       </p:ext>
     </p:extLst>
   </p:cSld>
@@ -21162,6 +25481,1762 @@
     <p:extLst>
       <p:ext uri="{BB962C8B-B14F-4D97-AF65-F5344CB8AC3E}">
         <p14:creationId xmlns:p14="http://schemas.microsoft.com/office/powerpoint/2010/main" val="1667615117"/>
+      </p:ext>
+    </p:extLst>
+  </p:cSld>
+  <p:clrMapOvr>
+    <a:masterClrMapping/>
+  </p:clrMapOvr>
+</p:sld>
+</file>
+
+<file path=ppt/slides/slide90.xml><?xml version="1.0" encoding="utf-8"?>
+<p:sld xmlns:a="http://schemas.openxmlformats.org/drawingml/2006/main" xmlns:r="http://schemas.openxmlformats.org/officeDocument/2006/relationships" xmlns:p="http://schemas.openxmlformats.org/presentationml/2006/main">
+  <p:cSld>
+    <p:spTree>
+      <p:nvGrpSpPr>
+        <p:cNvPr id="1" name=""/>
+        <p:cNvGrpSpPr/>
+        <p:nvPr/>
+      </p:nvGrpSpPr>
+      <p:grpSpPr>
+        <a:xfrm>
+          <a:off x="0" y="0"/>
+          <a:ext cx="0" cy="0"/>
+          <a:chOff x="0" y="0"/>
+          <a:chExt cx="0" cy="0"/>
+        </a:xfrm>
+      </p:grpSpPr>
+      <p:sp>
+        <p:nvSpPr>
+          <p:cNvPr id="2" name="Title 1"/>
+          <p:cNvSpPr>
+            <a:spLocks noGrp="1"/>
+          </p:cNvSpPr>
+          <p:nvPr>
+            <p:ph type="title"/>
+          </p:nvPr>
+        </p:nvSpPr>
+        <p:spPr>
+          <a:xfrm>
+            <a:off x="646111" y="452718"/>
+            <a:ext cx="10472993" cy="1400530"/>
+          </a:xfrm>
+        </p:spPr>
+        <p:txBody>
+          <a:bodyPr/>
+          <a:lstStyle/>
+          <a:p>
+            <a:r>
+              <a:rPr lang="en-US" dirty="0" err="1" smtClean="0"/>
+              <a:t>Continuando</a:t>
+            </a:r>
+            <a:r>
+              <a:rPr lang="en-US" dirty="0" smtClean="0"/>
+              <a:t> con </a:t>
+            </a:r>
+            <a:r>
+              <a:rPr lang="en-US" dirty="0" err="1" smtClean="0"/>
+              <a:t>ciclos</a:t>
+            </a:r>
+            <a:r>
+              <a:rPr lang="en-US" dirty="0" smtClean="0"/>
+              <a:t> de </a:t>
+            </a:r>
+            <a:r>
+              <a:rPr lang="en-US" dirty="0" err="1" smtClean="0"/>
+              <a:t>estructura</a:t>
+            </a:r>
+            <a:r>
+              <a:rPr lang="en-US" dirty="0" smtClean="0"/>
+              <a:t> de </a:t>
+            </a:r>
+            <a:r>
+              <a:rPr lang="en-US" dirty="0" err="1" smtClean="0"/>
+              <a:t>datos</a:t>
+            </a:r>
+            <a:r>
+              <a:rPr lang="en-US" dirty="0" smtClean="0"/>
+              <a:t> – Parte 2</a:t>
+            </a:r>
+            <a:endParaRPr lang="en-US" dirty="0"/>
+          </a:p>
+        </p:txBody>
+      </p:sp>
+      <p:sp>
+        <p:nvSpPr>
+          <p:cNvPr id="3" name="Content Placeholder 2"/>
+          <p:cNvSpPr>
+            <a:spLocks noGrp="1"/>
+          </p:cNvSpPr>
+          <p:nvPr>
+            <p:ph idx="1"/>
+          </p:nvPr>
+        </p:nvSpPr>
+        <p:spPr>
+          <a:xfrm>
+            <a:off x="939096" y="1853248"/>
+            <a:ext cx="10526649" cy="4378804"/>
+          </a:xfrm>
+        </p:spPr>
+        <p:txBody>
+          <a:bodyPr>
+            <a:normAutofit/>
+          </a:bodyPr>
+          <a:lstStyle/>
+          <a:p>
+            <a:r>
+              <a:rPr lang="es-PA" dirty="0" smtClean="0"/>
+              <a:t>Si queremos añadir un cálculo adicional en el ciclo </a:t>
+            </a:r>
+            <a:r>
+              <a:rPr lang="es-PA" dirty="0" err="1" smtClean="0"/>
+              <a:t>for</a:t>
+            </a:r>
+            <a:endParaRPr lang="es-PA" dirty="0" smtClean="0"/>
+          </a:p>
+          <a:p>
+            <a:endParaRPr lang="es-PA" dirty="0"/>
+          </a:p>
+          <a:p>
+            <a:endParaRPr lang="es-PA" dirty="0" smtClean="0"/>
+          </a:p>
+          <a:p>
+            <a:endParaRPr lang="es-PA" dirty="0"/>
+          </a:p>
+          <a:p>
+            <a:endParaRPr lang="es-PA" dirty="0" smtClean="0"/>
+          </a:p>
+          <a:p>
+            <a:endParaRPr lang="es-PA" dirty="0"/>
+          </a:p>
+          <a:p>
+            <a:endParaRPr lang="es-PA" dirty="0" smtClean="0"/>
+          </a:p>
+          <a:p>
+            <a:endParaRPr lang="es-PA" dirty="0"/>
+          </a:p>
+        </p:txBody>
+      </p:sp>
+      <p:pic>
+        <p:nvPicPr>
+          <p:cNvPr id="4" name="Picture 3"/>
+          <p:cNvPicPr>
+            <a:picLocks noChangeAspect="1"/>
+          </p:cNvPicPr>
+          <p:nvPr/>
+        </p:nvPicPr>
+        <p:blipFill>
+          <a:blip r:embed="rId2"/>
+          <a:stretch>
+            <a:fillRect/>
+          </a:stretch>
+        </p:blipFill>
+        <p:spPr>
+          <a:xfrm>
+            <a:off x="7226808" y="2301278"/>
+            <a:ext cx="4724400" cy="1905000"/>
+          </a:xfrm>
+          <a:prstGeom prst="rect">
+            <a:avLst/>
+          </a:prstGeom>
+        </p:spPr>
+      </p:pic>
+      <p:pic>
+        <p:nvPicPr>
+          <p:cNvPr id="7" name="Picture 6"/>
+          <p:cNvPicPr>
+            <a:picLocks noChangeAspect="1"/>
+          </p:cNvPicPr>
+          <p:nvPr/>
+        </p:nvPicPr>
+        <p:blipFill>
+          <a:blip r:embed="rId3"/>
+          <a:stretch>
+            <a:fillRect/>
+          </a:stretch>
+        </p:blipFill>
+        <p:spPr>
+          <a:xfrm>
+            <a:off x="809434" y="2417254"/>
+            <a:ext cx="5781675" cy="4181475"/>
+          </a:xfrm>
+          <a:prstGeom prst="rect">
+            <a:avLst/>
+          </a:prstGeom>
+        </p:spPr>
+      </p:pic>
+    </p:spTree>
+    <p:extLst>
+      <p:ext uri="{BB962C8B-B14F-4D97-AF65-F5344CB8AC3E}">
+        <p14:creationId xmlns:p14="http://schemas.microsoft.com/office/powerpoint/2010/main" val="4248039473"/>
+      </p:ext>
+    </p:extLst>
+  </p:cSld>
+  <p:clrMapOvr>
+    <a:masterClrMapping/>
+  </p:clrMapOvr>
+</p:sld>
+</file>
+
+<file path=ppt/slides/slide91.xml><?xml version="1.0" encoding="utf-8"?>
+<p:sld xmlns:a="http://schemas.openxmlformats.org/drawingml/2006/main" xmlns:r="http://schemas.openxmlformats.org/officeDocument/2006/relationships" xmlns:p="http://schemas.openxmlformats.org/presentationml/2006/main">
+  <p:cSld>
+    <p:spTree>
+      <p:nvGrpSpPr>
+        <p:cNvPr id="1" name=""/>
+        <p:cNvGrpSpPr/>
+        <p:nvPr/>
+      </p:nvGrpSpPr>
+      <p:grpSpPr>
+        <a:xfrm>
+          <a:off x="0" y="0"/>
+          <a:ext cx="0" cy="0"/>
+          <a:chOff x="0" y="0"/>
+          <a:chExt cx="0" cy="0"/>
+        </a:xfrm>
+      </p:grpSpPr>
+      <p:sp>
+        <p:nvSpPr>
+          <p:cNvPr id="2" name="Title 1"/>
+          <p:cNvSpPr>
+            <a:spLocks noGrp="1"/>
+          </p:cNvSpPr>
+          <p:nvPr>
+            <p:ph type="title"/>
+          </p:nvPr>
+        </p:nvSpPr>
+        <p:spPr>
+          <a:xfrm>
+            <a:off x="646111" y="452718"/>
+            <a:ext cx="10472993" cy="1400530"/>
+          </a:xfrm>
+        </p:spPr>
+        <p:txBody>
+          <a:bodyPr/>
+          <a:lstStyle/>
+          <a:p>
+            <a:r>
+              <a:rPr lang="en-US" dirty="0" err="1" smtClean="0"/>
+              <a:t>Continuando</a:t>
+            </a:r>
+            <a:r>
+              <a:rPr lang="en-US" dirty="0" smtClean="0"/>
+              <a:t> con </a:t>
+            </a:r>
+            <a:r>
+              <a:rPr lang="en-US" dirty="0" err="1" smtClean="0"/>
+              <a:t>ciclos</a:t>
+            </a:r>
+            <a:r>
+              <a:rPr lang="en-US" dirty="0" smtClean="0"/>
+              <a:t> de </a:t>
+            </a:r>
+            <a:r>
+              <a:rPr lang="en-US" dirty="0" err="1" smtClean="0"/>
+              <a:t>estructura</a:t>
+            </a:r>
+            <a:r>
+              <a:rPr lang="en-US" dirty="0" smtClean="0"/>
+              <a:t> de </a:t>
+            </a:r>
+            <a:r>
+              <a:rPr lang="en-US" dirty="0" err="1" smtClean="0"/>
+              <a:t>datos</a:t>
+            </a:r>
+            <a:r>
+              <a:rPr lang="en-US" dirty="0" smtClean="0"/>
+              <a:t> – Parte 2</a:t>
+            </a:r>
+            <a:endParaRPr lang="en-US" dirty="0"/>
+          </a:p>
+        </p:txBody>
+      </p:sp>
+      <p:sp>
+        <p:nvSpPr>
+          <p:cNvPr id="3" name="Content Placeholder 2"/>
+          <p:cNvSpPr>
+            <a:spLocks noGrp="1"/>
+          </p:cNvSpPr>
+          <p:nvPr>
+            <p:ph idx="1"/>
+          </p:nvPr>
+        </p:nvSpPr>
+        <p:spPr>
+          <a:xfrm>
+            <a:off x="939096" y="1853248"/>
+            <a:ext cx="10526649" cy="4378804"/>
+          </a:xfrm>
+        </p:spPr>
+        <p:txBody>
+          <a:bodyPr>
+            <a:normAutofit/>
+          </a:bodyPr>
+          <a:lstStyle/>
+          <a:p>
+            <a:r>
+              <a:rPr lang="es-PA" dirty="0" smtClean="0"/>
+              <a:t>Lo anterior no es muy eficiente en código, es mejor hacerlo de esta manera…</a:t>
+            </a:r>
+          </a:p>
+          <a:p>
+            <a:endParaRPr lang="es-PA" dirty="0"/>
+          </a:p>
+          <a:p>
+            <a:endParaRPr lang="es-PA" dirty="0" smtClean="0"/>
+          </a:p>
+          <a:p>
+            <a:endParaRPr lang="es-PA" dirty="0"/>
+          </a:p>
+          <a:p>
+            <a:endParaRPr lang="es-PA" dirty="0" smtClean="0"/>
+          </a:p>
+          <a:p>
+            <a:endParaRPr lang="es-PA" dirty="0"/>
+          </a:p>
+          <a:p>
+            <a:endParaRPr lang="es-PA" dirty="0" smtClean="0"/>
+          </a:p>
+          <a:p>
+            <a:endParaRPr lang="es-PA" dirty="0"/>
+          </a:p>
+        </p:txBody>
+      </p:sp>
+      <p:pic>
+        <p:nvPicPr>
+          <p:cNvPr id="4" name="Picture 3"/>
+          <p:cNvPicPr>
+            <a:picLocks noChangeAspect="1"/>
+          </p:cNvPicPr>
+          <p:nvPr/>
+        </p:nvPicPr>
+        <p:blipFill>
+          <a:blip r:embed="rId2"/>
+          <a:stretch>
+            <a:fillRect/>
+          </a:stretch>
+        </p:blipFill>
+        <p:spPr>
+          <a:xfrm>
+            <a:off x="7226808" y="2301278"/>
+            <a:ext cx="4724400" cy="1905000"/>
+          </a:xfrm>
+          <a:prstGeom prst="rect">
+            <a:avLst/>
+          </a:prstGeom>
+        </p:spPr>
+      </p:pic>
+      <p:pic>
+        <p:nvPicPr>
+          <p:cNvPr id="5" name="Picture 4"/>
+          <p:cNvPicPr>
+            <a:picLocks noChangeAspect="1"/>
+          </p:cNvPicPr>
+          <p:nvPr/>
+        </p:nvPicPr>
+        <p:blipFill>
+          <a:blip r:embed="rId3"/>
+          <a:stretch>
+            <a:fillRect/>
+          </a:stretch>
+        </p:blipFill>
+        <p:spPr>
+          <a:xfrm>
+            <a:off x="1018222" y="2453259"/>
+            <a:ext cx="5857875" cy="3981450"/>
+          </a:xfrm>
+          <a:prstGeom prst="rect">
+            <a:avLst/>
+          </a:prstGeom>
+        </p:spPr>
+      </p:pic>
+    </p:spTree>
+    <p:extLst>
+      <p:ext uri="{BB962C8B-B14F-4D97-AF65-F5344CB8AC3E}">
+        <p14:creationId xmlns:p14="http://schemas.microsoft.com/office/powerpoint/2010/main" val="3923554850"/>
+      </p:ext>
+    </p:extLst>
+  </p:cSld>
+  <p:clrMapOvr>
+    <a:masterClrMapping/>
+  </p:clrMapOvr>
+</p:sld>
+</file>
+
+<file path=ppt/slides/slide92.xml><?xml version="1.0" encoding="utf-8"?>
+<p:sld xmlns:a="http://schemas.openxmlformats.org/drawingml/2006/main" xmlns:r="http://schemas.openxmlformats.org/officeDocument/2006/relationships" xmlns:p="http://schemas.openxmlformats.org/presentationml/2006/main">
+  <p:cSld>
+    <p:spTree>
+      <p:nvGrpSpPr>
+        <p:cNvPr id="1" name=""/>
+        <p:cNvGrpSpPr/>
+        <p:nvPr/>
+      </p:nvGrpSpPr>
+      <p:grpSpPr>
+        <a:xfrm>
+          <a:off x="0" y="0"/>
+          <a:ext cx="0" cy="0"/>
+          <a:chOff x="0" y="0"/>
+          <a:chExt cx="0" cy="0"/>
+        </a:xfrm>
+      </p:grpSpPr>
+      <p:sp>
+        <p:nvSpPr>
+          <p:cNvPr id="2" name="Title 1"/>
+          <p:cNvSpPr>
+            <a:spLocks noGrp="1"/>
+          </p:cNvSpPr>
+          <p:nvPr>
+            <p:ph type="title"/>
+          </p:nvPr>
+        </p:nvSpPr>
+        <p:spPr>
+          <a:xfrm>
+            <a:off x="646111" y="452718"/>
+            <a:ext cx="10472993" cy="1400530"/>
+          </a:xfrm>
+        </p:spPr>
+        <p:txBody>
+          <a:bodyPr/>
+          <a:lstStyle/>
+          <a:p>
+            <a:r>
+              <a:rPr lang="en-US" dirty="0" err="1" smtClean="0"/>
+              <a:t>Números</a:t>
+            </a:r>
+            <a:r>
+              <a:rPr lang="en-US" dirty="0" smtClean="0"/>
+              <a:t> </a:t>
+            </a:r>
+            <a:r>
+              <a:rPr lang="en-US" dirty="0" err="1" smtClean="0"/>
+              <a:t>Aleatorios</a:t>
+            </a:r>
+            <a:endParaRPr lang="en-US" dirty="0"/>
+          </a:p>
+        </p:txBody>
+      </p:sp>
+      <p:sp>
+        <p:nvSpPr>
+          <p:cNvPr id="3" name="Content Placeholder 2"/>
+          <p:cNvSpPr>
+            <a:spLocks noGrp="1"/>
+          </p:cNvSpPr>
+          <p:nvPr>
+            <p:ph idx="1"/>
+          </p:nvPr>
+        </p:nvSpPr>
+        <p:spPr>
+          <a:xfrm>
+            <a:off x="939096" y="1853248"/>
+            <a:ext cx="10526649" cy="4378804"/>
+          </a:xfrm>
+        </p:spPr>
+        <p:txBody>
+          <a:bodyPr>
+            <a:normAutofit/>
+          </a:bodyPr>
+          <a:lstStyle/>
+          <a:p>
+            <a:r>
+              <a:rPr lang="es-PA" dirty="0" smtClean="0"/>
+              <a:t>Digamos que deseo generar números</a:t>
+            </a:r>
+          </a:p>
+          <a:p>
+            <a:r>
+              <a:rPr lang="es-PA" dirty="0" smtClean="0"/>
+              <a:t>No puede ir debajo de 0</a:t>
+            </a:r>
+          </a:p>
+          <a:p>
+            <a:r>
+              <a:rPr lang="es-PA" dirty="0" smtClean="0"/>
+              <a:t>Los pasos son de 60</a:t>
+            </a:r>
+          </a:p>
+          <a:p>
+            <a:r>
+              <a:rPr lang="es-PA" dirty="0" smtClean="0"/>
+              <a:t>Hay 0.1% de probabilidad ‘x’</a:t>
+            </a:r>
+            <a:endParaRPr lang="es-PA" dirty="0" smtClean="0"/>
+          </a:p>
+          <a:p>
+            <a:endParaRPr lang="es-PA" dirty="0" smtClean="0"/>
+          </a:p>
+          <a:p>
+            <a:r>
+              <a:rPr lang="es-PA" dirty="0" smtClean="0"/>
+              <a:t>¿Cómo se resuelve?</a:t>
+            </a:r>
+            <a:endParaRPr lang="es-PA" dirty="0"/>
+          </a:p>
+          <a:p>
+            <a:pPr lvl="1"/>
+            <a:r>
+              <a:rPr lang="es-PA" dirty="0" err="1" smtClean="0"/>
+              <a:t>Analiticamente</a:t>
+            </a:r>
+            <a:endParaRPr lang="es-PA" dirty="0" smtClean="0"/>
+          </a:p>
+          <a:p>
+            <a:pPr lvl="1"/>
+            <a:r>
+              <a:rPr lang="es-PA" dirty="0" smtClean="0"/>
+              <a:t>Simulando el proceso por medio de </a:t>
+            </a:r>
+            <a:r>
+              <a:rPr lang="es-PA" dirty="0" err="1" smtClean="0"/>
+              <a:t>estadisticas</a:t>
+            </a:r>
+            <a:endParaRPr lang="es-PA" dirty="0" smtClean="0"/>
+          </a:p>
+          <a:p>
+            <a:endParaRPr lang="es-PA" dirty="0" smtClean="0"/>
+          </a:p>
+          <a:p>
+            <a:endParaRPr lang="es-PA" dirty="0"/>
+          </a:p>
+          <a:p>
+            <a:endParaRPr lang="es-PA" dirty="0" smtClean="0"/>
+          </a:p>
+          <a:p>
+            <a:endParaRPr lang="es-PA" dirty="0"/>
+          </a:p>
+          <a:p>
+            <a:endParaRPr lang="es-PA" dirty="0" smtClean="0"/>
+          </a:p>
+          <a:p>
+            <a:endParaRPr lang="es-PA" dirty="0"/>
+          </a:p>
+        </p:txBody>
+      </p:sp>
+      <p:pic>
+        <p:nvPicPr>
+          <p:cNvPr id="6" name="Picture 5"/>
+          <p:cNvPicPr>
+            <a:picLocks noChangeAspect="1"/>
+          </p:cNvPicPr>
+          <p:nvPr/>
+        </p:nvPicPr>
+        <p:blipFill>
+          <a:blip r:embed="rId2"/>
+          <a:stretch>
+            <a:fillRect/>
+          </a:stretch>
+        </p:blipFill>
+        <p:spPr>
+          <a:xfrm>
+            <a:off x="6898178" y="149628"/>
+            <a:ext cx="1705496" cy="1705496"/>
+          </a:xfrm>
+          <a:prstGeom prst="rect">
+            <a:avLst/>
+          </a:prstGeom>
+        </p:spPr>
+      </p:pic>
+    </p:spTree>
+    <p:extLst>
+      <p:ext uri="{BB962C8B-B14F-4D97-AF65-F5344CB8AC3E}">
+        <p14:creationId xmlns:p14="http://schemas.microsoft.com/office/powerpoint/2010/main" val="515774404"/>
+      </p:ext>
+    </p:extLst>
+  </p:cSld>
+  <p:clrMapOvr>
+    <a:masterClrMapping/>
+  </p:clrMapOvr>
+</p:sld>
+</file>
+
+<file path=ppt/slides/slide93.xml><?xml version="1.0" encoding="utf-8"?>
+<p:sld xmlns:a="http://schemas.openxmlformats.org/drawingml/2006/main" xmlns:r="http://schemas.openxmlformats.org/officeDocument/2006/relationships" xmlns:p="http://schemas.openxmlformats.org/presentationml/2006/main">
+  <p:cSld>
+    <p:spTree>
+      <p:nvGrpSpPr>
+        <p:cNvPr id="1" name=""/>
+        <p:cNvGrpSpPr/>
+        <p:nvPr/>
+      </p:nvGrpSpPr>
+      <p:grpSpPr>
+        <a:xfrm>
+          <a:off x="0" y="0"/>
+          <a:ext cx="0" cy="0"/>
+          <a:chOff x="0" y="0"/>
+          <a:chExt cx="0" cy="0"/>
+        </a:xfrm>
+      </p:grpSpPr>
+      <p:sp>
+        <p:nvSpPr>
+          <p:cNvPr id="2" name="Title 1"/>
+          <p:cNvSpPr>
+            <a:spLocks noGrp="1"/>
+          </p:cNvSpPr>
+          <p:nvPr>
+            <p:ph type="title"/>
+          </p:nvPr>
+        </p:nvSpPr>
+        <p:spPr>
+          <a:xfrm>
+            <a:off x="646111" y="452718"/>
+            <a:ext cx="10472993" cy="1400530"/>
+          </a:xfrm>
+        </p:spPr>
+        <p:txBody>
+          <a:bodyPr/>
+          <a:lstStyle/>
+          <a:p>
+            <a:r>
+              <a:rPr lang="en-US" dirty="0" err="1" smtClean="0"/>
+              <a:t>Números</a:t>
+            </a:r>
+            <a:r>
+              <a:rPr lang="en-US" dirty="0" smtClean="0"/>
+              <a:t> </a:t>
+            </a:r>
+            <a:r>
+              <a:rPr lang="en-US" dirty="0" err="1" smtClean="0"/>
+              <a:t>Aleatorios</a:t>
+            </a:r>
+            <a:endParaRPr lang="en-US" dirty="0"/>
+          </a:p>
+        </p:txBody>
+      </p:sp>
+      <p:sp>
+        <p:nvSpPr>
+          <p:cNvPr id="3" name="Content Placeholder 2"/>
+          <p:cNvSpPr>
+            <a:spLocks noGrp="1"/>
+          </p:cNvSpPr>
+          <p:nvPr>
+            <p:ph idx="1"/>
+          </p:nvPr>
+        </p:nvSpPr>
+        <p:spPr>
+          <a:xfrm>
+            <a:off x="939096" y="1853248"/>
+            <a:ext cx="10526649" cy="4378804"/>
+          </a:xfrm>
+        </p:spPr>
+        <p:txBody>
+          <a:bodyPr>
+            <a:normAutofit/>
+          </a:bodyPr>
+          <a:lstStyle/>
+          <a:p>
+            <a:r>
+              <a:rPr lang="es-PA" dirty="0" smtClean="0"/>
+              <a:t>Ejemplos</a:t>
+            </a:r>
+          </a:p>
+          <a:p>
+            <a:endParaRPr lang="es-PA" dirty="0"/>
+          </a:p>
+          <a:p>
+            <a:endParaRPr lang="es-PA" dirty="0" smtClean="0"/>
+          </a:p>
+          <a:p>
+            <a:r>
+              <a:rPr lang="es-PA" dirty="0" smtClean="0"/>
+              <a:t>Empezando desde un valor semilla</a:t>
+            </a:r>
+          </a:p>
+          <a:p>
+            <a:endParaRPr lang="es-PA" dirty="0"/>
+          </a:p>
+          <a:p>
+            <a:endParaRPr lang="es-PA" dirty="0" smtClean="0"/>
+          </a:p>
+          <a:p>
+            <a:r>
+              <a:rPr lang="es-PA" dirty="0" err="1" smtClean="0"/>
+              <a:t>np.random.rand</a:t>
+            </a:r>
+            <a:r>
+              <a:rPr lang="es-PA" dirty="0" smtClean="0"/>
+              <a:t>()</a:t>
+            </a:r>
+          </a:p>
+          <a:p>
+            <a:endParaRPr lang="es-PA" dirty="0"/>
+          </a:p>
+          <a:p>
+            <a:r>
+              <a:rPr lang="es-PA" dirty="0" smtClean="0"/>
+              <a:t>El valor semilla garantiza reproducibilidad de los datos</a:t>
+            </a:r>
+          </a:p>
+          <a:p>
+            <a:endParaRPr lang="es-PA" dirty="0" smtClean="0"/>
+          </a:p>
+          <a:p>
+            <a:endParaRPr lang="es-PA" dirty="0"/>
+          </a:p>
+          <a:p>
+            <a:endParaRPr lang="es-PA" dirty="0" smtClean="0"/>
+          </a:p>
+          <a:p>
+            <a:endParaRPr lang="es-PA" dirty="0"/>
+          </a:p>
+          <a:p>
+            <a:endParaRPr lang="es-PA" dirty="0" smtClean="0"/>
+          </a:p>
+          <a:p>
+            <a:endParaRPr lang="es-PA" dirty="0"/>
+          </a:p>
+        </p:txBody>
+      </p:sp>
+      <p:pic>
+        <p:nvPicPr>
+          <p:cNvPr id="6" name="Picture 5"/>
+          <p:cNvPicPr>
+            <a:picLocks noChangeAspect="1"/>
+          </p:cNvPicPr>
+          <p:nvPr/>
+        </p:nvPicPr>
+        <p:blipFill>
+          <a:blip r:embed="rId2"/>
+          <a:stretch>
+            <a:fillRect/>
+          </a:stretch>
+        </p:blipFill>
+        <p:spPr>
+          <a:xfrm>
+            <a:off x="6898178" y="149628"/>
+            <a:ext cx="1705496" cy="1705496"/>
+          </a:xfrm>
+          <a:prstGeom prst="rect">
+            <a:avLst/>
+          </a:prstGeom>
+        </p:spPr>
+      </p:pic>
+      <p:pic>
+        <p:nvPicPr>
+          <p:cNvPr id="4" name="Picture 3"/>
+          <p:cNvPicPr>
+            <a:picLocks noChangeAspect="1"/>
+          </p:cNvPicPr>
+          <p:nvPr/>
+        </p:nvPicPr>
+        <p:blipFill>
+          <a:blip r:embed="rId3"/>
+          <a:stretch>
+            <a:fillRect/>
+          </a:stretch>
+        </p:blipFill>
+        <p:spPr>
+          <a:xfrm>
+            <a:off x="2908675" y="1391966"/>
+            <a:ext cx="3068176" cy="1528743"/>
+          </a:xfrm>
+          <a:prstGeom prst="rect">
+            <a:avLst/>
+          </a:prstGeom>
+        </p:spPr>
+      </p:pic>
+      <p:pic>
+        <p:nvPicPr>
+          <p:cNvPr id="5" name="Picture 4"/>
+          <p:cNvPicPr>
+            <a:picLocks noChangeAspect="1"/>
+          </p:cNvPicPr>
+          <p:nvPr/>
+        </p:nvPicPr>
+        <p:blipFill>
+          <a:blip r:embed="rId4"/>
+          <a:stretch>
+            <a:fillRect/>
+          </a:stretch>
+        </p:blipFill>
+        <p:spPr>
+          <a:xfrm>
+            <a:off x="6269836" y="2450564"/>
+            <a:ext cx="2586817" cy="1385067"/>
+          </a:xfrm>
+          <a:prstGeom prst="rect">
+            <a:avLst/>
+          </a:prstGeom>
+        </p:spPr>
+      </p:pic>
+    </p:spTree>
+    <p:extLst>
+      <p:ext uri="{BB962C8B-B14F-4D97-AF65-F5344CB8AC3E}">
+        <p14:creationId xmlns:p14="http://schemas.microsoft.com/office/powerpoint/2010/main" val="2606440352"/>
+      </p:ext>
+    </p:extLst>
+  </p:cSld>
+  <p:clrMapOvr>
+    <a:masterClrMapping/>
+  </p:clrMapOvr>
+</p:sld>
+</file>
+
+<file path=ppt/slides/slide94.xml><?xml version="1.0" encoding="utf-8"?>
+<p:sld xmlns:a="http://schemas.openxmlformats.org/drawingml/2006/main" xmlns:r="http://schemas.openxmlformats.org/officeDocument/2006/relationships" xmlns:p="http://schemas.openxmlformats.org/presentationml/2006/main">
+  <p:cSld>
+    <p:spTree>
+      <p:nvGrpSpPr>
+        <p:cNvPr id="1" name=""/>
+        <p:cNvGrpSpPr/>
+        <p:nvPr/>
+      </p:nvGrpSpPr>
+      <p:grpSpPr>
+        <a:xfrm>
+          <a:off x="0" y="0"/>
+          <a:ext cx="0" cy="0"/>
+          <a:chOff x="0" y="0"/>
+          <a:chExt cx="0" cy="0"/>
+        </a:xfrm>
+      </p:grpSpPr>
+      <p:sp>
+        <p:nvSpPr>
+          <p:cNvPr id="2" name="Title 1"/>
+          <p:cNvSpPr>
+            <a:spLocks noGrp="1"/>
+          </p:cNvSpPr>
+          <p:nvPr>
+            <p:ph type="title"/>
+          </p:nvPr>
+        </p:nvSpPr>
+        <p:spPr>
+          <a:xfrm>
+            <a:off x="646111" y="452718"/>
+            <a:ext cx="10472993" cy="1400530"/>
+          </a:xfrm>
+        </p:spPr>
+        <p:txBody>
+          <a:bodyPr/>
+          <a:lstStyle/>
+          <a:p>
+            <a:r>
+              <a:rPr lang="en-US" dirty="0" err="1" smtClean="0"/>
+              <a:t>Números</a:t>
+            </a:r>
+            <a:r>
+              <a:rPr lang="en-US" dirty="0" smtClean="0"/>
+              <a:t> </a:t>
+            </a:r>
+            <a:r>
+              <a:rPr lang="en-US" dirty="0" err="1" smtClean="0"/>
+              <a:t>Aleatorios</a:t>
+            </a:r>
+            <a:endParaRPr lang="en-US" dirty="0"/>
+          </a:p>
+        </p:txBody>
+      </p:sp>
+      <p:sp>
+        <p:nvSpPr>
+          <p:cNvPr id="3" name="Content Placeholder 2"/>
+          <p:cNvSpPr>
+            <a:spLocks noGrp="1"/>
+          </p:cNvSpPr>
+          <p:nvPr>
+            <p:ph idx="1"/>
+          </p:nvPr>
+        </p:nvSpPr>
+        <p:spPr>
+          <a:xfrm>
+            <a:off x="939096" y="1853248"/>
+            <a:ext cx="10526649" cy="4378804"/>
+          </a:xfrm>
+        </p:spPr>
+        <p:txBody>
+          <a:bodyPr>
+            <a:normAutofit/>
+          </a:bodyPr>
+          <a:lstStyle/>
+          <a:p>
+            <a:r>
+              <a:rPr lang="es-PA" dirty="0" smtClean="0"/>
+              <a:t>Ejemplo de cara o sello</a:t>
+            </a:r>
+            <a:endParaRPr lang="es-PA" dirty="0" smtClean="0"/>
+          </a:p>
+          <a:p>
+            <a:endParaRPr lang="es-PA" dirty="0"/>
+          </a:p>
+          <a:p>
+            <a:endParaRPr lang="es-PA" dirty="0" smtClean="0"/>
+          </a:p>
+          <a:p>
+            <a:endParaRPr lang="es-PA" dirty="0"/>
+          </a:p>
+          <a:p>
+            <a:endParaRPr lang="es-PA" dirty="0" smtClean="0"/>
+          </a:p>
+          <a:p>
+            <a:endParaRPr lang="es-PA" dirty="0"/>
+          </a:p>
+        </p:txBody>
+      </p:sp>
+      <p:pic>
+        <p:nvPicPr>
+          <p:cNvPr id="6" name="Picture 5"/>
+          <p:cNvPicPr>
+            <a:picLocks noChangeAspect="1"/>
+          </p:cNvPicPr>
+          <p:nvPr/>
+        </p:nvPicPr>
+        <p:blipFill>
+          <a:blip r:embed="rId2"/>
+          <a:stretch>
+            <a:fillRect/>
+          </a:stretch>
+        </p:blipFill>
+        <p:spPr>
+          <a:xfrm>
+            <a:off x="6898178" y="149628"/>
+            <a:ext cx="1705496" cy="1705496"/>
+          </a:xfrm>
+          <a:prstGeom prst="rect">
+            <a:avLst/>
+          </a:prstGeom>
+        </p:spPr>
+      </p:pic>
+      <p:pic>
+        <p:nvPicPr>
+          <p:cNvPr id="7" name="Picture 6"/>
+          <p:cNvPicPr>
+            <a:picLocks noChangeAspect="1"/>
+          </p:cNvPicPr>
+          <p:nvPr/>
+        </p:nvPicPr>
+        <p:blipFill>
+          <a:blip r:embed="rId3"/>
+          <a:stretch>
+            <a:fillRect/>
+          </a:stretch>
+        </p:blipFill>
+        <p:spPr>
+          <a:xfrm>
+            <a:off x="4445143" y="1853248"/>
+            <a:ext cx="4075402" cy="3214591"/>
+          </a:xfrm>
+          <a:prstGeom prst="rect">
+            <a:avLst/>
+          </a:prstGeom>
+        </p:spPr>
+      </p:pic>
+    </p:spTree>
+    <p:extLst>
+      <p:ext uri="{BB962C8B-B14F-4D97-AF65-F5344CB8AC3E}">
+        <p14:creationId xmlns:p14="http://schemas.microsoft.com/office/powerpoint/2010/main" val="2180204730"/>
+      </p:ext>
+    </p:extLst>
+  </p:cSld>
+  <p:clrMapOvr>
+    <a:masterClrMapping/>
+  </p:clrMapOvr>
+</p:sld>
+</file>
+
+<file path=ppt/slides/slide95.xml><?xml version="1.0" encoding="utf-8"?>
+<p:sld xmlns:a="http://schemas.openxmlformats.org/drawingml/2006/main" xmlns:r="http://schemas.openxmlformats.org/officeDocument/2006/relationships" xmlns:p="http://schemas.openxmlformats.org/presentationml/2006/main">
+  <p:cSld>
+    <p:spTree>
+      <p:nvGrpSpPr>
+        <p:cNvPr id="1" name=""/>
+        <p:cNvGrpSpPr/>
+        <p:nvPr/>
+      </p:nvGrpSpPr>
+      <p:grpSpPr>
+        <a:xfrm>
+          <a:off x="0" y="0"/>
+          <a:ext cx="0" cy="0"/>
+          <a:chOff x="0" y="0"/>
+          <a:chExt cx="0" cy="0"/>
+        </a:xfrm>
+      </p:grpSpPr>
+      <p:sp>
+        <p:nvSpPr>
+          <p:cNvPr id="2" name="Title 1"/>
+          <p:cNvSpPr>
+            <a:spLocks noGrp="1"/>
+          </p:cNvSpPr>
+          <p:nvPr>
+            <p:ph type="title"/>
+          </p:nvPr>
+        </p:nvSpPr>
+        <p:spPr>
+          <a:xfrm>
+            <a:off x="646111" y="452718"/>
+            <a:ext cx="10472993" cy="1400530"/>
+          </a:xfrm>
+        </p:spPr>
+        <p:txBody>
+          <a:bodyPr/>
+          <a:lstStyle/>
+          <a:p>
+            <a:r>
+              <a:rPr lang="en-US" dirty="0" err="1" smtClean="0"/>
+              <a:t>Números</a:t>
+            </a:r>
+            <a:r>
+              <a:rPr lang="en-US" dirty="0" smtClean="0"/>
+              <a:t> </a:t>
+            </a:r>
+            <a:r>
+              <a:rPr lang="en-US" dirty="0" err="1" smtClean="0"/>
+              <a:t>Aleatorios</a:t>
+            </a:r>
+            <a:r>
+              <a:rPr lang="en-US" dirty="0" smtClean="0"/>
+              <a:t/>
+            </a:r>
+            <a:br>
+              <a:rPr lang="en-US" dirty="0" smtClean="0"/>
+            </a:br>
+            <a:r>
+              <a:rPr lang="en-US" dirty="0" smtClean="0"/>
+              <a:t>Random Walk</a:t>
+            </a:r>
+            <a:endParaRPr lang="en-US" dirty="0"/>
+          </a:p>
+        </p:txBody>
+      </p:sp>
+      <p:sp>
+        <p:nvSpPr>
+          <p:cNvPr id="3" name="Content Placeholder 2"/>
+          <p:cNvSpPr>
+            <a:spLocks noGrp="1"/>
+          </p:cNvSpPr>
+          <p:nvPr>
+            <p:ph idx="1"/>
+          </p:nvPr>
+        </p:nvSpPr>
+        <p:spPr>
+          <a:xfrm>
+            <a:off x="939096" y="1853248"/>
+            <a:ext cx="10526649" cy="4378804"/>
+          </a:xfrm>
+        </p:spPr>
+        <p:txBody>
+          <a:bodyPr>
+            <a:normAutofit/>
+          </a:bodyPr>
+          <a:lstStyle/>
+          <a:p>
+            <a:r>
+              <a:rPr lang="es-PA" dirty="0" smtClean="0"/>
+              <a:t>Simplemente se hacen “predicciones” cada vez que se requiera</a:t>
+            </a:r>
+            <a:endParaRPr lang="es-PA" dirty="0"/>
+          </a:p>
+          <a:p>
+            <a:endParaRPr lang="es-PA" dirty="0" smtClean="0"/>
+          </a:p>
+          <a:p>
+            <a:endParaRPr lang="es-PA" dirty="0"/>
+          </a:p>
+          <a:p>
+            <a:endParaRPr lang="es-PA" dirty="0" smtClean="0"/>
+          </a:p>
+          <a:p>
+            <a:endParaRPr lang="es-PA" dirty="0"/>
+          </a:p>
+        </p:txBody>
+      </p:sp>
+      <p:pic>
+        <p:nvPicPr>
+          <p:cNvPr id="6" name="Picture 5"/>
+          <p:cNvPicPr>
+            <a:picLocks noChangeAspect="1"/>
+          </p:cNvPicPr>
+          <p:nvPr/>
+        </p:nvPicPr>
+        <p:blipFill>
+          <a:blip r:embed="rId2"/>
+          <a:stretch>
+            <a:fillRect/>
+          </a:stretch>
+        </p:blipFill>
+        <p:spPr>
+          <a:xfrm>
+            <a:off x="6898178" y="149628"/>
+            <a:ext cx="1705496" cy="1705496"/>
+          </a:xfrm>
+          <a:prstGeom prst="rect">
+            <a:avLst/>
+          </a:prstGeom>
+        </p:spPr>
+      </p:pic>
+      <p:pic>
+        <p:nvPicPr>
+          <p:cNvPr id="4" name="Picture 3"/>
+          <p:cNvPicPr>
+            <a:picLocks noChangeAspect="1"/>
+          </p:cNvPicPr>
+          <p:nvPr/>
+        </p:nvPicPr>
+        <p:blipFill>
+          <a:blip r:embed="rId3"/>
+          <a:stretch>
+            <a:fillRect/>
+          </a:stretch>
+        </p:blipFill>
+        <p:spPr>
+          <a:xfrm>
+            <a:off x="2307649" y="2404350"/>
+            <a:ext cx="6296025" cy="3276600"/>
+          </a:xfrm>
+          <a:prstGeom prst="rect">
+            <a:avLst/>
+          </a:prstGeom>
+        </p:spPr>
+      </p:pic>
+    </p:spTree>
+    <p:extLst>
+      <p:ext uri="{BB962C8B-B14F-4D97-AF65-F5344CB8AC3E}">
+        <p14:creationId xmlns:p14="http://schemas.microsoft.com/office/powerpoint/2010/main" val="2731121545"/>
+      </p:ext>
+    </p:extLst>
+  </p:cSld>
+  <p:clrMapOvr>
+    <a:masterClrMapping/>
+  </p:clrMapOvr>
+</p:sld>
+</file>
+
+<file path=ppt/slides/slide96.xml><?xml version="1.0" encoding="utf-8"?>
+<p:sld xmlns:a="http://schemas.openxmlformats.org/drawingml/2006/main" xmlns:r="http://schemas.openxmlformats.org/officeDocument/2006/relationships" xmlns:p="http://schemas.openxmlformats.org/presentationml/2006/main">
+  <p:cSld>
+    <p:spTree>
+      <p:nvGrpSpPr>
+        <p:cNvPr id="1" name=""/>
+        <p:cNvGrpSpPr/>
+        <p:nvPr/>
+      </p:nvGrpSpPr>
+      <p:grpSpPr>
+        <a:xfrm>
+          <a:off x="0" y="0"/>
+          <a:ext cx="0" cy="0"/>
+          <a:chOff x="0" y="0"/>
+          <a:chExt cx="0" cy="0"/>
+        </a:xfrm>
+      </p:grpSpPr>
+      <p:sp>
+        <p:nvSpPr>
+          <p:cNvPr id="2" name="Title 1"/>
+          <p:cNvSpPr>
+            <a:spLocks noGrp="1"/>
+          </p:cNvSpPr>
+          <p:nvPr>
+            <p:ph type="title"/>
+          </p:nvPr>
+        </p:nvSpPr>
+        <p:spPr>
+          <a:xfrm>
+            <a:off x="646111" y="452718"/>
+            <a:ext cx="10472993" cy="1400530"/>
+          </a:xfrm>
+        </p:spPr>
+        <p:txBody>
+          <a:bodyPr/>
+          <a:lstStyle/>
+          <a:p>
+            <a:r>
+              <a:rPr lang="en-US" dirty="0" err="1" smtClean="0"/>
+              <a:t>Números</a:t>
+            </a:r>
+            <a:r>
+              <a:rPr lang="en-US" dirty="0" smtClean="0"/>
+              <a:t> </a:t>
+            </a:r>
+            <a:r>
+              <a:rPr lang="en-US" dirty="0" err="1" smtClean="0"/>
+              <a:t>Aleatorios</a:t>
+            </a:r>
+            <a:r>
+              <a:rPr lang="en-US" dirty="0" smtClean="0"/>
+              <a:t/>
+            </a:r>
+            <a:br>
+              <a:rPr lang="en-US" dirty="0" smtClean="0"/>
+            </a:br>
+            <a:r>
+              <a:rPr lang="en-US" dirty="0" smtClean="0"/>
+              <a:t>Random Walk</a:t>
+            </a:r>
+            <a:endParaRPr lang="en-US" dirty="0"/>
+          </a:p>
+        </p:txBody>
+      </p:sp>
+      <p:sp>
+        <p:nvSpPr>
+          <p:cNvPr id="3" name="Content Placeholder 2"/>
+          <p:cNvSpPr>
+            <a:spLocks noGrp="1"/>
+          </p:cNvSpPr>
+          <p:nvPr>
+            <p:ph idx="1"/>
+          </p:nvPr>
+        </p:nvSpPr>
+        <p:spPr>
+          <a:xfrm>
+            <a:off x="939096" y="1853248"/>
+            <a:ext cx="10526649" cy="4378804"/>
+          </a:xfrm>
+        </p:spPr>
+        <p:txBody>
+          <a:bodyPr>
+            <a:normAutofit/>
+          </a:bodyPr>
+          <a:lstStyle/>
+          <a:p>
+            <a:r>
+              <a:rPr lang="es-PA" dirty="0" smtClean="0"/>
+              <a:t>Simplemente se hacen “predicciones” cada vez que se requiera</a:t>
+            </a:r>
+            <a:endParaRPr lang="es-PA" dirty="0"/>
+          </a:p>
+          <a:p>
+            <a:endParaRPr lang="es-PA" dirty="0" smtClean="0"/>
+          </a:p>
+          <a:p>
+            <a:endParaRPr lang="es-PA" dirty="0"/>
+          </a:p>
+          <a:p>
+            <a:endParaRPr lang="es-PA" dirty="0" smtClean="0"/>
+          </a:p>
+          <a:p>
+            <a:endParaRPr lang="es-PA" dirty="0"/>
+          </a:p>
+        </p:txBody>
+      </p:sp>
+      <p:pic>
+        <p:nvPicPr>
+          <p:cNvPr id="6" name="Picture 5"/>
+          <p:cNvPicPr>
+            <a:picLocks noChangeAspect="1"/>
+          </p:cNvPicPr>
+          <p:nvPr/>
+        </p:nvPicPr>
+        <p:blipFill>
+          <a:blip r:embed="rId2"/>
+          <a:stretch>
+            <a:fillRect/>
+          </a:stretch>
+        </p:blipFill>
+        <p:spPr>
+          <a:xfrm>
+            <a:off x="6898178" y="149628"/>
+            <a:ext cx="1705496" cy="1705496"/>
+          </a:xfrm>
+          <a:prstGeom prst="rect">
+            <a:avLst/>
+          </a:prstGeom>
+        </p:spPr>
+      </p:pic>
+      <p:pic>
+        <p:nvPicPr>
+          <p:cNvPr id="5" name="Picture 4"/>
+          <p:cNvPicPr>
+            <a:picLocks noChangeAspect="1"/>
+          </p:cNvPicPr>
+          <p:nvPr/>
+        </p:nvPicPr>
+        <p:blipFill>
+          <a:blip r:embed="rId3"/>
+          <a:stretch>
+            <a:fillRect/>
+          </a:stretch>
+        </p:blipFill>
+        <p:spPr>
+          <a:xfrm>
+            <a:off x="2581967" y="2456930"/>
+            <a:ext cx="5830514" cy="3640372"/>
+          </a:xfrm>
+          <a:prstGeom prst="rect">
+            <a:avLst/>
+          </a:prstGeom>
+        </p:spPr>
+      </p:pic>
+    </p:spTree>
+    <p:extLst>
+      <p:ext uri="{BB962C8B-B14F-4D97-AF65-F5344CB8AC3E}">
+        <p14:creationId xmlns:p14="http://schemas.microsoft.com/office/powerpoint/2010/main" val="1466716451"/>
+      </p:ext>
+    </p:extLst>
+  </p:cSld>
+  <p:clrMapOvr>
+    <a:masterClrMapping/>
+  </p:clrMapOvr>
+</p:sld>
+</file>
+
+<file path=ppt/slides/slide97.xml><?xml version="1.0" encoding="utf-8"?>
+<p:sld xmlns:a="http://schemas.openxmlformats.org/drawingml/2006/main" xmlns:r="http://schemas.openxmlformats.org/officeDocument/2006/relationships" xmlns:p="http://schemas.openxmlformats.org/presentationml/2006/main">
+  <p:cSld>
+    <p:spTree>
+      <p:nvGrpSpPr>
+        <p:cNvPr id="1" name=""/>
+        <p:cNvGrpSpPr/>
+        <p:nvPr/>
+      </p:nvGrpSpPr>
+      <p:grpSpPr>
+        <a:xfrm>
+          <a:off x="0" y="0"/>
+          <a:ext cx="0" cy="0"/>
+          <a:chOff x="0" y="0"/>
+          <a:chExt cx="0" cy="0"/>
+        </a:xfrm>
+      </p:grpSpPr>
+      <p:sp>
+        <p:nvSpPr>
+          <p:cNvPr id="2" name="Title 1"/>
+          <p:cNvSpPr>
+            <a:spLocks noGrp="1"/>
+          </p:cNvSpPr>
+          <p:nvPr>
+            <p:ph type="title"/>
+          </p:nvPr>
+        </p:nvSpPr>
+        <p:spPr>
+          <a:xfrm>
+            <a:off x="646111" y="452718"/>
+            <a:ext cx="10472993" cy="1400530"/>
+          </a:xfrm>
+        </p:spPr>
+        <p:txBody>
+          <a:bodyPr/>
+          <a:lstStyle/>
+          <a:p>
+            <a:r>
+              <a:rPr lang="en-US" dirty="0" err="1" smtClean="0"/>
+              <a:t>Distribuciones</a:t>
+            </a:r>
+            <a:endParaRPr lang="en-US" dirty="0"/>
+          </a:p>
+        </p:txBody>
+      </p:sp>
+      <p:sp>
+        <p:nvSpPr>
+          <p:cNvPr id="3" name="Content Placeholder 2"/>
+          <p:cNvSpPr>
+            <a:spLocks noGrp="1"/>
+          </p:cNvSpPr>
+          <p:nvPr>
+            <p:ph idx="1"/>
+          </p:nvPr>
+        </p:nvSpPr>
+        <p:spPr>
+          <a:xfrm>
+            <a:off x="939096" y="1853248"/>
+            <a:ext cx="10526649" cy="4378804"/>
+          </a:xfrm>
+        </p:spPr>
+        <p:txBody>
+          <a:bodyPr>
+            <a:normAutofit/>
+          </a:bodyPr>
+          <a:lstStyle/>
+          <a:p>
+            <a:r>
+              <a:rPr lang="es-PA" dirty="0" smtClean="0"/>
+              <a:t>De lo anterior solo tenemos resultados</a:t>
+            </a:r>
+          </a:p>
+          <a:p>
+            <a:r>
+              <a:rPr lang="es-PA" dirty="0" smtClean="0"/>
+              <a:t>Digamos que simulamos este resultado 1,000 veces</a:t>
+            </a:r>
+          </a:p>
+          <a:p>
+            <a:r>
+              <a:rPr lang="es-PA" dirty="0" smtClean="0"/>
+              <a:t>Vamos a calcular distribuciones</a:t>
+            </a:r>
+          </a:p>
+          <a:p>
+            <a:r>
+              <a:rPr lang="es-PA" dirty="0" smtClean="0"/>
+              <a:t>Vamos a calcular los chances</a:t>
+            </a:r>
+            <a:endParaRPr lang="es-PA" dirty="0"/>
+          </a:p>
+          <a:p>
+            <a:endParaRPr lang="es-PA" dirty="0" smtClean="0"/>
+          </a:p>
+          <a:p>
+            <a:endParaRPr lang="es-PA" dirty="0"/>
+          </a:p>
+          <a:p>
+            <a:endParaRPr lang="es-PA" dirty="0" smtClean="0"/>
+          </a:p>
+          <a:p>
+            <a:endParaRPr lang="es-PA" dirty="0"/>
+          </a:p>
+        </p:txBody>
+      </p:sp>
+      <p:pic>
+        <p:nvPicPr>
+          <p:cNvPr id="4" name="Picture 3"/>
+          <p:cNvPicPr>
+            <a:picLocks noChangeAspect="1"/>
+          </p:cNvPicPr>
+          <p:nvPr/>
+        </p:nvPicPr>
+        <p:blipFill>
+          <a:blip r:embed="rId2"/>
+          <a:stretch>
+            <a:fillRect/>
+          </a:stretch>
+        </p:blipFill>
+        <p:spPr>
+          <a:xfrm>
+            <a:off x="5182342" y="311402"/>
+            <a:ext cx="1400530" cy="1400530"/>
+          </a:xfrm>
+          <a:prstGeom prst="rect">
+            <a:avLst/>
+          </a:prstGeom>
+        </p:spPr>
+      </p:pic>
+    </p:spTree>
+    <p:extLst>
+      <p:ext uri="{BB962C8B-B14F-4D97-AF65-F5344CB8AC3E}">
+        <p14:creationId xmlns:p14="http://schemas.microsoft.com/office/powerpoint/2010/main" val="874943702"/>
+      </p:ext>
+    </p:extLst>
+  </p:cSld>
+  <p:clrMapOvr>
+    <a:masterClrMapping/>
+  </p:clrMapOvr>
+</p:sld>
+</file>
+
+<file path=ppt/slides/slide98.xml><?xml version="1.0" encoding="utf-8"?>
+<p:sld xmlns:a="http://schemas.openxmlformats.org/drawingml/2006/main" xmlns:r="http://schemas.openxmlformats.org/officeDocument/2006/relationships" xmlns:p="http://schemas.openxmlformats.org/presentationml/2006/main">
+  <p:cSld>
+    <p:spTree>
+      <p:nvGrpSpPr>
+        <p:cNvPr id="1" name=""/>
+        <p:cNvGrpSpPr/>
+        <p:nvPr/>
+      </p:nvGrpSpPr>
+      <p:grpSpPr>
+        <a:xfrm>
+          <a:off x="0" y="0"/>
+          <a:ext cx="0" cy="0"/>
+          <a:chOff x="0" y="0"/>
+          <a:chExt cx="0" cy="0"/>
+        </a:xfrm>
+      </p:grpSpPr>
+      <p:sp>
+        <p:nvSpPr>
+          <p:cNvPr id="2" name="Title 1"/>
+          <p:cNvSpPr>
+            <a:spLocks noGrp="1"/>
+          </p:cNvSpPr>
+          <p:nvPr>
+            <p:ph type="title"/>
+          </p:nvPr>
+        </p:nvSpPr>
+        <p:spPr>
+          <a:xfrm>
+            <a:off x="646111" y="452718"/>
+            <a:ext cx="10472993" cy="1400530"/>
+          </a:xfrm>
+        </p:spPr>
+        <p:txBody>
+          <a:bodyPr/>
+          <a:lstStyle/>
+          <a:p>
+            <a:r>
+              <a:rPr lang="en-US" dirty="0" err="1" smtClean="0"/>
+              <a:t>Distribuciones</a:t>
+            </a:r>
+            <a:endParaRPr lang="en-US" dirty="0"/>
+          </a:p>
+        </p:txBody>
+      </p:sp>
+      <p:sp>
+        <p:nvSpPr>
+          <p:cNvPr id="3" name="Content Placeholder 2"/>
+          <p:cNvSpPr>
+            <a:spLocks noGrp="1"/>
+          </p:cNvSpPr>
+          <p:nvPr>
+            <p:ph idx="1"/>
+          </p:nvPr>
+        </p:nvSpPr>
+        <p:spPr>
+          <a:xfrm>
+            <a:off x="939096" y="1853248"/>
+            <a:ext cx="10526649" cy="4378804"/>
+          </a:xfrm>
+        </p:spPr>
+        <p:txBody>
+          <a:bodyPr>
+            <a:normAutofit/>
+          </a:bodyPr>
+          <a:lstStyle/>
+          <a:p>
+            <a:r>
+              <a:rPr lang="es-PA" dirty="0" smtClean="0"/>
+              <a:t>De lo anterior solo tenemos resultados</a:t>
+            </a:r>
+          </a:p>
+          <a:p>
+            <a:r>
+              <a:rPr lang="es-PA" dirty="0" smtClean="0"/>
+              <a:t>Digamos que simulamos este resultado 1,000 veces</a:t>
+            </a:r>
+          </a:p>
+          <a:p>
+            <a:r>
+              <a:rPr lang="es-PA" dirty="0" smtClean="0"/>
+              <a:t>Vamos a calcular distribuciones</a:t>
+            </a:r>
+          </a:p>
+          <a:p>
+            <a:r>
+              <a:rPr lang="es-PA" dirty="0" smtClean="0"/>
+              <a:t>Vamos a calcular los chances</a:t>
+            </a:r>
+            <a:endParaRPr lang="es-PA" dirty="0"/>
+          </a:p>
+          <a:p>
+            <a:endParaRPr lang="es-PA" dirty="0" smtClean="0"/>
+          </a:p>
+          <a:p>
+            <a:endParaRPr lang="es-PA" dirty="0"/>
+          </a:p>
+          <a:p>
+            <a:endParaRPr lang="es-PA" dirty="0" smtClean="0"/>
+          </a:p>
+          <a:p>
+            <a:endParaRPr lang="es-PA" dirty="0"/>
+          </a:p>
+        </p:txBody>
+      </p:sp>
+      <p:pic>
+        <p:nvPicPr>
+          <p:cNvPr id="4" name="Picture 3"/>
+          <p:cNvPicPr>
+            <a:picLocks noChangeAspect="1"/>
+          </p:cNvPicPr>
+          <p:nvPr/>
+        </p:nvPicPr>
+        <p:blipFill>
+          <a:blip r:embed="rId2"/>
+          <a:stretch>
+            <a:fillRect/>
+          </a:stretch>
+        </p:blipFill>
+        <p:spPr>
+          <a:xfrm>
+            <a:off x="5182342" y="311402"/>
+            <a:ext cx="1400530" cy="1400530"/>
+          </a:xfrm>
+          <a:prstGeom prst="rect">
+            <a:avLst/>
+          </a:prstGeom>
+        </p:spPr>
+      </p:pic>
+      <p:pic>
+        <p:nvPicPr>
+          <p:cNvPr id="5" name="Picture 4"/>
+          <p:cNvPicPr>
+            <a:picLocks noChangeAspect="1"/>
+          </p:cNvPicPr>
+          <p:nvPr/>
+        </p:nvPicPr>
+        <p:blipFill>
+          <a:blip r:embed="rId3"/>
+          <a:stretch>
+            <a:fillRect/>
+          </a:stretch>
+        </p:blipFill>
+        <p:spPr>
+          <a:xfrm>
+            <a:off x="5931737" y="2862262"/>
+            <a:ext cx="5049376" cy="3783990"/>
+          </a:xfrm>
+          <a:prstGeom prst="rect">
+            <a:avLst/>
+          </a:prstGeom>
+        </p:spPr>
+      </p:pic>
+    </p:spTree>
+    <p:extLst>
+      <p:ext uri="{BB962C8B-B14F-4D97-AF65-F5344CB8AC3E}">
+        <p14:creationId xmlns:p14="http://schemas.microsoft.com/office/powerpoint/2010/main" val="97791579"/>
+      </p:ext>
+    </p:extLst>
+  </p:cSld>
+  <p:clrMapOvr>
+    <a:masterClrMapping/>
+  </p:clrMapOvr>
+</p:sld>
+</file>
+
+<file path=ppt/slides/slide99.xml><?xml version="1.0" encoding="utf-8"?>
+<p:sld xmlns:a="http://schemas.openxmlformats.org/drawingml/2006/main" xmlns:r="http://schemas.openxmlformats.org/officeDocument/2006/relationships" xmlns:p="http://schemas.openxmlformats.org/presentationml/2006/main">
+  <p:cSld>
+    <p:spTree>
+      <p:nvGrpSpPr>
+        <p:cNvPr id="1" name=""/>
+        <p:cNvGrpSpPr/>
+        <p:nvPr/>
+      </p:nvGrpSpPr>
+      <p:grpSpPr>
+        <a:xfrm>
+          <a:off x="0" y="0"/>
+          <a:ext cx="0" cy="0"/>
+          <a:chOff x="0" y="0"/>
+          <a:chExt cx="0" cy="0"/>
+        </a:xfrm>
+      </p:grpSpPr>
+      <p:sp>
+        <p:nvSpPr>
+          <p:cNvPr id="2" name="Title 1"/>
+          <p:cNvSpPr>
+            <a:spLocks noGrp="1"/>
+          </p:cNvSpPr>
+          <p:nvPr>
+            <p:ph type="title"/>
+          </p:nvPr>
+        </p:nvSpPr>
+        <p:spPr>
+          <a:xfrm>
+            <a:off x="646111" y="452718"/>
+            <a:ext cx="10472993" cy="1400530"/>
+          </a:xfrm>
+        </p:spPr>
+        <p:txBody>
+          <a:bodyPr/>
+          <a:lstStyle/>
+          <a:p>
+            <a:r>
+              <a:rPr lang="en-US" dirty="0" err="1" smtClean="0"/>
+              <a:t>Histogramas</a:t>
+            </a:r>
+            <a:r>
+              <a:rPr lang="en-US" dirty="0" smtClean="0"/>
+              <a:t>, 100 corridas</a:t>
+            </a:r>
+            <a:endParaRPr lang="en-US" dirty="0"/>
+          </a:p>
+        </p:txBody>
+      </p:sp>
+      <p:sp>
+        <p:nvSpPr>
+          <p:cNvPr id="3" name="Content Placeholder 2"/>
+          <p:cNvSpPr>
+            <a:spLocks noGrp="1"/>
+          </p:cNvSpPr>
+          <p:nvPr>
+            <p:ph idx="1"/>
+          </p:nvPr>
+        </p:nvSpPr>
+        <p:spPr>
+          <a:xfrm>
+            <a:off x="939096" y="1853248"/>
+            <a:ext cx="10526649" cy="4378804"/>
+          </a:xfrm>
+        </p:spPr>
+        <p:txBody>
+          <a:bodyPr>
+            <a:normAutofit/>
+          </a:bodyPr>
+          <a:lstStyle/>
+          <a:p>
+            <a:r>
+              <a:rPr lang="es-PA" dirty="0" smtClean="0"/>
+              <a:t>Veamos el cálculo de este histograma</a:t>
+            </a:r>
+            <a:endParaRPr lang="es-PA" dirty="0"/>
+          </a:p>
+          <a:p>
+            <a:endParaRPr lang="es-PA" dirty="0" smtClean="0"/>
+          </a:p>
+          <a:p>
+            <a:endParaRPr lang="es-PA" dirty="0"/>
+          </a:p>
+          <a:p>
+            <a:endParaRPr lang="es-PA" dirty="0" smtClean="0"/>
+          </a:p>
+          <a:p>
+            <a:endParaRPr lang="es-PA" dirty="0"/>
+          </a:p>
+        </p:txBody>
+      </p:sp>
+      <p:pic>
+        <p:nvPicPr>
+          <p:cNvPr id="4" name="Picture 3"/>
+          <p:cNvPicPr>
+            <a:picLocks noChangeAspect="1"/>
+          </p:cNvPicPr>
+          <p:nvPr/>
+        </p:nvPicPr>
+        <p:blipFill>
+          <a:blip r:embed="rId2"/>
+          <a:stretch>
+            <a:fillRect/>
+          </a:stretch>
+        </p:blipFill>
+        <p:spPr>
+          <a:xfrm>
+            <a:off x="8174924" y="452718"/>
+            <a:ext cx="1400530" cy="1400530"/>
+          </a:xfrm>
+          <a:prstGeom prst="rect">
+            <a:avLst/>
+          </a:prstGeom>
+        </p:spPr>
+      </p:pic>
+      <p:pic>
+        <p:nvPicPr>
+          <p:cNvPr id="7" name="Picture 6"/>
+          <p:cNvPicPr>
+            <a:picLocks noChangeAspect="1"/>
+          </p:cNvPicPr>
+          <p:nvPr/>
+        </p:nvPicPr>
+        <p:blipFill rotWithShape="1">
+          <a:blip r:embed="rId3"/>
+          <a:srcRect b="52336"/>
+          <a:stretch/>
+        </p:blipFill>
+        <p:spPr>
+          <a:xfrm>
+            <a:off x="939096" y="2974138"/>
+            <a:ext cx="4981575" cy="2628641"/>
+          </a:xfrm>
+          <a:prstGeom prst="rect">
+            <a:avLst/>
+          </a:prstGeom>
+        </p:spPr>
+      </p:pic>
+      <p:pic>
+        <p:nvPicPr>
+          <p:cNvPr id="8" name="Picture 7"/>
+          <p:cNvPicPr>
+            <a:picLocks noChangeAspect="1"/>
+          </p:cNvPicPr>
+          <p:nvPr/>
+        </p:nvPicPr>
+        <p:blipFill rotWithShape="1">
+          <a:blip r:embed="rId3"/>
+          <a:srcRect t="50274" r="22689"/>
+          <a:stretch/>
+        </p:blipFill>
+        <p:spPr>
+          <a:xfrm>
+            <a:off x="6448166" y="2402378"/>
+            <a:ext cx="4494574" cy="3200401"/>
+          </a:xfrm>
+          <a:prstGeom prst="rect">
+            <a:avLst/>
+          </a:prstGeom>
+        </p:spPr>
+      </p:pic>
+    </p:spTree>
+    <p:extLst>
+      <p:ext uri="{BB962C8B-B14F-4D97-AF65-F5344CB8AC3E}">
+        <p14:creationId xmlns:p14="http://schemas.microsoft.com/office/powerpoint/2010/main" val="1240931223"/>
       </p:ext>
     </p:extLst>
   </p:cSld>
